--- a/Verteitigung.pptx
+++ b/Verteitigung.pptx
@@ -5,16 +5,22 @@
     <p:sldMasterId id="2147483656" r:id="rId1"/>
   </p:sldMasterIdLst>
   <p:notesMasterIdLst>
-    <p:notesMasterId r:id="rId6"/>
+    <p:notesMasterId r:id="rId12"/>
   </p:notesMasterIdLst>
   <p:handoutMasterIdLst>
-    <p:handoutMasterId r:id="rId7"/>
+    <p:handoutMasterId r:id="rId13"/>
   </p:handoutMasterIdLst>
   <p:sldIdLst>
     <p:sldId id="257" r:id="rId2"/>
     <p:sldId id="258" r:id="rId3"/>
-    <p:sldId id="259" r:id="rId4"/>
-    <p:sldId id="260" r:id="rId5"/>
+    <p:sldId id="262" r:id="rId4"/>
+    <p:sldId id="263" r:id="rId5"/>
+    <p:sldId id="259" r:id="rId6"/>
+    <p:sldId id="260" r:id="rId7"/>
+    <p:sldId id="264" r:id="rId8"/>
+    <p:sldId id="261" r:id="rId9"/>
+    <p:sldId id="265" r:id="rId10"/>
+    <p:sldId id="266" r:id="rId11"/>
   </p:sldIdLst>
   <p:sldSz cx="9144000" cy="6858000" type="screen4x3"/>
   <p:notesSz cx="7099300" cy="10234613"/>
@@ -162,15 +168,50 @@
 </p:presentation>
 </file>
 
+<file path=ppt/commentAuthors.xml><?xml version="1.0" encoding="utf-8"?>
+<p:cmAuthorLst xmlns:a="http://schemas.openxmlformats.org/drawingml/2006/main" xmlns:r="http://schemas.openxmlformats.org/officeDocument/2006/relationships" xmlns:p="http://schemas.openxmlformats.org/presentationml/2006/main">
+  <p:cmAuthor id="1" name="Henry Winkel" initials="HW" lastIdx="1" clrIdx="0">
+    <p:extLst>
+      <p:ext uri="{19B8F6BF-5375-455C-9EA6-DF929625EA0E}">
+        <p15:presenceInfo xmlns:p15="http://schemas.microsoft.com/office/powerpoint/2012/main" userId="6a56c43121c79b0a" providerId="Windows Live"/>
+      </p:ext>
+    </p:extLst>
+  </p:cmAuthor>
+</p:cmAuthorLst>
+</file>
+
 <file path=ppt/changesInfos/changesInfo1.xml><?xml version="1.0" encoding="utf-8"?>
 <pc:chgInfo xmlns:a="http://schemas.openxmlformats.org/drawingml/2006/main" xmlns:r="http://schemas.openxmlformats.org/officeDocument/2006/relationships" xmlns:ac="http://schemas.microsoft.com/office/drawing/2013/main/command" xmlns:pc="http://schemas.microsoft.com/office/powerpoint/2013/main/command">
   <pc:docChgLst>
     <pc:chgData name="Henry Winkel" userId="6a56c43121c79b0a" providerId="LiveId" clId="{4D9B8240-4D5D-4513-B704-274F1F50401D}"/>
-    <pc:docChg chg="undo addSld delSld modSld">
-      <pc:chgData name="Henry Winkel" userId="6a56c43121c79b0a" providerId="LiveId" clId="{4D9B8240-4D5D-4513-B704-274F1F50401D}" dt="2018-09-06T13:18:45.713" v="369" actId="20577"/>
+    <pc:docChg chg="undo custSel addSld delSld modSld sldOrd modMainMaster">
+      <pc:chgData name="Henry Winkel" userId="6a56c43121c79b0a" providerId="LiveId" clId="{4D9B8240-4D5D-4513-B704-274F1F50401D}" dt="2018-09-07T12:59:53.667" v="1700" actId="20577"/>
       <pc:docMkLst>
         <pc:docMk/>
       </pc:docMkLst>
+      <pc:sldChg chg="modSp">
+        <pc:chgData name="Henry Winkel" userId="6a56c43121c79b0a" providerId="LiveId" clId="{4D9B8240-4D5D-4513-B704-274F1F50401D}" dt="2018-09-07T11:47:53.115" v="387" actId="122"/>
+        <pc:sldMkLst>
+          <pc:docMk/>
+          <pc:sldMk cId="0" sldId="257"/>
+        </pc:sldMkLst>
+        <pc:spChg chg="mod">
+          <ac:chgData name="Henry Winkel" userId="6a56c43121c79b0a" providerId="LiveId" clId="{4D9B8240-4D5D-4513-B704-274F1F50401D}" dt="2018-09-07T11:47:53.115" v="387" actId="122"/>
+          <ac:spMkLst>
+            <pc:docMk/>
+            <pc:sldMk cId="0" sldId="257"/>
+            <ac:spMk id="4" creationId="{00000000-0000-0000-0000-000000000000}"/>
+          </ac:spMkLst>
+        </pc:spChg>
+        <pc:spChg chg="mod">
+          <ac:chgData name="Henry Winkel" userId="6a56c43121c79b0a" providerId="LiveId" clId="{4D9B8240-4D5D-4513-B704-274F1F50401D}" dt="2018-09-07T11:47:23.008" v="381" actId="20577"/>
+          <ac:spMkLst>
+            <pc:docMk/>
+            <pc:sldMk cId="0" sldId="257"/>
+            <ac:spMk id="5" creationId="{00000000-0000-0000-0000-000000000000}"/>
+          </ac:spMkLst>
+        </pc:spChg>
+      </pc:sldChg>
       <pc:sldChg chg="modSp add del">
         <pc:chgData name="Henry Winkel" userId="6a56c43121c79b0a" providerId="LiveId" clId="{4D9B8240-4D5D-4513-B704-274F1F50401D}" dt="2018-09-06T13:16:28.489" v="163" actId="20577"/>
         <pc:sldMkLst>
@@ -186,14 +227,14 @@
           </ac:spMkLst>
         </pc:spChg>
       </pc:sldChg>
-      <pc:sldChg chg="modSp add del modNotesTx">
-        <pc:chgData name="Henry Winkel" userId="6a56c43121c79b0a" providerId="LiveId" clId="{4D9B8240-4D5D-4513-B704-274F1F50401D}" dt="2018-09-06T13:18:18.745" v="320" actId="6549"/>
+      <pc:sldChg chg="modSp add del ord modNotesTx">
+        <pc:chgData name="Henry Winkel" userId="6a56c43121c79b0a" providerId="LiveId" clId="{4D9B8240-4D5D-4513-B704-274F1F50401D}" dt="2018-09-07T12:17:02.964" v="946" actId="20577"/>
         <pc:sldMkLst>
           <pc:docMk/>
           <pc:sldMk cId="3493479051" sldId="259"/>
         </pc:sldMkLst>
         <pc:spChg chg="mod">
-          <ac:chgData name="Henry Winkel" userId="6a56c43121c79b0a" providerId="LiveId" clId="{4D9B8240-4D5D-4513-B704-274F1F50401D}" dt="2018-09-06T13:17:49.753" v="318" actId="20577"/>
+          <ac:chgData name="Henry Winkel" userId="6a56c43121c79b0a" providerId="LiveId" clId="{4D9B8240-4D5D-4513-B704-274F1F50401D}" dt="2018-09-07T12:17:02.964" v="946" actId="20577"/>
           <ac:spMkLst>
             <pc:docMk/>
             <pc:sldMk cId="3493479051" sldId="259"/>
@@ -202,7 +243,7 @@
         </pc:spChg>
       </pc:sldChg>
       <pc:sldChg chg="modSp add">
-        <pc:chgData name="Henry Winkel" userId="6a56c43121c79b0a" providerId="LiveId" clId="{4D9B8240-4D5D-4513-B704-274F1F50401D}" dt="2018-09-06T13:18:45.713" v="369" actId="20577"/>
+        <pc:chgData name="Henry Winkel" userId="6a56c43121c79b0a" providerId="LiveId" clId="{4D9B8240-4D5D-4513-B704-274F1F50401D}" dt="2018-09-07T12:33:29.955" v="1380" actId="20577"/>
         <pc:sldMkLst>
           <pc:docMk/>
           <pc:sldMk cId="3450819455" sldId="260"/>
@@ -216,7 +257,7 @@
           </ac:spMkLst>
         </pc:spChg>
         <pc:spChg chg="mod">
-          <ac:chgData name="Henry Winkel" userId="6a56c43121c79b0a" providerId="LiveId" clId="{4D9B8240-4D5D-4513-B704-274F1F50401D}" dt="2018-09-06T13:18:45.713" v="369" actId="20577"/>
+          <ac:chgData name="Henry Winkel" userId="6a56c43121c79b0a" providerId="LiveId" clId="{4D9B8240-4D5D-4513-B704-274F1F50401D}" dt="2018-09-07T12:33:29.955" v="1380" actId="20577"/>
           <ac:spMkLst>
             <pc:docMk/>
             <pc:sldMk cId="3450819455" sldId="260"/>
@@ -230,6 +271,37 @@
           <pc:docMk/>
           <pc:sldMk cId="3917951620" sldId="260"/>
         </pc:sldMkLst>
+      </pc:sldChg>
+      <pc:sldChg chg="addSp delSp modSp add">
+        <pc:chgData name="Henry Winkel" userId="6a56c43121c79b0a" providerId="LiveId" clId="{4D9B8240-4D5D-4513-B704-274F1F50401D}" dt="2018-09-07T12:36:18.820" v="1468" actId="20577"/>
+        <pc:sldMkLst>
+          <pc:docMk/>
+          <pc:sldMk cId="296910538" sldId="261"/>
+        </pc:sldMkLst>
+        <pc:spChg chg="mod">
+          <ac:chgData name="Henry Winkel" userId="6a56c43121c79b0a" providerId="LiveId" clId="{4D9B8240-4D5D-4513-B704-274F1F50401D}" dt="2018-09-07T12:36:18.820" v="1468" actId="20577"/>
+          <ac:spMkLst>
+            <pc:docMk/>
+            <pc:sldMk cId="296910538" sldId="261"/>
+            <ac:spMk id="5" creationId="{00000000-0000-0000-0000-000000000000}"/>
+          </ac:spMkLst>
+        </pc:spChg>
+        <pc:picChg chg="add del mod">
+          <ac:chgData name="Henry Winkel" userId="6a56c43121c79b0a" providerId="LiveId" clId="{4D9B8240-4D5D-4513-B704-274F1F50401D}" dt="2018-09-07T11:50:38.700" v="400" actId="478"/>
+          <ac:picMkLst>
+            <pc:docMk/>
+            <pc:sldMk cId="296910538" sldId="261"/>
+            <ac:picMk id="4" creationId="{4C8591F3-6D2D-4175-AA7C-C82C3D568A9A}"/>
+          </ac:picMkLst>
+        </pc:picChg>
+        <pc:picChg chg="add del mod">
+          <ac:chgData name="Henry Winkel" userId="6a56c43121c79b0a" providerId="LiveId" clId="{4D9B8240-4D5D-4513-B704-274F1F50401D}" dt="2018-09-07T11:51:15.528" v="408" actId="478"/>
+          <ac:picMkLst>
+            <pc:docMk/>
+            <pc:sldMk cId="296910538" sldId="261"/>
+            <ac:picMk id="7" creationId="{44B19F1C-8F33-446A-9BD7-3C4714BB0276}"/>
+          </ac:picMkLst>
+        </pc:picChg>
       </pc:sldChg>
       <pc:sldChg chg="del">
         <pc:chgData name="Henry Winkel" userId="6a56c43121c79b0a" providerId="LiveId" clId="{4D9B8240-4D5D-4513-B704-274F1F50401D}" dt="2018-09-06T13:14:42.947" v="38" actId="2696"/>
@@ -245,12 +317,82 @@
           <pc:sldMk cId="31372253" sldId="262"/>
         </pc:sldMkLst>
       </pc:sldChg>
+      <pc:sldChg chg="addSp delSp modSp add addCm delCm">
+        <pc:chgData name="Henry Winkel" userId="6a56c43121c79b0a" providerId="LiveId" clId="{4D9B8240-4D5D-4513-B704-274F1F50401D}" dt="2018-09-07T12:12:14.898" v="664" actId="1076"/>
+        <pc:sldMkLst>
+          <pc:docMk/>
+          <pc:sldMk cId="95871627" sldId="262"/>
+        </pc:sldMkLst>
+        <pc:spChg chg="mod">
+          <ac:chgData name="Henry Winkel" userId="6a56c43121c79b0a" providerId="LiveId" clId="{4D9B8240-4D5D-4513-B704-274F1F50401D}" dt="2018-09-07T12:10:30.846" v="620"/>
+          <ac:spMkLst>
+            <pc:docMk/>
+            <pc:sldMk cId="95871627" sldId="262"/>
+            <ac:spMk id="5" creationId="{00000000-0000-0000-0000-000000000000}"/>
+          </ac:spMkLst>
+        </pc:spChg>
+        <pc:spChg chg="add del mod">
+          <ac:chgData name="Henry Winkel" userId="6a56c43121c79b0a" providerId="LiveId" clId="{4D9B8240-4D5D-4513-B704-274F1F50401D}" dt="2018-09-07T12:09:44.945" v="589"/>
+          <ac:spMkLst>
+            <pc:docMk/>
+            <pc:sldMk cId="95871627" sldId="262"/>
+            <ac:spMk id="8" creationId="{F5ACCE24-9456-4F9D-B266-B5C6B4AAB975}"/>
+          </ac:spMkLst>
+        </pc:spChg>
+        <pc:spChg chg="add mod">
+          <ac:chgData name="Henry Winkel" userId="6a56c43121c79b0a" providerId="LiveId" clId="{4D9B8240-4D5D-4513-B704-274F1F50401D}" dt="2018-09-07T12:10:28.294" v="619" actId="1076"/>
+          <ac:spMkLst>
+            <pc:docMk/>
+            <pc:sldMk cId="95871627" sldId="262"/>
+            <ac:spMk id="9" creationId="{92969E2C-1EBB-412C-A3C3-4DECF0D805DF}"/>
+          </ac:spMkLst>
+        </pc:spChg>
+        <pc:spChg chg="add mod">
+          <ac:chgData name="Henry Winkel" userId="6a56c43121c79b0a" providerId="LiveId" clId="{4D9B8240-4D5D-4513-B704-274F1F50401D}" dt="2018-09-07T12:12:14.898" v="664" actId="1076"/>
+          <ac:spMkLst>
+            <pc:docMk/>
+            <pc:sldMk cId="95871627" sldId="262"/>
+            <ac:spMk id="10" creationId="{E82B14FB-5EBB-4AE3-9224-1854DCCDF1DB}"/>
+          </ac:spMkLst>
+        </pc:spChg>
+        <pc:picChg chg="add mod">
+          <ac:chgData name="Henry Winkel" userId="6a56c43121c79b0a" providerId="LiveId" clId="{4D9B8240-4D5D-4513-B704-274F1F50401D}" dt="2018-09-07T12:06:56.887" v="581" actId="14100"/>
+          <ac:picMkLst>
+            <pc:docMk/>
+            <pc:sldMk cId="95871627" sldId="262"/>
+            <ac:picMk id="4" creationId="{FBDEF7DB-E735-44F1-9474-BD83DF9A65CB}"/>
+          </ac:picMkLst>
+        </pc:picChg>
+        <pc:picChg chg="add mod">
+          <ac:chgData name="Henry Winkel" userId="6a56c43121c79b0a" providerId="LiveId" clId="{4D9B8240-4D5D-4513-B704-274F1F50401D}" dt="2018-09-07T12:12:10.310" v="663" actId="1076"/>
+          <ac:picMkLst>
+            <pc:docMk/>
+            <pc:sldMk cId="95871627" sldId="262"/>
+            <ac:picMk id="7" creationId="{0F9EFCD9-2974-40F6-A6B1-269206635E95}"/>
+          </ac:picMkLst>
+        </pc:picChg>
+      </pc:sldChg>
       <pc:sldChg chg="del">
         <pc:chgData name="Henry Winkel" userId="6a56c43121c79b0a" providerId="LiveId" clId="{4D9B8240-4D5D-4513-B704-274F1F50401D}" dt="2018-09-06T13:14:44.044" v="41" actId="2696"/>
         <pc:sldMkLst>
           <pc:docMk/>
           <pc:sldMk cId="930361649" sldId="263"/>
         </pc:sldMkLst>
+      </pc:sldChg>
+      <pc:sldChg chg="modSp add">
+        <pc:chgData name="Henry Winkel" userId="6a56c43121c79b0a" providerId="LiveId" clId="{4D9B8240-4D5D-4513-B704-274F1F50401D}" dt="2018-09-07T12:16:57.682" v="945" actId="5793"/>
+        <pc:sldMkLst>
+          <pc:docMk/>
+          <pc:sldMk cId="1304101492" sldId="263"/>
+        </pc:sldMkLst>
+        <pc:spChg chg="mod">
+          <ac:chgData name="Henry Winkel" userId="6a56c43121c79b0a" providerId="LiveId" clId="{4D9B8240-4D5D-4513-B704-274F1F50401D}" dt="2018-09-07T12:16:57.682" v="945" actId="5793"/>
+          <ac:spMkLst>
+            <pc:docMk/>
+            <pc:sldMk cId="1304101492" sldId="263"/>
+            <ac:spMk id="5" creationId="{00000000-0000-0000-0000-000000000000}"/>
+          </ac:spMkLst>
+        </pc:spChg>
       </pc:sldChg>
       <pc:sldChg chg="del">
         <pc:chgData name="Henry Winkel" userId="6a56c43121c79b0a" providerId="LiveId" clId="{4D9B8240-4D5D-4513-B704-274F1F50401D}" dt="2018-09-06T13:14:43.289" v="39" actId="2696"/>
@@ -259,6 +401,125 @@
           <pc:sldMk cId="333137199" sldId="264"/>
         </pc:sldMkLst>
       </pc:sldChg>
+      <pc:sldChg chg="addSp delSp modSp add">
+        <pc:chgData name="Henry Winkel" userId="6a56c43121c79b0a" providerId="LiveId" clId="{4D9B8240-4D5D-4513-B704-274F1F50401D}" dt="2018-09-07T12:34:30.813" v="1388" actId="207"/>
+        <pc:sldMkLst>
+          <pc:docMk/>
+          <pc:sldMk cId="1686184161" sldId="264"/>
+        </pc:sldMkLst>
+        <pc:spChg chg="add del">
+          <ac:chgData name="Henry Winkel" userId="6a56c43121c79b0a" providerId="LiveId" clId="{4D9B8240-4D5D-4513-B704-274F1F50401D}" dt="2018-09-07T12:34:01.707" v="1382" actId="478"/>
+          <ac:spMkLst>
+            <pc:docMk/>
+            <pc:sldMk cId="1686184161" sldId="264"/>
+            <ac:spMk id="3" creationId="{72D0BEA0-51C7-4721-B31D-D73A67F36EEA}"/>
+          </ac:spMkLst>
+        </pc:spChg>
+        <pc:spChg chg="add mod">
+          <ac:chgData name="Henry Winkel" userId="6a56c43121c79b0a" providerId="LiveId" clId="{4D9B8240-4D5D-4513-B704-274F1F50401D}" dt="2018-09-07T12:34:30.813" v="1388" actId="207"/>
+          <ac:spMkLst>
+            <pc:docMk/>
+            <pc:sldMk cId="1686184161" sldId="264"/>
+            <ac:spMk id="6" creationId="{7511CD13-7B80-4A42-AF15-88211E329F90}"/>
+          </ac:spMkLst>
+        </pc:spChg>
+        <pc:spChg chg="add mod">
+          <ac:chgData name="Henry Winkel" userId="6a56c43121c79b0a" providerId="LiveId" clId="{4D9B8240-4D5D-4513-B704-274F1F50401D}" dt="2018-09-07T12:34:30.813" v="1388" actId="207"/>
+          <ac:spMkLst>
+            <pc:docMk/>
+            <pc:sldMk cId="1686184161" sldId="264"/>
+            <ac:spMk id="7" creationId="{5E99E059-F93A-4D84-901D-B271F8FE7D0F}"/>
+          </ac:spMkLst>
+        </pc:spChg>
+        <pc:spChg chg="add mod">
+          <ac:chgData name="Henry Winkel" userId="6a56c43121c79b0a" providerId="LiveId" clId="{4D9B8240-4D5D-4513-B704-274F1F50401D}" dt="2018-09-07T12:34:30.813" v="1388" actId="207"/>
+          <ac:spMkLst>
+            <pc:docMk/>
+            <pc:sldMk cId="1686184161" sldId="264"/>
+            <ac:spMk id="8" creationId="{1D9EAC18-FA1F-43CD-9968-0D3B5C0A8B3F}"/>
+          </ac:spMkLst>
+        </pc:spChg>
+        <pc:spChg chg="add mod">
+          <ac:chgData name="Henry Winkel" userId="6a56c43121c79b0a" providerId="LiveId" clId="{4D9B8240-4D5D-4513-B704-274F1F50401D}" dt="2018-09-07T12:34:30.813" v="1388" actId="207"/>
+          <ac:spMkLst>
+            <pc:docMk/>
+            <pc:sldMk cId="1686184161" sldId="264"/>
+            <ac:spMk id="9" creationId="{BE65E955-4AFF-4052-BEE4-A967E0A0A94C}"/>
+          </ac:spMkLst>
+        </pc:spChg>
+        <pc:spChg chg="add mod">
+          <ac:chgData name="Henry Winkel" userId="6a56c43121c79b0a" providerId="LiveId" clId="{4D9B8240-4D5D-4513-B704-274F1F50401D}" dt="2018-09-07T12:34:30.813" v="1388" actId="207"/>
+          <ac:spMkLst>
+            <pc:docMk/>
+            <pc:sldMk cId="1686184161" sldId="264"/>
+            <ac:spMk id="10" creationId="{81332D66-B6B3-4ACA-A16B-C99FF0CBB088}"/>
+          </ac:spMkLst>
+        </pc:spChg>
+        <pc:spChg chg="add mod">
+          <ac:chgData name="Henry Winkel" userId="6a56c43121c79b0a" providerId="LiveId" clId="{4D9B8240-4D5D-4513-B704-274F1F50401D}" dt="2018-09-07T12:34:30.813" v="1388" actId="207"/>
+          <ac:spMkLst>
+            <pc:docMk/>
+            <pc:sldMk cId="1686184161" sldId="264"/>
+            <ac:spMk id="11" creationId="{706F8266-6067-453F-8DB7-0575216E2887}"/>
+          </ac:spMkLst>
+        </pc:spChg>
+        <pc:spChg chg="add mod">
+          <ac:chgData name="Henry Winkel" userId="6a56c43121c79b0a" providerId="LiveId" clId="{4D9B8240-4D5D-4513-B704-274F1F50401D}" dt="2018-09-07T12:34:30.813" v="1388" actId="207"/>
+          <ac:spMkLst>
+            <pc:docMk/>
+            <pc:sldMk cId="1686184161" sldId="264"/>
+            <ac:spMk id="12" creationId="{BE0C4F51-AC55-481E-AF09-1E2EB53B50B8}"/>
+          </ac:spMkLst>
+        </pc:spChg>
+        <pc:spChg chg="add">
+          <ac:chgData name="Henry Winkel" userId="6a56c43121c79b0a" providerId="LiveId" clId="{4D9B8240-4D5D-4513-B704-274F1F50401D}" dt="2018-09-07T12:34:22.062" v="1386"/>
+          <ac:spMkLst>
+            <pc:docMk/>
+            <pc:sldMk cId="1686184161" sldId="264"/>
+            <ac:spMk id="13" creationId="{F3FC3A5E-9A80-4BB9-BA14-BB7081BEBC0E}"/>
+          </ac:spMkLst>
+        </pc:spChg>
+        <pc:spChg chg="add">
+          <ac:chgData name="Henry Winkel" userId="6a56c43121c79b0a" providerId="LiveId" clId="{4D9B8240-4D5D-4513-B704-274F1F50401D}" dt="2018-09-07T12:34:22.062" v="1386"/>
+          <ac:spMkLst>
+            <pc:docMk/>
+            <pc:sldMk cId="1686184161" sldId="264"/>
+            <ac:spMk id="14" creationId="{BD1E9218-748A-42C7-948C-A30ECA6F84D1}"/>
+          </ac:spMkLst>
+        </pc:spChg>
+        <pc:spChg chg="add">
+          <ac:chgData name="Henry Winkel" userId="6a56c43121c79b0a" providerId="LiveId" clId="{4D9B8240-4D5D-4513-B704-274F1F50401D}" dt="2018-09-07T12:34:22.062" v="1386"/>
+          <ac:spMkLst>
+            <pc:docMk/>
+            <pc:sldMk cId="1686184161" sldId="264"/>
+            <ac:spMk id="15" creationId="{1D7024CB-54E6-4ABA-8BFD-AC6F844053EA}"/>
+          </ac:spMkLst>
+        </pc:spChg>
+        <pc:spChg chg="add">
+          <ac:chgData name="Henry Winkel" userId="6a56c43121c79b0a" providerId="LiveId" clId="{4D9B8240-4D5D-4513-B704-274F1F50401D}" dt="2018-09-07T12:34:22.062" v="1386"/>
+          <ac:spMkLst>
+            <pc:docMk/>
+            <pc:sldMk cId="1686184161" sldId="264"/>
+            <ac:spMk id="16" creationId="{6930125E-8AE4-4705-8FCC-85D42616F848}"/>
+          </ac:spMkLst>
+        </pc:spChg>
+        <pc:spChg chg="add">
+          <ac:chgData name="Henry Winkel" userId="6a56c43121c79b0a" providerId="LiveId" clId="{4D9B8240-4D5D-4513-B704-274F1F50401D}" dt="2018-09-07T12:34:22.062" v="1386"/>
+          <ac:spMkLst>
+            <pc:docMk/>
+            <pc:sldMk cId="1686184161" sldId="264"/>
+            <ac:spMk id="17" creationId="{78094DC5-C6C1-497D-8855-C18EE4F3E42D}"/>
+          </ac:spMkLst>
+        </pc:spChg>
+        <pc:spChg chg="add">
+          <ac:chgData name="Henry Winkel" userId="6a56c43121c79b0a" providerId="LiveId" clId="{4D9B8240-4D5D-4513-B704-274F1F50401D}" dt="2018-09-07T12:34:22.062" v="1386"/>
+          <ac:spMkLst>
+            <pc:docMk/>
+            <pc:sldMk cId="1686184161" sldId="264"/>
+            <ac:spMk id="18" creationId="{C04DBE89-EB73-4FCD-B3F8-5DE2E88EF798}"/>
+          </ac:spMkLst>
+        </pc:spChg>
+      </pc:sldChg>
       <pc:sldChg chg="del">
         <pc:chgData name="Henry Winkel" userId="6a56c43121c79b0a" providerId="LiveId" clId="{4D9B8240-4D5D-4513-B704-274F1F50401D}" dt="2018-09-06T13:14:42.204" v="36" actId="2696"/>
         <pc:sldMkLst>
@@ -266,12 +527,89 @@
           <pc:sldMk cId="99205517" sldId="265"/>
         </pc:sldMkLst>
       </pc:sldChg>
+      <pc:sldChg chg="add del">
+        <pc:chgData name="Henry Winkel" userId="6a56c43121c79b0a" providerId="LiveId" clId="{4D9B8240-4D5D-4513-B704-274F1F50401D}" dt="2018-09-07T12:40:48.076" v="1470" actId="2696"/>
+        <pc:sldMkLst>
+          <pc:docMk/>
+          <pc:sldMk cId="2974049832" sldId="265"/>
+        </pc:sldMkLst>
+      </pc:sldChg>
+      <pc:sldChg chg="addSp delSp modSp add">
+        <pc:chgData name="Henry Winkel" userId="6a56c43121c79b0a" providerId="LiveId" clId="{4D9B8240-4D5D-4513-B704-274F1F50401D}" dt="2018-09-07T12:56:01.805" v="1617" actId="1076"/>
+        <pc:sldMkLst>
+          <pc:docMk/>
+          <pc:sldMk cId="3944312276" sldId="265"/>
+        </pc:sldMkLst>
+        <pc:spChg chg="mod">
+          <ac:chgData name="Henry Winkel" userId="6a56c43121c79b0a" providerId="LiveId" clId="{4D9B8240-4D5D-4513-B704-274F1F50401D}" dt="2018-09-07T12:40:56.361" v="1472"/>
+          <ac:spMkLst>
+            <pc:docMk/>
+            <pc:sldMk cId="3944312276" sldId="265"/>
+            <ac:spMk id="2" creationId="{0441FAB0-BBB5-4663-B8F3-E7B54E8A038A}"/>
+          </ac:spMkLst>
+        </pc:spChg>
+        <pc:spChg chg="add mod">
+          <ac:chgData name="Henry Winkel" userId="6a56c43121c79b0a" providerId="LiveId" clId="{4D9B8240-4D5D-4513-B704-274F1F50401D}" dt="2018-09-07T12:56:01.805" v="1617" actId="1076"/>
+          <ac:spMkLst>
+            <pc:docMk/>
+            <pc:sldMk cId="3944312276" sldId="265"/>
+            <ac:spMk id="6" creationId="{FEE6C804-007B-4835-B322-2D2FF13C9CCF}"/>
+          </ac:spMkLst>
+        </pc:spChg>
+        <pc:graphicFrameChg chg="add mod modGraphic">
+          <ac:chgData name="Henry Winkel" userId="6a56c43121c79b0a" providerId="LiveId" clId="{4D9B8240-4D5D-4513-B704-274F1F50401D}" dt="2018-09-07T12:55:18.315" v="1602" actId="14100"/>
+          <ac:graphicFrameMkLst>
+            <pc:docMk/>
+            <pc:sldMk cId="3944312276" sldId="265"/>
+            <ac:graphicFrameMk id="5" creationId="{8627A0A9-D6BB-4517-917D-06DA53F8B6F1}"/>
+          </ac:graphicFrameMkLst>
+        </pc:graphicFrameChg>
+        <pc:picChg chg="add del mod">
+          <ac:chgData name="Henry Winkel" userId="6a56c43121c79b0a" providerId="LiveId" clId="{4D9B8240-4D5D-4513-B704-274F1F50401D}" dt="2018-09-07T12:49:25.235" v="1482" actId="478"/>
+          <ac:picMkLst>
+            <pc:docMk/>
+            <pc:sldMk cId="3944312276" sldId="265"/>
+            <ac:picMk id="4" creationId="{FA980073-9B4E-474B-A8CA-672B2EA1C7B8}"/>
+          </ac:picMkLst>
+        </pc:picChg>
+      </pc:sldChg>
       <pc:sldChg chg="del">
         <pc:chgData name="Henry Winkel" userId="6a56c43121c79b0a" providerId="LiveId" clId="{4D9B8240-4D5D-4513-B704-274F1F50401D}" dt="2018-09-06T13:14:42.044" v="35" actId="2696"/>
         <pc:sldMkLst>
           <pc:docMk/>
           <pc:sldMk cId="1664681943" sldId="266"/>
         </pc:sldMkLst>
+      </pc:sldChg>
+      <pc:sldChg chg="addSp delSp modSp add modNotesTx">
+        <pc:chgData name="Henry Winkel" userId="6a56c43121c79b0a" providerId="LiveId" clId="{4D9B8240-4D5D-4513-B704-274F1F50401D}" dt="2018-09-07T12:59:53.667" v="1700" actId="20577"/>
+        <pc:sldMkLst>
+          <pc:docMk/>
+          <pc:sldMk cId="3172946668" sldId="266"/>
+        </pc:sldMkLst>
+        <pc:spChg chg="add">
+          <ac:chgData name="Henry Winkel" userId="6a56c43121c79b0a" providerId="LiveId" clId="{4D9B8240-4D5D-4513-B704-274F1F50401D}" dt="2018-09-07T12:56:14.119" v="1619"/>
+          <ac:spMkLst>
+            <pc:docMk/>
+            <pc:sldMk cId="3172946668" sldId="266"/>
+            <ac:spMk id="6" creationId="{785F1457-8DAB-4F0F-86FA-F7B4619B6683}"/>
+          </ac:spMkLst>
+        </pc:spChg>
+        <pc:graphicFrameChg chg="add mod modGraphic">
+          <ac:chgData name="Henry Winkel" userId="6a56c43121c79b0a" providerId="LiveId" clId="{4D9B8240-4D5D-4513-B704-274F1F50401D}" dt="2018-09-07T12:59:45.716" v="1699" actId="20577"/>
+          <ac:graphicFrameMkLst>
+            <pc:docMk/>
+            <pc:sldMk cId="3172946668" sldId="266"/>
+            <ac:graphicFrameMk id="5" creationId="{EFC80C9B-826E-4869-8D25-BD6852A6CE71}"/>
+          </ac:graphicFrameMkLst>
+        </pc:graphicFrameChg>
+        <pc:picChg chg="del">
+          <ac:chgData name="Henry Winkel" userId="6a56c43121c79b0a" providerId="LiveId" clId="{4D9B8240-4D5D-4513-B704-274F1F50401D}" dt="2018-09-07T12:46:38.611" v="1480" actId="478"/>
+          <ac:picMkLst>
+            <pc:docMk/>
+            <pc:sldMk cId="3172946668" sldId="266"/>
+            <ac:picMk id="4" creationId="{FA980073-9B4E-474B-A8CA-672B2EA1C7B8}"/>
+          </ac:picMkLst>
+        </pc:picChg>
       </pc:sldChg>
       <pc:sldChg chg="del">
         <pc:chgData name="Henry Winkel" userId="6a56c43121c79b0a" providerId="LiveId" clId="{4D9B8240-4D5D-4513-B704-274F1F50401D}" dt="2018-09-06T13:14:41.746" v="34" actId="2696"/>
@@ -518,6 +856,55 @@
           <pc:sldMk cId="2586730075" sldId="302"/>
         </pc:sldMkLst>
       </pc:sldChg>
+      <pc:sldMasterChg chg="modSp modSldLayout">
+        <pc:chgData name="Henry Winkel" userId="6a56c43121c79b0a" providerId="LiveId" clId="{4D9B8240-4D5D-4513-B704-274F1F50401D}" dt="2018-09-07T12:16:18.992" v="915"/>
+        <pc:sldMasterMkLst>
+          <pc:docMk/>
+          <pc:sldMasterMk cId="0" sldId="2147483656"/>
+        </pc:sldMasterMkLst>
+        <pc:spChg chg="mod">
+          <ac:chgData name="Henry Winkel" userId="6a56c43121c79b0a" providerId="LiveId" clId="{4D9B8240-4D5D-4513-B704-274F1F50401D}" dt="2018-09-07T12:15:52.883" v="913" actId="20577"/>
+          <ac:spMkLst>
+            <pc:docMk/>
+            <pc:sldMasterMk cId="0" sldId="2147483656"/>
+            <ac:spMk id="1028" creationId="{00000000-0000-0000-0000-000000000000}"/>
+          </ac:spMkLst>
+        </pc:spChg>
+        <pc:sldLayoutChg chg="modSp">
+          <pc:chgData name="Henry Winkel" userId="6a56c43121c79b0a" providerId="LiveId" clId="{4D9B8240-4D5D-4513-B704-274F1F50401D}" dt="2018-09-07T12:16:01.855" v="914"/>
+          <pc:sldLayoutMkLst>
+            <pc:docMk/>
+            <pc:sldMasterMk cId="0" sldId="2147483656"/>
+            <pc:sldLayoutMk cId="727820425" sldId="2147484097"/>
+          </pc:sldLayoutMkLst>
+          <pc:spChg chg="mod">
+            <ac:chgData name="Henry Winkel" userId="6a56c43121c79b0a" providerId="LiveId" clId="{4D9B8240-4D5D-4513-B704-274F1F50401D}" dt="2018-09-07T12:16:01.855" v="914"/>
+            <ac:spMkLst>
+              <pc:docMk/>
+              <pc:sldMasterMk cId="0" sldId="2147483656"/>
+              <pc:sldLayoutMk cId="727820425" sldId="2147484097"/>
+              <ac:spMk id="5" creationId="{00000000-0000-0000-0000-000000000000}"/>
+            </ac:spMkLst>
+          </pc:spChg>
+        </pc:sldLayoutChg>
+        <pc:sldLayoutChg chg="modSp">
+          <pc:chgData name="Henry Winkel" userId="6a56c43121c79b0a" providerId="LiveId" clId="{4D9B8240-4D5D-4513-B704-274F1F50401D}" dt="2018-09-07T12:16:18.992" v="915"/>
+          <pc:sldLayoutMkLst>
+            <pc:docMk/>
+            <pc:sldMasterMk cId="0" sldId="2147483656"/>
+            <pc:sldLayoutMk cId="2764294742" sldId="2147484098"/>
+          </pc:sldLayoutMkLst>
+          <pc:spChg chg="mod">
+            <ac:chgData name="Henry Winkel" userId="6a56c43121c79b0a" providerId="LiveId" clId="{4D9B8240-4D5D-4513-B704-274F1F50401D}" dt="2018-09-07T12:16:18.992" v="915"/>
+            <ac:spMkLst>
+              <pc:docMk/>
+              <pc:sldMasterMk cId="0" sldId="2147483656"/>
+              <pc:sldLayoutMk cId="2764294742" sldId="2147484098"/>
+              <ac:spMk id="4" creationId="{00000000-0000-0000-0000-000000000000}"/>
+            </ac:spMkLst>
+          </pc:spChg>
+        </pc:sldLayoutChg>
+      </pc:sldMasterChg>
     </pc:docChg>
   </pc:docChgLst>
 </pc:chgInfo>
@@ -1300,7 +1687,7 @@
     </p:spTree>
     <p:extLst>
       <p:ext uri="{BB962C8B-B14F-4D97-AF65-F5344CB8AC3E}">
-        <p14:creationId xmlns:p14="http://schemas.microsoft.com/office/powerpoint/2010/main" val="3672328018"/>
+        <p14:creationId xmlns:p14="http://schemas.microsoft.com/office/powerpoint/2010/main" val="3139487792"/>
       </p:ext>
     </p:extLst>
   </p:cSld>
@@ -1402,7 +1789,514 @@
     </p:spTree>
     <p:extLst>
       <p:ext uri="{BB962C8B-B14F-4D97-AF65-F5344CB8AC3E}">
+        <p14:creationId xmlns:p14="http://schemas.microsoft.com/office/powerpoint/2010/main" val="2310784097"/>
+      </p:ext>
+    </p:extLst>
+  </p:cSld>
+  <p:clrMapOvr>
+    <a:masterClrMapping/>
+  </p:clrMapOvr>
+</p:notes>
+</file>
+
+<file path=ppt/notesSlides/notesSlide3.xml><?xml version="1.0" encoding="utf-8"?>
+<p:notes xmlns:a="http://schemas.openxmlformats.org/drawingml/2006/main" xmlns:r="http://schemas.openxmlformats.org/officeDocument/2006/relationships" xmlns:p="http://schemas.openxmlformats.org/presentationml/2006/main">
+  <p:cSld>
+    <p:spTree>
+      <p:nvGrpSpPr>
+        <p:cNvPr id="1" name=""/>
+        <p:cNvGrpSpPr/>
+        <p:nvPr/>
+      </p:nvGrpSpPr>
+      <p:grpSpPr>
+        <a:xfrm>
+          <a:off x="0" y="0"/>
+          <a:ext cx="0" cy="0"/>
+          <a:chOff x="0" y="0"/>
+          <a:chExt cx="0" cy="0"/>
+        </a:xfrm>
+      </p:grpSpPr>
+      <p:sp>
+        <p:nvSpPr>
+          <p:cNvPr id="2" name="Folienbildplatzhalter 1"/>
+          <p:cNvSpPr>
+            <a:spLocks noGrp="1" noRot="1" noChangeAspect="1"/>
+          </p:cNvSpPr>
+          <p:nvPr>
+            <p:ph type="sldImg"/>
+          </p:nvPr>
+        </p:nvSpPr>
+        <p:spPr>
+          <a:xfrm>
+            <a:off x="992188" y="768350"/>
+            <a:ext cx="5114925" cy="3836988"/>
+          </a:xfrm>
+        </p:spPr>
+      </p:sp>
+      <p:sp>
+        <p:nvSpPr>
+          <p:cNvPr id="3" name="Notizenplatzhalter 2"/>
+          <p:cNvSpPr>
+            <a:spLocks noGrp="1"/>
+          </p:cNvSpPr>
+          <p:nvPr>
+            <p:ph type="body" idx="1"/>
+          </p:nvPr>
+        </p:nvSpPr>
+        <p:spPr/>
+        <p:txBody>
+          <a:bodyPr/>
+          <a:lstStyle/>
+          <a:p>
+            <a:endParaRPr lang="de-DE" sz="1200" b="0" i="0" u="none" strike="noStrike" kern="1200" baseline="0" dirty="0">
+              <a:solidFill>
+                <a:schemeClr val="tx1"/>
+              </a:solidFill>
+              <a:latin typeface="Arial" charset="0"/>
+              <a:ea typeface="+mn-ea"/>
+              <a:cs typeface="+mn-cs"/>
+            </a:endParaRPr>
+          </a:p>
+        </p:txBody>
+      </p:sp>
+      <p:sp>
+        <p:nvSpPr>
+          <p:cNvPr id="4" name="Foliennummernplatzhalter 3"/>
+          <p:cNvSpPr>
+            <a:spLocks noGrp="1"/>
+          </p:cNvSpPr>
+          <p:nvPr>
+            <p:ph type="sldNum" sz="quarter" idx="10"/>
+          </p:nvPr>
+        </p:nvSpPr>
+        <p:spPr/>
+        <p:txBody>
+          <a:bodyPr/>
+          <a:lstStyle/>
+          <a:p>
+            <a:pPr>
+              <a:defRPr/>
+            </a:pPr>
+            <a:fld id="{82A4AA13-847C-4BB6-8B9D-672147578C92}" type="slidenum">
+              <a:rPr lang="de-DE" smtClean="0"/>
+              <a:pPr>
+                <a:defRPr/>
+              </a:pPr>
+              <a:t>5</a:t>
+            </a:fld>
+            <a:endParaRPr lang="de-DE"/>
+          </a:p>
+        </p:txBody>
+      </p:sp>
+    </p:spTree>
+    <p:extLst>
+      <p:ext uri="{BB962C8B-B14F-4D97-AF65-F5344CB8AC3E}">
+        <p14:creationId xmlns:p14="http://schemas.microsoft.com/office/powerpoint/2010/main" val="3672328018"/>
+      </p:ext>
+    </p:extLst>
+  </p:cSld>
+  <p:clrMapOvr>
+    <a:masterClrMapping/>
+  </p:clrMapOvr>
+</p:notes>
+</file>
+
+<file path=ppt/notesSlides/notesSlide4.xml><?xml version="1.0" encoding="utf-8"?>
+<p:notes xmlns:a="http://schemas.openxmlformats.org/drawingml/2006/main" xmlns:r="http://schemas.openxmlformats.org/officeDocument/2006/relationships" xmlns:p="http://schemas.openxmlformats.org/presentationml/2006/main">
+  <p:cSld>
+    <p:spTree>
+      <p:nvGrpSpPr>
+        <p:cNvPr id="1" name=""/>
+        <p:cNvGrpSpPr/>
+        <p:nvPr/>
+      </p:nvGrpSpPr>
+      <p:grpSpPr>
+        <a:xfrm>
+          <a:off x="0" y="0"/>
+          <a:ext cx="0" cy="0"/>
+          <a:chOff x="0" y="0"/>
+          <a:chExt cx="0" cy="0"/>
+        </a:xfrm>
+      </p:grpSpPr>
+      <p:sp>
+        <p:nvSpPr>
+          <p:cNvPr id="2" name="Folienbildplatzhalter 1"/>
+          <p:cNvSpPr>
+            <a:spLocks noGrp="1" noRot="1" noChangeAspect="1"/>
+          </p:cNvSpPr>
+          <p:nvPr>
+            <p:ph type="sldImg"/>
+          </p:nvPr>
+        </p:nvSpPr>
+        <p:spPr>
+          <a:xfrm>
+            <a:off x="992188" y="768350"/>
+            <a:ext cx="5114925" cy="3836988"/>
+          </a:xfrm>
+        </p:spPr>
+      </p:sp>
+      <p:sp>
+        <p:nvSpPr>
+          <p:cNvPr id="3" name="Notizenplatzhalter 2"/>
+          <p:cNvSpPr>
+            <a:spLocks noGrp="1"/>
+          </p:cNvSpPr>
+          <p:nvPr>
+            <p:ph type="body" idx="1"/>
+          </p:nvPr>
+        </p:nvSpPr>
+        <p:spPr/>
+        <p:txBody>
+          <a:bodyPr/>
+          <a:lstStyle/>
+          <a:p>
+            <a:endParaRPr lang="de-DE" sz="1200" b="0" i="0" u="none" strike="noStrike" kern="1200" baseline="0" dirty="0">
+              <a:solidFill>
+                <a:schemeClr val="tx1"/>
+              </a:solidFill>
+              <a:latin typeface="Arial" charset="0"/>
+              <a:ea typeface="+mn-ea"/>
+              <a:cs typeface="+mn-cs"/>
+            </a:endParaRPr>
+          </a:p>
+        </p:txBody>
+      </p:sp>
+      <p:sp>
+        <p:nvSpPr>
+          <p:cNvPr id="4" name="Foliennummernplatzhalter 3"/>
+          <p:cNvSpPr>
+            <a:spLocks noGrp="1"/>
+          </p:cNvSpPr>
+          <p:nvPr>
+            <p:ph type="sldNum" sz="quarter" idx="10"/>
+          </p:nvPr>
+        </p:nvSpPr>
+        <p:spPr/>
+        <p:txBody>
+          <a:bodyPr/>
+          <a:lstStyle/>
+          <a:p>
+            <a:pPr>
+              <a:defRPr/>
+            </a:pPr>
+            <a:fld id="{82A4AA13-847C-4BB6-8B9D-672147578C92}" type="slidenum">
+              <a:rPr lang="de-DE" smtClean="0"/>
+              <a:pPr>
+                <a:defRPr/>
+              </a:pPr>
+              <a:t>6</a:t>
+            </a:fld>
+            <a:endParaRPr lang="de-DE"/>
+          </a:p>
+        </p:txBody>
+      </p:sp>
+    </p:spTree>
+    <p:extLst>
+      <p:ext uri="{BB962C8B-B14F-4D97-AF65-F5344CB8AC3E}">
         <p14:creationId xmlns:p14="http://schemas.microsoft.com/office/powerpoint/2010/main" val="3755694838"/>
+      </p:ext>
+    </p:extLst>
+  </p:cSld>
+  <p:clrMapOvr>
+    <a:masterClrMapping/>
+  </p:clrMapOvr>
+</p:notes>
+</file>
+
+<file path=ppt/notesSlides/notesSlide5.xml><?xml version="1.0" encoding="utf-8"?>
+<p:notes xmlns:a="http://schemas.openxmlformats.org/drawingml/2006/main" xmlns:r="http://schemas.openxmlformats.org/officeDocument/2006/relationships" xmlns:p="http://schemas.openxmlformats.org/presentationml/2006/main">
+  <p:cSld>
+    <p:spTree>
+      <p:nvGrpSpPr>
+        <p:cNvPr id="1" name=""/>
+        <p:cNvGrpSpPr/>
+        <p:nvPr/>
+      </p:nvGrpSpPr>
+      <p:grpSpPr>
+        <a:xfrm>
+          <a:off x="0" y="0"/>
+          <a:ext cx="0" cy="0"/>
+          <a:chOff x="0" y="0"/>
+          <a:chExt cx="0" cy="0"/>
+        </a:xfrm>
+      </p:grpSpPr>
+      <p:sp>
+        <p:nvSpPr>
+          <p:cNvPr id="2" name="Folienbildplatzhalter 1"/>
+          <p:cNvSpPr>
+            <a:spLocks noGrp="1" noRot="1" noChangeAspect="1"/>
+          </p:cNvSpPr>
+          <p:nvPr>
+            <p:ph type="sldImg"/>
+          </p:nvPr>
+        </p:nvSpPr>
+        <p:spPr>
+          <a:xfrm>
+            <a:off x="992188" y="768350"/>
+            <a:ext cx="5114925" cy="3836988"/>
+          </a:xfrm>
+        </p:spPr>
+      </p:sp>
+      <p:sp>
+        <p:nvSpPr>
+          <p:cNvPr id="3" name="Notizenplatzhalter 2"/>
+          <p:cNvSpPr>
+            <a:spLocks noGrp="1"/>
+          </p:cNvSpPr>
+          <p:nvPr>
+            <p:ph type="body" idx="1"/>
+          </p:nvPr>
+        </p:nvSpPr>
+        <p:spPr/>
+        <p:txBody>
+          <a:bodyPr/>
+          <a:lstStyle/>
+          <a:p>
+            <a:endParaRPr lang="de-DE" sz="1200" b="0" i="0" u="none" strike="noStrike" kern="1200" baseline="0" dirty="0">
+              <a:solidFill>
+                <a:schemeClr val="tx1"/>
+              </a:solidFill>
+              <a:latin typeface="Arial" charset="0"/>
+              <a:ea typeface="+mn-ea"/>
+              <a:cs typeface="+mn-cs"/>
+            </a:endParaRPr>
+          </a:p>
+        </p:txBody>
+      </p:sp>
+      <p:sp>
+        <p:nvSpPr>
+          <p:cNvPr id="4" name="Foliennummernplatzhalter 3"/>
+          <p:cNvSpPr>
+            <a:spLocks noGrp="1"/>
+          </p:cNvSpPr>
+          <p:nvPr>
+            <p:ph type="sldNum" sz="quarter" idx="10"/>
+          </p:nvPr>
+        </p:nvSpPr>
+        <p:spPr/>
+        <p:txBody>
+          <a:bodyPr/>
+          <a:lstStyle/>
+          <a:p>
+            <a:pPr>
+              <a:defRPr/>
+            </a:pPr>
+            <a:fld id="{82A4AA13-847C-4BB6-8B9D-672147578C92}" type="slidenum">
+              <a:rPr lang="de-DE" smtClean="0"/>
+              <a:pPr>
+                <a:defRPr/>
+              </a:pPr>
+              <a:t>7</a:t>
+            </a:fld>
+            <a:endParaRPr lang="de-DE"/>
+          </a:p>
+        </p:txBody>
+      </p:sp>
+    </p:spTree>
+    <p:extLst>
+      <p:ext uri="{BB962C8B-B14F-4D97-AF65-F5344CB8AC3E}">
+        <p14:creationId xmlns:p14="http://schemas.microsoft.com/office/powerpoint/2010/main" val="3580228418"/>
+      </p:ext>
+    </p:extLst>
+  </p:cSld>
+  <p:clrMapOvr>
+    <a:masterClrMapping/>
+  </p:clrMapOvr>
+</p:notes>
+</file>
+
+<file path=ppt/notesSlides/notesSlide6.xml><?xml version="1.0" encoding="utf-8"?>
+<p:notes xmlns:a="http://schemas.openxmlformats.org/drawingml/2006/main" xmlns:r="http://schemas.openxmlformats.org/officeDocument/2006/relationships" xmlns:p="http://schemas.openxmlformats.org/presentationml/2006/main">
+  <p:cSld>
+    <p:spTree>
+      <p:nvGrpSpPr>
+        <p:cNvPr id="1" name=""/>
+        <p:cNvGrpSpPr/>
+        <p:nvPr/>
+      </p:nvGrpSpPr>
+      <p:grpSpPr>
+        <a:xfrm>
+          <a:off x="0" y="0"/>
+          <a:ext cx="0" cy="0"/>
+          <a:chOff x="0" y="0"/>
+          <a:chExt cx="0" cy="0"/>
+        </a:xfrm>
+      </p:grpSpPr>
+      <p:sp>
+        <p:nvSpPr>
+          <p:cNvPr id="2" name="Folienbildplatzhalter 1"/>
+          <p:cNvSpPr>
+            <a:spLocks noGrp="1" noRot="1" noChangeAspect="1"/>
+          </p:cNvSpPr>
+          <p:nvPr>
+            <p:ph type="sldImg"/>
+          </p:nvPr>
+        </p:nvSpPr>
+        <p:spPr>
+          <a:xfrm>
+            <a:off x="992188" y="768350"/>
+            <a:ext cx="5114925" cy="3836988"/>
+          </a:xfrm>
+        </p:spPr>
+      </p:sp>
+      <p:sp>
+        <p:nvSpPr>
+          <p:cNvPr id="3" name="Notizenplatzhalter 2"/>
+          <p:cNvSpPr>
+            <a:spLocks noGrp="1"/>
+          </p:cNvSpPr>
+          <p:nvPr>
+            <p:ph type="body" idx="1"/>
+          </p:nvPr>
+        </p:nvSpPr>
+        <p:spPr/>
+        <p:txBody>
+          <a:bodyPr/>
+          <a:lstStyle/>
+          <a:p>
+            <a:endParaRPr lang="de-DE" sz="1200" b="0" i="0" u="none" strike="noStrike" kern="1200" baseline="0" dirty="0">
+              <a:solidFill>
+                <a:schemeClr val="tx1"/>
+              </a:solidFill>
+              <a:latin typeface="Arial" charset="0"/>
+              <a:ea typeface="+mn-ea"/>
+              <a:cs typeface="+mn-cs"/>
+            </a:endParaRPr>
+          </a:p>
+        </p:txBody>
+      </p:sp>
+      <p:sp>
+        <p:nvSpPr>
+          <p:cNvPr id="4" name="Foliennummernplatzhalter 3"/>
+          <p:cNvSpPr>
+            <a:spLocks noGrp="1"/>
+          </p:cNvSpPr>
+          <p:nvPr>
+            <p:ph type="sldNum" sz="quarter" idx="10"/>
+          </p:nvPr>
+        </p:nvSpPr>
+        <p:spPr/>
+        <p:txBody>
+          <a:bodyPr/>
+          <a:lstStyle/>
+          <a:p>
+            <a:pPr>
+              <a:defRPr/>
+            </a:pPr>
+            <a:fld id="{82A4AA13-847C-4BB6-8B9D-672147578C92}" type="slidenum">
+              <a:rPr lang="de-DE" smtClean="0"/>
+              <a:pPr>
+                <a:defRPr/>
+              </a:pPr>
+              <a:t>8</a:t>
+            </a:fld>
+            <a:endParaRPr lang="de-DE"/>
+          </a:p>
+        </p:txBody>
+      </p:sp>
+    </p:spTree>
+    <p:extLst>
+      <p:ext uri="{BB962C8B-B14F-4D97-AF65-F5344CB8AC3E}">
+        <p14:creationId xmlns:p14="http://schemas.microsoft.com/office/powerpoint/2010/main" val="1776439470"/>
+      </p:ext>
+    </p:extLst>
+  </p:cSld>
+  <p:clrMapOvr>
+    <a:masterClrMapping/>
+  </p:clrMapOvr>
+</p:notes>
+</file>
+
+<file path=ppt/notesSlides/notesSlide7.xml><?xml version="1.0" encoding="utf-8"?>
+<p:notes xmlns:a="http://schemas.openxmlformats.org/drawingml/2006/main" xmlns:r="http://schemas.openxmlformats.org/officeDocument/2006/relationships" xmlns:p="http://schemas.openxmlformats.org/presentationml/2006/main">
+  <p:cSld>
+    <p:spTree>
+      <p:nvGrpSpPr>
+        <p:cNvPr id="1" name=""/>
+        <p:cNvGrpSpPr/>
+        <p:nvPr/>
+      </p:nvGrpSpPr>
+      <p:grpSpPr>
+        <a:xfrm>
+          <a:off x="0" y="0"/>
+          <a:ext cx="0" cy="0"/>
+          <a:chOff x="0" y="0"/>
+          <a:chExt cx="0" cy="0"/>
+        </a:xfrm>
+      </p:grpSpPr>
+      <p:sp>
+        <p:nvSpPr>
+          <p:cNvPr id="2" name="Folienbildplatzhalter 1"/>
+          <p:cNvSpPr>
+            <a:spLocks noGrp="1" noRot="1" noChangeAspect="1"/>
+          </p:cNvSpPr>
+          <p:nvPr>
+            <p:ph type="sldImg"/>
+          </p:nvPr>
+        </p:nvSpPr>
+        <p:spPr>
+          <a:xfrm>
+            <a:off x="992188" y="768350"/>
+            <a:ext cx="5114925" cy="3836988"/>
+          </a:xfrm>
+        </p:spPr>
+      </p:sp>
+      <p:sp>
+        <p:nvSpPr>
+          <p:cNvPr id="3" name="Notizenplatzhalter 2"/>
+          <p:cNvSpPr>
+            <a:spLocks noGrp="1"/>
+          </p:cNvSpPr>
+          <p:nvPr>
+            <p:ph type="body" idx="1"/>
+          </p:nvPr>
+        </p:nvSpPr>
+        <p:spPr/>
+        <p:txBody>
+          <a:bodyPr/>
+          <a:lstStyle/>
+          <a:p>
+            <a:r>
+              <a:rPr lang="de-DE"/>
+              <a:t> </a:t>
+            </a:r>
+            <a:endParaRPr lang="de-DE" dirty="0"/>
+          </a:p>
+        </p:txBody>
+      </p:sp>
+      <p:sp>
+        <p:nvSpPr>
+          <p:cNvPr id="4" name="Foliennummernplatzhalter 3"/>
+          <p:cNvSpPr>
+            <a:spLocks noGrp="1"/>
+          </p:cNvSpPr>
+          <p:nvPr>
+            <p:ph type="sldNum" sz="quarter" idx="10"/>
+          </p:nvPr>
+        </p:nvSpPr>
+        <p:spPr/>
+        <p:txBody>
+          <a:bodyPr/>
+          <a:lstStyle/>
+          <a:p>
+            <a:pPr>
+              <a:defRPr/>
+            </a:pPr>
+            <a:fld id="{82A4AA13-847C-4BB6-8B9D-672147578C92}" type="slidenum">
+              <a:rPr lang="de-DE" smtClean="0"/>
+              <a:pPr>
+                <a:defRPr/>
+              </a:pPr>
+              <a:t>10</a:t>
+            </a:fld>
+            <a:endParaRPr lang="de-DE"/>
+          </a:p>
+        </p:txBody>
+      </p:sp>
+    </p:spTree>
+    <p:extLst>
+      <p:ext uri="{BB962C8B-B14F-4D97-AF65-F5344CB8AC3E}">
+        <p14:creationId xmlns:p14="http://schemas.microsoft.com/office/powerpoint/2010/main" val="391879009"/>
       </p:ext>
     </p:extLst>
   </p:cSld>
@@ -1642,7 +2536,7 @@
                   <a:srgbClr val="FFFFFF"/>
                 </a:solidFill>
               </a:rPr>
-              <a:t>	Technische Informatik     	Matthias Engelke                            Verteidigung der Bachelor-Arbeit</a:t>
+              <a:t>	Technische Informatik     	 Henry Winkel                                     Verteidigung der Masterarbeit</a:t>
             </a:r>
             <a:endParaRPr lang="de-DE" altLang="de-DE" sz="1400" dirty="0">
               <a:ea typeface="Lucida Sans Unicode" pitchFamily="34" charset="0"/>
@@ -2114,15 +3008,7 @@
                   <a:srgbClr val="FFFFFF"/>
                 </a:solidFill>
               </a:rPr>
-              <a:t>	Technische Informatik     	Matthias</a:t>
-            </a:r>
-            <a:r>
-              <a:rPr lang="de-DE" altLang="de-DE" sz="1400" baseline="0" dirty="0">
-                <a:solidFill>
-                  <a:srgbClr val="FFFFFF"/>
-                </a:solidFill>
-              </a:rPr>
-              <a:t> Engelke                            Verteidigung der Bachelor-Arbeit</a:t>
+              <a:t>	Technische Informatik     	 Henry Winkel                                     Verteidigung der Masterarbeit</a:t>
             </a:r>
             <a:endParaRPr lang="de-DE" altLang="de-DE" sz="1400" dirty="0">
               <a:ea typeface="Lucida Sans Unicode" pitchFamily="34" charset="0"/>
@@ -2347,7 +3233,7 @@
               <a:pPr>
                 <a:defRPr/>
               </a:pPr>
-              <a:t>06.09.2018</a:t>
+              <a:t>07.09.2018</a:t>
             </a:fld>
             <a:endParaRPr lang="de-DE"/>
           </a:p>
@@ -2552,7 +3438,7 @@
                   <a:srgbClr val="FFFFFF"/>
                 </a:solidFill>
               </a:rPr>
-              <a:t>	Technische Informatik    	Matthias Engelke                            Verteidigung der Bachelor-Arbeit</a:t>
+              <a:t>	Technische Informatik    	Henry Winkel                                     Verteidigung der Masterarbeit</a:t>
             </a:r>
             <a:endParaRPr lang="de-DE" altLang="de-DE" sz="1400" dirty="0">
               <a:ea typeface="Lucida Sans Unicode" pitchFamily="34" charset="0"/>
@@ -3057,7 +3943,7 @@
         <p:spPr>
           <a:xfrm>
             <a:off x="700336" y="2791361"/>
-            <a:ext cx="7848872" cy="1200329"/>
+            <a:ext cx="7848872" cy="954107"/>
           </a:xfrm>
           <a:prstGeom prst="rect">
             <a:avLst/>
@@ -3072,9 +3958,10 @@
           <a:p>
             <a:pPr algn="ctr"/>
             <a:r>
-              <a:rPr lang="de-DE" sz="3600" dirty="0"/>
-              <a:t>Anbindung eines AC-97 Codecs an das PRHS Framework</a:t>
+              <a:rPr lang="de-DE" sz="2800" dirty="0"/>
+              <a:t>Entwurf einer Klassenhierarchie für militärische Simulationen in DIS</a:t>
             </a:r>
+            <a:endParaRPr lang="de-DE" sz="4400" dirty="0"/>
           </a:p>
         </p:txBody>
       </p:sp>
@@ -3103,12 +3990,2652 @@
             <a:pPr algn="ctr"/>
             <a:r>
               <a:rPr lang="de-DE" sz="2800" dirty="0"/>
-              <a:t>Bachelor-Arbeit</a:t>
+              <a:t>Masterarbeit</a:t>
             </a:r>
           </a:p>
         </p:txBody>
       </p:sp>
     </p:spTree>
+  </p:cSld>
+  <p:clrMapOvr>
+    <a:masterClrMapping/>
+  </p:clrMapOvr>
+</p:sld>
+</file>
+
+<file path=ppt/slides/slide10.xml><?xml version="1.0" encoding="utf-8"?>
+<p:sld xmlns:a="http://schemas.openxmlformats.org/drawingml/2006/main" xmlns:r="http://schemas.openxmlformats.org/officeDocument/2006/relationships" xmlns:p="http://schemas.openxmlformats.org/presentationml/2006/main">
+  <p:cSld>
+    <p:spTree>
+      <p:nvGrpSpPr>
+        <p:cNvPr id="1" name=""/>
+        <p:cNvGrpSpPr/>
+        <p:nvPr/>
+      </p:nvGrpSpPr>
+      <p:grpSpPr>
+        <a:xfrm>
+          <a:off x="0" y="0"/>
+          <a:ext cx="0" cy="0"/>
+          <a:chOff x="0" y="0"/>
+          <a:chExt cx="0" cy="0"/>
+        </a:xfrm>
+      </p:grpSpPr>
+      <p:sp>
+        <p:nvSpPr>
+          <p:cNvPr id="2" name="Titel 1">
+            <a:extLst>
+              <a:ext uri="{FF2B5EF4-FFF2-40B4-BE49-F238E27FC236}">
+                <a16:creationId xmlns:a16="http://schemas.microsoft.com/office/drawing/2014/main" id="{0441FAB0-BBB5-4663-B8F3-E7B54E8A038A}"/>
+              </a:ext>
+            </a:extLst>
+          </p:cNvPr>
+          <p:cNvSpPr>
+            <a:spLocks noGrp="1"/>
+          </p:cNvSpPr>
+          <p:nvPr>
+            <p:ph type="title"/>
+          </p:nvPr>
+        </p:nvSpPr>
+        <p:spPr/>
+        <p:txBody>
+          <a:bodyPr/>
+          <a:lstStyle/>
+          <a:p>
+            <a:r>
+              <a:rPr lang="de-DE" dirty="0"/>
+              <a:t>DIS - Grundlagen</a:t>
+            </a:r>
+          </a:p>
+        </p:txBody>
+      </p:sp>
+      <p:graphicFrame>
+        <p:nvGraphicFramePr>
+          <p:cNvPr id="5" name="Tabelle 4">
+            <a:extLst>
+              <a:ext uri="{FF2B5EF4-FFF2-40B4-BE49-F238E27FC236}">
+                <a16:creationId xmlns:a16="http://schemas.microsoft.com/office/drawing/2014/main" id="{EFC80C9B-826E-4869-8D25-BD6852A6CE71}"/>
+              </a:ext>
+            </a:extLst>
+          </p:cNvPr>
+          <p:cNvGraphicFramePr>
+            <a:graphicFrameLocks noGrp="1"/>
+          </p:cNvGraphicFramePr>
+          <p:nvPr>
+            <p:extLst>
+              <p:ext uri="{D42A27DB-BD31-4B8C-83A1-F6EECF244321}">
+                <p14:modId xmlns:p14="http://schemas.microsoft.com/office/powerpoint/2010/main" val="126014929"/>
+              </p:ext>
+            </p:extLst>
+          </p:nvPr>
+        </p:nvGraphicFramePr>
+        <p:xfrm>
+          <a:off x="107504" y="859511"/>
+          <a:ext cx="8640960" cy="4104452"/>
+        </p:xfrm>
+        <a:graphic>
+          <a:graphicData uri="http://schemas.openxmlformats.org/drawingml/2006/table">
+            <a:tbl>
+              <a:tblPr firstRow="1" bandRow="1">
+                <a:tableStyleId>{F5AB1C69-6EDB-4FF4-983F-18BD219EF322}</a:tableStyleId>
+              </a:tblPr>
+              <a:tblGrid>
+                <a:gridCol w="1114182">
+                  <a:extLst>
+                    <a:ext uri="{9D8B030D-6E8A-4147-A177-3AD203B41FA5}">
+                      <a16:colId xmlns:a16="http://schemas.microsoft.com/office/drawing/2014/main" val="3885952796"/>
+                    </a:ext>
+                  </a:extLst>
+                </a:gridCol>
+                <a:gridCol w="2752680">
+                  <a:extLst>
+                    <a:ext uri="{9D8B030D-6E8A-4147-A177-3AD203B41FA5}">
+                      <a16:colId xmlns:a16="http://schemas.microsoft.com/office/drawing/2014/main" val="1640966691"/>
+                    </a:ext>
+                  </a:extLst>
+                </a:gridCol>
+                <a:gridCol w="4774098">
+                  <a:extLst>
+                    <a:ext uri="{9D8B030D-6E8A-4147-A177-3AD203B41FA5}">
+                      <a16:colId xmlns:a16="http://schemas.microsoft.com/office/drawing/2014/main" val="1523279740"/>
+                    </a:ext>
+                  </a:extLst>
+                </a:gridCol>
+              </a:tblGrid>
+              <a:tr h="947182">
+                <a:tc>
+                  <a:txBody>
+                    <a:bodyPr/>
+                    <a:lstStyle/>
+                    <a:p>
+                      <a:pPr algn="ctr"/>
+                      <a:r>
+                        <a:rPr lang="de-DE" sz="1600" dirty="0">
+                          <a:solidFill>
+                            <a:schemeClr val="tx1"/>
+                          </a:solidFill>
+                        </a:rPr>
+                        <a:t>Field </a:t>
+                      </a:r>
+                      <a:r>
+                        <a:rPr lang="de-DE" sz="1600" dirty="0" err="1">
+                          <a:solidFill>
+                            <a:schemeClr val="tx1"/>
+                          </a:solidFill>
+                        </a:rPr>
+                        <a:t>size</a:t>
+                      </a:r>
+                      <a:r>
+                        <a:rPr lang="de-DE" sz="1600" dirty="0">
+                          <a:solidFill>
+                            <a:schemeClr val="tx1"/>
+                          </a:solidFill>
+                        </a:rPr>
+                        <a:t> (</a:t>
+                      </a:r>
+                      <a:r>
+                        <a:rPr lang="de-DE" sz="1600" dirty="0" err="1">
+                          <a:solidFill>
+                            <a:schemeClr val="tx1"/>
+                          </a:solidFill>
+                        </a:rPr>
+                        <a:t>bits</a:t>
+                      </a:r>
+                      <a:r>
+                        <a:rPr lang="de-DE" sz="1600" dirty="0">
+                          <a:solidFill>
+                            <a:schemeClr val="tx1"/>
+                          </a:solidFill>
+                        </a:rPr>
+                        <a:t>)</a:t>
+                      </a:r>
+                    </a:p>
+                  </a:txBody>
+                  <a:tcPr>
+                    <a:lnL w="12700" cap="flat" cmpd="sng" algn="ctr">
+                      <a:solidFill>
+                        <a:schemeClr val="tx1"/>
+                      </a:solidFill>
+                      <a:prstDash val="solid"/>
+                      <a:round/>
+                      <a:headEnd type="none" w="med" len="med"/>
+                      <a:tailEnd type="none" w="med" len="med"/>
+                    </a:lnL>
+                    <a:lnR w="12700" cap="flat" cmpd="sng" algn="ctr">
+                      <a:solidFill>
+                        <a:schemeClr val="tx1"/>
+                      </a:solidFill>
+                      <a:prstDash val="solid"/>
+                      <a:round/>
+                      <a:headEnd type="none" w="med" len="med"/>
+                      <a:tailEnd type="none" w="med" len="med"/>
+                    </a:lnR>
+                    <a:lnT w="12700" cap="flat" cmpd="sng" algn="ctr">
+                      <a:solidFill>
+                        <a:schemeClr val="tx1"/>
+                      </a:solidFill>
+                      <a:prstDash val="solid"/>
+                      <a:round/>
+                      <a:headEnd type="none" w="med" len="med"/>
+                      <a:tailEnd type="none" w="med" len="med"/>
+                    </a:lnT>
+                    <a:lnB w="12700" cap="flat" cmpd="sng" algn="ctr">
+                      <a:solidFill>
+                        <a:schemeClr val="tx1"/>
+                      </a:solidFill>
+                      <a:prstDash val="solid"/>
+                      <a:round/>
+                      <a:headEnd type="none" w="med" len="med"/>
+                      <a:tailEnd type="none" w="med" len="med"/>
+                    </a:lnB>
+                  </a:tcPr>
+                </a:tc>
+                <a:tc gridSpan="2">
+                  <a:txBody>
+                    <a:bodyPr/>
+                    <a:lstStyle/>
+                    <a:p>
+                      <a:pPr algn="ctr"/>
+                      <a:endParaRPr lang="de-DE" sz="1600" b="1" i="0" u="none" strike="noStrike" kern="1200" baseline="0" dirty="0">
+                        <a:solidFill>
+                          <a:schemeClr val="tx1"/>
+                        </a:solidFill>
+                        <a:latin typeface="+mn-lt"/>
+                        <a:ea typeface="+mn-ea"/>
+                        <a:cs typeface="+mn-cs"/>
+                      </a:endParaRPr>
+                    </a:p>
+                    <a:p>
+                      <a:pPr algn="ctr"/>
+                      <a:r>
+                        <a:rPr lang="de-DE" sz="1600" b="1" i="0" u="none" strike="noStrike" kern="1200" baseline="0" dirty="0">
+                          <a:solidFill>
+                            <a:schemeClr val="tx1"/>
+                          </a:solidFill>
+                          <a:latin typeface="+mn-lt"/>
+                          <a:ea typeface="+mn-ea"/>
+                          <a:cs typeface="+mn-cs"/>
+                        </a:rPr>
+                        <a:t>Entity State PDU </a:t>
+                      </a:r>
+                      <a:r>
+                        <a:rPr lang="de-DE" sz="1600" b="1" i="0" u="none" strike="noStrike" kern="1200" baseline="0" dirty="0" err="1">
+                          <a:solidFill>
+                            <a:schemeClr val="tx1"/>
+                          </a:solidFill>
+                          <a:latin typeface="+mn-lt"/>
+                          <a:ea typeface="+mn-ea"/>
+                          <a:cs typeface="+mn-cs"/>
+                        </a:rPr>
+                        <a:t>fields</a:t>
+                      </a:r>
+                      <a:endParaRPr lang="de-DE" sz="1600" dirty="0">
+                        <a:solidFill>
+                          <a:schemeClr val="tx1"/>
+                        </a:solidFill>
+                      </a:endParaRPr>
+                    </a:p>
+                  </a:txBody>
+                  <a:tcPr>
+                    <a:lnL w="12700" cap="flat" cmpd="sng" algn="ctr">
+                      <a:solidFill>
+                        <a:schemeClr val="tx1"/>
+                      </a:solidFill>
+                      <a:prstDash val="solid"/>
+                      <a:round/>
+                      <a:headEnd type="none" w="med" len="med"/>
+                      <a:tailEnd type="none" w="med" len="med"/>
+                    </a:lnL>
+                    <a:lnR w="12700" cap="flat" cmpd="sng" algn="ctr">
+                      <a:solidFill>
+                        <a:schemeClr val="tx1"/>
+                      </a:solidFill>
+                      <a:prstDash val="solid"/>
+                      <a:round/>
+                      <a:headEnd type="none" w="med" len="med"/>
+                      <a:tailEnd type="none" w="med" len="med"/>
+                    </a:lnR>
+                    <a:lnT w="12700" cap="flat" cmpd="sng" algn="ctr">
+                      <a:solidFill>
+                        <a:schemeClr val="tx1"/>
+                      </a:solidFill>
+                      <a:prstDash val="solid"/>
+                      <a:round/>
+                      <a:headEnd type="none" w="med" len="med"/>
+                      <a:tailEnd type="none" w="med" len="med"/>
+                    </a:lnT>
+                    <a:lnB w="12700" cap="flat" cmpd="sng" algn="ctr">
+                      <a:solidFill>
+                        <a:schemeClr val="tx1"/>
+                      </a:solidFill>
+                      <a:prstDash val="solid"/>
+                      <a:round/>
+                      <a:headEnd type="none" w="med" len="med"/>
+                      <a:tailEnd type="none" w="med" len="med"/>
+                    </a:lnB>
+                  </a:tcPr>
+                </a:tc>
+                <a:tc hMerge="1">
+                  <a:txBody>
+                    <a:bodyPr/>
+                    <a:lstStyle/>
+                    <a:p>
+                      <a:endParaRPr lang="de-DE" dirty="0"/>
+                    </a:p>
+                  </a:txBody>
+                  <a:tcPr>
+                    <a:lnL w="12700" cap="flat" cmpd="sng" algn="ctr">
+                      <a:solidFill>
+                        <a:schemeClr val="tx1"/>
+                      </a:solidFill>
+                      <a:prstDash val="solid"/>
+                      <a:round/>
+                      <a:headEnd type="none" w="med" len="med"/>
+                      <a:tailEnd type="none" w="med" len="med"/>
+                    </a:lnL>
+                    <a:lnR w="12700" cap="flat" cmpd="sng" algn="ctr">
+                      <a:solidFill>
+                        <a:schemeClr val="tx1"/>
+                      </a:solidFill>
+                      <a:prstDash val="solid"/>
+                      <a:round/>
+                      <a:headEnd type="none" w="med" len="med"/>
+                      <a:tailEnd type="none" w="med" len="med"/>
+                    </a:lnR>
+                    <a:lnT w="12700" cap="flat" cmpd="sng" algn="ctr">
+                      <a:solidFill>
+                        <a:schemeClr val="tx1"/>
+                      </a:solidFill>
+                      <a:prstDash val="solid"/>
+                      <a:round/>
+                      <a:headEnd type="none" w="med" len="med"/>
+                      <a:tailEnd type="none" w="med" len="med"/>
+                    </a:lnT>
+                    <a:lnB w="12700" cap="flat" cmpd="sng" algn="ctr">
+                      <a:solidFill>
+                        <a:schemeClr val="tx1"/>
+                      </a:solidFill>
+                      <a:prstDash val="solid"/>
+                      <a:round/>
+                      <a:headEnd type="none" w="med" len="med"/>
+                      <a:tailEnd type="none" w="med" len="med"/>
+                    </a:lnB>
+                  </a:tcPr>
+                </a:tc>
+                <a:extLst>
+                  <a:ext uri="{0D108BD9-81ED-4DB2-BD59-A6C34878D82A}">
+                    <a16:rowId xmlns:a16="http://schemas.microsoft.com/office/drawing/2014/main" val="1188214876"/>
+                  </a:ext>
+                </a:extLst>
+              </a:tr>
+              <a:tr h="315727">
+                <a:tc rowSpan="7">
+                  <a:txBody>
+                    <a:bodyPr/>
+                    <a:lstStyle/>
+                    <a:p>
+                      <a:pPr algn="ctr"/>
+                      <a:endParaRPr lang="de-DE" sz="1200" dirty="0">
+                        <a:solidFill>
+                          <a:schemeClr val="tx1"/>
+                        </a:solidFill>
+                        <a:latin typeface="+mn-lt"/>
+                      </a:endParaRPr>
+                    </a:p>
+                    <a:p>
+                      <a:pPr algn="ctr"/>
+                      <a:endParaRPr lang="de-DE" sz="1200" dirty="0">
+                        <a:solidFill>
+                          <a:schemeClr val="tx1"/>
+                        </a:solidFill>
+                        <a:latin typeface="+mn-lt"/>
+                      </a:endParaRPr>
+                    </a:p>
+                    <a:p>
+                      <a:pPr algn="ctr"/>
+                      <a:endParaRPr lang="de-DE" sz="1200" dirty="0">
+                        <a:solidFill>
+                          <a:schemeClr val="tx1"/>
+                        </a:solidFill>
+                        <a:latin typeface="+mn-lt"/>
+                      </a:endParaRPr>
+                    </a:p>
+                    <a:p>
+                      <a:pPr algn="ctr"/>
+                      <a:endParaRPr lang="de-DE" sz="1200" dirty="0">
+                        <a:solidFill>
+                          <a:schemeClr val="tx1"/>
+                        </a:solidFill>
+                        <a:latin typeface="+mn-lt"/>
+                      </a:endParaRPr>
+                    </a:p>
+                    <a:p>
+                      <a:pPr algn="ctr"/>
+                      <a:endParaRPr lang="de-DE" sz="1200" dirty="0">
+                        <a:solidFill>
+                          <a:schemeClr val="tx1"/>
+                        </a:solidFill>
+                        <a:latin typeface="+mn-lt"/>
+                      </a:endParaRPr>
+                    </a:p>
+                    <a:p>
+                      <a:pPr algn="ctr"/>
+                      <a:r>
+                        <a:rPr lang="de-DE" sz="1200" dirty="0">
+                          <a:solidFill>
+                            <a:schemeClr val="tx1"/>
+                          </a:solidFill>
+                          <a:latin typeface="+mn-lt"/>
+                        </a:rPr>
+                        <a:t>64</a:t>
+                      </a:r>
+                    </a:p>
+                  </a:txBody>
+                  <a:tcPr>
+                    <a:lnL w="12700" cap="flat" cmpd="sng" algn="ctr">
+                      <a:solidFill>
+                        <a:schemeClr val="tx1"/>
+                      </a:solidFill>
+                      <a:prstDash val="solid"/>
+                      <a:round/>
+                      <a:headEnd type="none" w="med" len="med"/>
+                      <a:tailEnd type="none" w="med" len="med"/>
+                    </a:lnL>
+                    <a:lnR w="12700" cap="flat" cmpd="sng" algn="ctr">
+                      <a:solidFill>
+                        <a:schemeClr val="tx1"/>
+                      </a:solidFill>
+                      <a:prstDash val="solid"/>
+                      <a:round/>
+                      <a:headEnd type="none" w="med" len="med"/>
+                      <a:tailEnd type="none" w="med" len="med"/>
+                    </a:lnR>
+                    <a:lnT w="12700" cap="flat" cmpd="sng" algn="ctr">
+                      <a:solidFill>
+                        <a:schemeClr val="tx1"/>
+                      </a:solidFill>
+                      <a:prstDash val="solid"/>
+                      <a:round/>
+                      <a:headEnd type="none" w="med" len="med"/>
+                      <a:tailEnd type="none" w="med" len="med"/>
+                    </a:lnT>
+                    <a:lnB w="12700" cap="flat" cmpd="sng" algn="ctr">
+                      <a:solidFill>
+                        <a:schemeClr val="tx1"/>
+                      </a:solidFill>
+                      <a:prstDash val="solid"/>
+                      <a:round/>
+                      <a:headEnd type="none" w="med" len="med"/>
+                      <a:tailEnd type="none" w="med" len="med"/>
+                    </a:lnB>
+                  </a:tcPr>
+                </a:tc>
+                <a:tc rowSpan="7">
+                  <a:txBody>
+                    <a:bodyPr/>
+                    <a:lstStyle/>
+                    <a:p>
+                      <a:pPr algn="ctr"/>
+                      <a:endParaRPr lang="de-DE" sz="1200" b="0" i="0" u="none" strike="noStrike" kern="1200" baseline="0" dirty="0">
+                        <a:solidFill>
+                          <a:schemeClr val="dk1"/>
+                        </a:solidFill>
+                        <a:latin typeface="+mn-lt"/>
+                        <a:ea typeface="+mn-ea"/>
+                        <a:cs typeface="+mn-cs"/>
+                      </a:endParaRPr>
+                    </a:p>
+                    <a:p>
+                      <a:pPr algn="ctr"/>
+                      <a:endParaRPr lang="de-DE" sz="1200" b="0" i="0" u="none" strike="noStrike" kern="1200" baseline="0" dirty="0">
+                        <a:solidFill>
+                          <a:schemeClr val="dk1"/>
+                        </a:solidFill>
+                        <a:latin typeface="+mn-lt"/>
+                        <a:ea typeface="+mn-ea"/>
+                        <a:cs typeface="+mn-cs"/>
+                      </a:endParaRPr>
+                    </a:p>
+                    <a:p>
+                      <a:pPr algn="ctr"/>
+                      <a:endParaRPr lang="de-DE" sz="1200" b="0" i="0" u="none" strike="noStrike" kern="1200" baseline="0" dirty="0">
+                        <a:solidFill>
+                          <a:schemeClr val="dk1"/>
+                        </a:solidFill>
+                        <a:latin typeface="+mn-lt"/>
+                        <a:ea typeface="+mn-ea"/>
+                        <a:cs typeface="+mn-cs"/>
+                      </a:endParaRPr>
+                    </a:p>
+                    <a:p>
+                      <a:pPr algn="ctr"/>
+                      <a:endParaRPr lang="de-DE" sz="1200" b="0" i="0" u="none" strike="noStrike" kern="1200" baseline="0" dirty="0">
+                        <a:solidFill>
+                          <a:schemeClr val="dk1"/>
+                        </a:solidFill>
+                        <a:latin typeface="+mn-lt"/>
+                        <a:ea typeface="+mn-ea"/>
+                        <a:cs typeface="+mn-cs"/>
+                      </a:endParaRPr>
+                    </a:p>
+                    <a:p>
+                      <a:pPr algn="ctr"/>
+                      <a:endParaRPr lang="de-DE" sz="1200" b="0" i="0" u="none" strike="noStrike" kern="1200" baseline="0" dirty="0">
+                        <a:solidFill>
+                          <a:schemeClr val="dk1"/>
+                        </a:solidFill>
+                        <a:latin typeface="+mn-lt"/>
+                        <a:ea typeface="+mn-ea"/>
+                        <a:cs typeface="+mn-cs"/>
+                      </a:endParaRPr>
+                    </a:p>
+                    <a:p>
+                      <a:pPr algn="l"/>
+                      <a:r>
+                        <a:rPr lang="de-DE" sz="1200" b="0" i="0" u="none" strike="noStrike" kern="1200" baseline="0" dirty="0">
+                          <a:solidFill>
+                            <a:schemeClr val="dk1"/>
+                          </a:solidFill>
+                          <a:latin typeface="+mn-lt"/>
+                          <a:ea typeface="+mn-ea"/>
+                          <a:cs typeface="+mn-cs"/>
+                        </a:rPr>
+                        <a:t>Entity Type</a:t>
+                      </a:r>
+                      <a:endParaRPr lang="de-DE" sz="1200" dirty="0">
+                        <a:solidFill>
+                          <a:schemeClr val="tx1"/>
+                        </a:solidFill>
+                        <a:latin typeface="+mn-lt"/>
+                      </a:endParaRPr>
+                    </a:p>
+                  </a:txBody>
+                  <a:tcPr>
+                    <a:lnL w="12700" cap="flat" cmpd="sng" algn="ctr">
+                      <a:solidFill>
+                        <a:schemeClr val="tx1"/>
+                      </a:solidFill>
+                      <a:prstDash val="solid"/>
+                      <a:round/>
+                      <a:headEnd type="none" w="med" len="med"/>
+                      <a:tailEnd type="none" w="med" len="med"/>
+                    </a:lnL>
+                    <a:lnR w="12700" cap="flat" cmpd="sng" algn="ctr">
+                      <a:solidFill>
+                        <a:schemeClr val="tx1"/>
+                      </a:solidFill>
+                      <a:prstDash val="solid"/>
+                      <a:round/>
+                      <a:headEnd type="none" w="med" len="med"/>
+                      <a:tailEnd type="none" w="med" len="med"/>
+                    </a:lnR>
+                    <a:lnT w="12700" cap="flat" cmpd="sng" algn="ctr">
+                      <a:solidFill>
+                        <a:schemeClr val="tx1"/>
+                      </a:solidFill>
+                      <a:prstDash val="solid"/>
+                      <a:round/>
+                      <a:headEnd type="none" w="med" len="med"/>
+                      <a:tailEnd type="none" w="med" len="med"/>
+                    </a:lnT>
+                    <a:lnB w="12700" cap="flat" cmpd="sng" algn="ctr">
+                      <a:solidFill>
+                        <a:schemeClr val="tx1"/>
+                      </a:solidFill>
+                      <a:prstDash val="solid"/>
+                      <a:round/>
+                      <a:headEnd type="none" w="med" len="med"/>
+                      <a:tailEnd type="none" w="med" len="med"/>
+                    </a:lnB>
+                  </a:tcPr>
+                </a:tc>
+                <a:tc>
+                  <a:txBody>
+                    <a:bodyPr/>
+                    <a:lstStyle/>
+                    <a:p>
+                      <a:r>
+                        <a:rPr lang="de-DE" sz="1200" b="0" i="0" u="none" strike="noStrike" kern="1200" baseline="0" dirty="0">
+                          <a:solidFill>
+                            <a:schemeClr val="dk1"/>
+                          </a:solidFill>
+                          <a:latin typeface="+mn-lt"/>
+                          <a:ea typeface="+mn-ea"/>
+                          <a:cs typeface="+mn-cs"/>
+                        </a:rPr>
+                        <a:t>Entity Kind—8-bit </a:t>
+                      </a:r>
+                      <a:r>
+                        <a:rPr lang="de-DE" sz="1200" b="0" i="0" u="none" strike="noStrike" kern="1200" baseline="0" dirty="0" err="1">
+                          <a:solidFill>
+                            <a:schemeClr val="dk1"/>
+                          </a:solidFill>
+                          <a:latin typeface="+mn-lt"/>
+                          <a:ea typeface="+mn-ea"/>
+                          <a:cs typeface="+mn-cs"/>
+                        </a:rPr>
+                        <a:t>enumeration</a:t>
+                      </a:r>
+                      <a:endParaRPr lang="de-DE" sz="1200" b="0" i="0" u="none" strike="noStrike" kern="1200" baseline="0" dirty="0">
+                        <a:solidFill>
+                          <a:schemeClr val="dk1"/>
+                        </a:solidFill>
+                        <a:latin typeface="+mn-lt"/>
+                        <a:ea typeface="+mn-ea"/>
+                        <a:cs typeface="+mn-cs"/>
+                      </a:endParaRPr>
+                    </a:p>
+                  </a:txBody>
+                  <a:tcPr>
+                    <a:lnL w="12700" cap="flat" cmpd="sng" algn="ctr">
+                      <a:solidFill>
+                        <a:schemeClr val="tx1"/>
+                      </a:solidFill>
+                      <a:prstDash val="solid"/>
+                      <a:round/>
+                      <a:headEnd type="none" w="med" len="med"/>
+                      <a:tailEnd type="none" w="med" len="med"/>
+                    </a:lnL>
+                    <a:lnR w="12700" cap="flat" cmpd="sng" algn="ctr">
+                      <a:solidFill>
+                        <a:schemeClr val="tx1"/>
+                      </a:solidFill>
+                      <a:prstDash val="solid"/>
+                      <a:round/>
+                      <a:headEnd type="none" w="med" len="med"/>
+                      <a:tailEnd type="none" w="med" len="med"/>
+                    </a:lnR>
+                    <a:lnT w="12700" cap="flat" cmpd="sng" algn="ctr">
+                      <a:solidFill>
+                        <a:schemeClr val="tx1"/>
+                      </a:solidFill>
+                      <a:prstDash val="solid"/>
+                      <a:round/>
+                      <a:headEnd type="none" w="med" len="med"/>
+                      <a:tailEnd type="none" w="med" len="med"/>
+                    </a:lnT>
+                    <a:lnB w="12700" cap="flat" cmpd="sng" algn="ctr">
+                      <a:solidFill>
+                        <a:schemeClr val="tx1"/>
+                      </a:solidFill>
+                      <a:prstDash val="solid"/>
+                      <a:round/>
+                      <a:headEnd type="none" w="med" len="med"/>
+                      <a:tailEnd type="none" w="med" len="med"/>
+                    </a:lnB>
+                  </a:tcPr>
+                </a:tc>
+                <a:extLst>
+                  <a:ext uri="{0D108BD9-81ED-4DB2-BD59-A6C34878D82A}">
+                    <a16:rowId xmlns:a16="http://schemas.microsoft.com/office/drawing/2014/main" val="348512559"/>
+                  </a:ext>
+                </a:extLst>
+              </a:tr>
+              <a:tr h="315727">
+                <a:tc vMerge="1">
+                  <a:txBody>
+                    <a:bodyPr/>
+                    <a:lstStyle/>
+                    <a:p>
+                      <a:endParaRPr lang="de-DE" dirty="0">
+                        <a:solidFill>
+                          <a:schemeClr val="tx1"/>
+                        </a:solidFill>
+                      </a:endParaRPr>
+                    </a:p>
+                  </a:txBody>
+                  <a:tcPr>
+                    <a:lnL w="12700" cap="flat" cmpd="sng" algn="ctr">
+                      <a:solidFill>
+                        <a:schemeClr val="tx1"/>
+                      </a:solidFill>
+                      <a:prstDash val="solid"/>
+                      <a:round/>
+                      <a:headEnd type="none" w="med" len="med"/>
+                      <a:tailEnd type="none" w="med" len="med"/>
+                    </a:lnL>
+                    <a:lnR w="12700" cap="flat" cmpd="sng" algn="ctr">
+                      <a:solidFill>
+                        <a:schemeClr val="tx1"/>
+                      </a:solidFill>
+                      <a:prstDash val="solid"/>
+                      <a:round/>
+                      <a:headEnd type="none" w="med" len="med"/>
+                      <a:tailEnd type="none" w="med" len="med"/>
+                    </a:lnR>
+                    <a:lnT w="12700" cap="flat" cmpd="sng" algn="ctr">
+                      <a:solidFill>
+                        <a:schemeClr val="tx1"/>
+                      </a:solidFill>
+                      <a:prstDash val="solid"/>
+                      <a:round/>
+                      <a:headEnd type="none" w="med" len="med"/>
+                      <a:tailEnd type="none" w="med" len="med"/>
+                    </a:lnT>
+                    <a:lnB w="12700" cap="flat" cmpd="sng" algn="ctr">
+                      <a:solidFill>
+                        <a:schemeClr val="tx1"/>
+                      </a:solidFill>
+                      <a:prstDash val="solid"/>
+                      <a:round/>
+                      <a:headEnd type="none" w="med" len="med"/>
+                      <a:tailEnd type="none" w="med" len="med"/>
+                    </a:lnB>
+                  </a:tcPr>
+                </a:tc>
+                <a:tc vMerge="1">
+                  <a:txBody>
+                    <a:bodyPr/>
+                    <a:lstStyle/>
+                    <a:p>
+                      <a:endParaRPr lang="de-DE" dirty="0">
+                        <a:solidFill>
+                          <a:schemeClr val="tx1"/>
+                        </a:solidFill>
+                      </a:endParaRPr>
+                    </a:p>
+                  </a:txBody>
+                  <a:tcPr>
+                    <a:lnL w="12700" cap="flat" cmpd="sng" algn="ctr">
+                      <a:solidFill>
+                        <a:schemeClr val="tx1"/>
+                      </a:solidFill>
+                      <a:prstDash val="solid"/>
+                      <a:round/>
+                      <a:headEnd type="none" w="med" len="med"/>
+                      <a:tailEnd type="none" w="med" len="med"/>
+                    </a:lnL>
+                    <a:lnR w="12700" cap="flat" cmpd="sng" algn="ctr">
+                      <a:solidFill>
+                        <a:schemeClr val="tx1"/>
+                      </a:solidFill>
+                      <a:prstDash val="solid"/>
+                      <a:round/>
+                      <a:headEnd type="none" w="med" len="med"/>
+                      <a:tailEnd type="none" w="med" len="med"/>
+                    </a:lnR>
+                    <a:lnT w="12700" cap="flat" cmpd="sng" algn="ctr">
+                      <a:solidFill>
+                        <a:schemeClr val="tx1"/>
+                      </a:solidFill>
+                      <a:prstDash val="solid"/>
+                      <a:round/>
+                      <a:headEnd type="none" w="med" len="med"/>
+                      <a:tailEnd type="none" w="med" len="med"/>
+                    </a:lnT>
+                    <a:lnB w="12700" cap="flat" cmpd="sng" algn="ctr">
+                      <a:solidFill>
+                        <a:schemeClr val="tx1"/>
+                      </a:solidFill>
+                      <a:prstDash val="solid"/>
+                      <a:round/>
+                      <a:headEnd type="none" w="med" len="med"/>
+                      <a:tailEnd type="none" w="med" len="med"/>
+                    </a:lnB>
+                  </a:tcPr>
+                </a:tc>
+                <a:tc>
+                  <a:txBody>
+                    <a:bodyPr/>
+                    <a:lstStyle/>
+                    <a:p>
+                      <a:pPr marL="0" marR="0" lvl="0" indent="0" algn="l" defTabSz="914400" rtl="0" eaLnBrk="1" fontAlgn="auto" latinLnBrk="0" hangingPunct="1">
+                        <a:lnSpc>
+                          <a:spcPct val="100000"/>
+                        </a:lnSpc>
+                        <a:spcBef>
+                          <a:spcPts val="0"/>
+                        </a:spcBef>
+                        <a:spcAft>
+                          <a:spcPts val="0"/>
+                        </a:spcAft>
+                        <a:buClrTx/>
+                        <a:buSzTx/>
+                        <a:buFontTx/>
+                        <a:buNone/>
+                        <a:tabLst/>
+                        <a:defRPr/>
+                      </a:pPr>
+                      <a:r>
+                        <a:rPr lang="de-DE" sz="1200" b="0" i="0" u="none" strike="noStrike" kern="1200" baseline="0" dirty="0">
+                          <a:solidFill>
+                            <a:schemeClr val="dk1"/>
+                          </a:solidFill>
+                          <a:latin typeface="+mn-lt"/>
+                          <a:ea typeface="+mn-ea"/>
+                          <a:cs typeface="+mn-cs"/>
+                        </a:rPr>
+                        <a:t>Domain—8-bit </a:t>
+                      </a:r>
+                      <a:r>
+                        <a:rPr lang="de-DE" sz="1200" b="0" i="0" u="none" strike="noStrike" kern="1200" baseline="0" dirty="0" err="1">
+                          <a:solidFill>
+                            <a:schemeClr val="dk1"/>
+                          </a:solidFill>
+                          <a:latin typeface="+mn-lt"/>
+                          <a:ea typeface="+mn-ea"/>
+                          <a:cs typeface="+mn-cs"/>
+                        </a:rPr>
+                        <a:t>enumeration</a:t>
+                      </a:r>
+                      <a:endParaRPr lang="de-DE" sz="1200" b="0" i="0" u="none" strike="noStrike" kern="1200" baseline="0" dirty="0">
+                        <a:solidFill>
+                          <a:schemeClr val="dk1"/>
+                        </a:solidFill>
+                        <a:latin typeface="+mn-lt"/>
+                        <a:ea typeface="+mn-ea"/>
+                        <a:cs typeface="+mn-cs"/>
+                      </a:endParaRPr>
+                    </a:p>
+                  </a:txBody>
+                  <a:tcPr>
+                    <a:lnL w="12700" cap="flat" cmpd="sng" algn="ctr">
+                      <a:solidFill>
+                        <a:schemeClr val="tx1"/>
+                      </a:solidFill>
+                      <a:prstDash val="solid"/>
+                      <a:round/>
+                      <a:headEnd type="none" w="med" len="med"/>
+                      <a:tailEnd type="none" w="med" len="med"/>
+                    </a:lnL>
+                    <a:lnR w="12700" cap="flat" cmpd="sng" algn="ctr">
+                      <a:solidFill>
+                        <a:schemeClr val="tx1"/>
+                      </a:solidFill>
+                      <a:prstDash val="solid"/>
+                      <a:round/>
+                      <a:headEnd type="none" w="med" len="med"/>
+                      <a:tailEnd type="none" w="med" len="med"/>
+                    </a:lnR>
+                    <a:lnT w="12700" cap="flat" cmpd="sng" algn="ctr">
+                      <a:solidFill>
+                        <a:schemeClr val="tx1"/>
+                      </a:solidFill>
+                      <a:prstDash val="solid"/>
+                      <a:round/>
+                      <a:headEnd type="none" w="med" len="med"/>
+                      <a:tailEnd type="none" w="med" len="med"/>
+                    </a:lnT>
+                    <a:lnB w="12700" cap="flat" cmpd="sng" algn="ctr">
+                      <a:solidFill>
+                        <a:schemeClr val="tx1"/>
+                      </a:solidFill>
+                      <a:prstDash val="solid"/>
+                      <a:round/>
+                      <a:headEnd type="none" w="med" len="med"/>
+                      <a:tailEnd type="none" w="med" len="med"/>
+                    </a:lnB>
+                  </a:tcPr>
+                </a:tc>
+                <a:extLst>
+                  <a:ext uri="{0D108BD9-81ED-4DB2-BD59-A6C34878D82A}">
+                    <a16:rowId xmlns:a16="http://schemas.microsoft.com/office/drawing/2014/main" val="4020206290"/>
+                  </a:ext>
+                </a:extLst>
+              </a:tr>
+              <a:tr h="315727">
+                <a:tc vMerge="1">
+                  <a:txBody>
+                    <a:bodyPr/>
+                    <a:lstStyle/>
+                    <a:p>
+                      <a:endParaRPr lang="de-DE" dirty="0">
+                        <a:solidFill>
+                          <a:schemeClr val="tx1"/>
+                        </a:solidFill>
+                      </a:endParaRPr>
+                    </a:p>
+                  </a:txBody>
+                  <a:tcPr>
+                    <a:lnL w="12700" cap="flat" cmpd="sng" algn="ctr">
+                      <a:solidFill>
+                        <a:schemeClr val="tx1"/>
+                      </a:solidFill>
+                      <a:prstDash val="solid"/>
+                      <a:round/>
+                      <a:headEnd type="none" w="med" len="med"/>
+                      <a:tailEnd type="none" w="med" len="med"/>
+                    </a:lnL>
+                    <a:lnR w="12700" cap="flat" cmpd="sng" algn="ctr">
+                      <a:solidFill>
+                        <a:schemeClr val="tx1"/>
+                      </a:solidFill>
+                      <a:prstDash val="solid"/>
+                      <a:round/>
+                      <a:headEnd type="none" w="med" len="med"/>
+                      <a:tailEnd type="none" w="med" len="med"/>
+                    </a:lnR>
+                    <a:lnT w="12700" cap="flat" cmpd="sng" algn="ctr">
+                      <a:solidFill>
+                        <a:schemeClr val="tx1"/>
+                      </a:solidFill>
+                      <a:prstDash val="solid"/>
+                      <a:round/>
+                      <a:headEnd type="none" w="med" len="med"/>
+                      <a:tailEnd type="none" w="med" len="med"/>
+                    </a:lnT>
+                    <a:lnB w="12700" cap="flat" cmpd="sng" algn="ctr">
+                      <a:solidFill>
+                        <a:schemeClr val="tx1"/>
+                      </a:solidFill>
+                      <a:prstDash val="solid"/>
+                      <a:round/>
+                      <a:headEnd type="none" w="med" len="med"/>
+                      <a:tailEnd type="none" w="med" len="med"/>
+                    </a:lnB>
+                  </a:tcPr>
+                </a:tc>
+                <a:tc vMerge="1">
+                  <a:txBody>
+                    <a:bodyPr/>
+                    <a:lstStyle/>
+                    <a:p>
+                      <a:endParaRPr lang="de-DE" dirty="0">
+                        <a:solidFill>
+                          <a:schemeClr val="tx1"/>
+                        </a:solidFill>
+                      </a:endParaRPr>
+                    </a:p>
+                  </a:txBody>
+                  <a:tcPr>
+                    <a:lnL w="12700" cap="flat" cmpd="sng" algn="ctr">
+                      <a:solidFill>
+                        <a:schemeClr val="tx1"/>
+                      </a:solidFill>
+                      <a:prstDash val="solid"/>
+                      <a:round/>
+                      <a:headEnd type="none" w="med" len="med"/>
+                      <a:tailEnd type="none" w="med" len="med"/>
+                    </a:lnL>
+                    <a:lnR w="12700" cap="flat" cmpd="sng" algn="ctr">
+                      <a:solidFill>
+                        <a:schemeClr val="tx1"/>
+                      </a:solidFill>
+                      <a:prstDash val="solid"/>
+                      <a:round/>
+                      <a:headEnd type="none" w="med" len="med"/>
+                      <a:tailEnd type="none" w="med" len="med"/>
+                    </a:lnR>
+                    <a:lnT w="12700" cap="flat" cmpd="sng" algn="ctr">
+                      <a:solidFill>
+                        <a:schemeClr val="tx1"/>
+                      </a:solidFill>
+                      <a:prstDash val="solid"/>
+                      <a:round/>
+                      <a:headEnd type="none" w="med" len="med"/>
+                      <a:tailEnd type="none" w="med" len="med"/>
+                    </a:lnT>
+                    <a:lnB w="12700" cap="flat" cmpd="sng" algn="ctr">
+                      <a:solidFill>
+                        <a:schemeClr val="tx1"/>
+                      </a:solidFill>
+                      <a:prstDash val="solid"/>
+                      <a:round/>
+                      <a:headEnd type="none" w="med" len="med"/>
+                      <a:tailEnd type="none" w="med" len="med"/>
+                    </a:lnB>
+                  </a:tcPr>
+                </a:tc>
+                <a:tc>
+                  <a:txBody>
+                    <a:bodyPr/>
+                    <a:lstStyle/>
+                    <a:p>
+                      <a:pPr marL="0" marR="0" lvl="0" indent="0" algn="l" defTabSz="914400" rtl="0" eaLnBrk="1" fontAlgn="auto" latinLnBrk="0" hangingPunct="1">
+                        <a:lnSpc>
+                          <a:spcPct val="100000"/>
+                        </a:lnSpc>
+                        <a:spcBef>
+                          <a:spcPts val="0"/>
+                        </a:spcBef>
+                        <a:spcAft>
+                          <a:spcPts val="0"/>
+                        </a:spcAft>
+                        <a:buClrTx/>
+                        <a:buSzTx/>
+                        <a:buFontTx/>
+                        <a:buNone/>
+                        <a:tabLst/>
+                        <a:defRPr/>
+                      </a:pPr>
+                      <a:r>
+                        <a:rPr lang="de-DE" sz="1200" b="0" i="0" u="none" strike="noStrike" kern="1200" baseline="0" dirty="0">
+                          <a:solidFill>
+                            <a:schemeClr val="dk1"/>
+                          </a:solidFill>
+                          <a:latin typeface="+mn-lt"/>
+                          <a:ea typeface="+mn-ea"/>
+                          <a:cs typeface="+mn-cs"/>
+                        </a:rPr>
+                        <a:t>Country—16-bit </a:t>
+                      </a:r>
+                      <a:r>
+                        <a:rPr lang="de-DE" sz="1200" b="0" i="0" u="none" strike="noStrike" kern="1200" baseline="0" dirty="0" err="1">
+                          <a:solidFill>
+                            <a:schemeClr val="dk1"/>
+                          </a:solidFill>
+                          <a:latin typeface="+mn-lt"/>
+                          <a:ea typeface="+mn-ea"/>
+                          <a:cs typeface="+mn-cs"/>
+                        </a:rPr>
+                        <a:t>enumeration</a:t>
+                      </a:r>
+                      <a:endParaRPr lang="de-DE" sz="1200" b="0" i="0" u="none" strike="noStrike" kern="1200" baseline="0" dirty="0">
+                        <a:solidFill>
+                          <a:schemeClr val="dk1"/>
+                        </a:solidFill>
+                        <a:latin typeface="+mn-lt"/>
+                        <a:ea typeface="+mn-ea"/>
+                        <a:cs typeface="+mn-cs"/>
+                      </a:endParaRPr>
+                    </a:p>
+                  </a:txBody>
+                  <a:tcPr>
+                    <a:lnL w="12700" cap="flat" cmpd="sng" algn="ctr">
+                      <a:solidFill>
+                        <a:schemeClr val="tx1"/>
+                      </a:solidFill>
+                      <a:prstDash val="solid"/>
+                      <a:round/>
+                      <a:headEnd type="none" w="med" len="med"/>
+                      <a:tailEnd type="none" w="med" len="med"/>
+                    </a:lnL>
+                    <a:lnR w="12700" cap="flat" cmpd="sng" algn="ctr">
+                      <a:solidFill>
+                        <a:schemeClr val="tx1"/>
+                      </a:solidFill>
+                      <a:prstDash val="solid"/>
+                      <a:round/>
+                      <a:headEnd type="none" w="med" len="med"/>
+                      <a:tailEnd type="none" w="med" len="med"/>
+                    </a:lnR>
+                    <a:lnT w="12700" cap="flat" cmpd="sng" algn="ctr">
+                      <a:solidFill>
+                        <a:schemeClr val="tx1"/>
+                      </a:solidFill>
+                      <a:prstDash val="solid"/>
+                      <a:round/>
+                      <a:headEnd type="none" w="med" len="med"/>
+                      <a:tailEnd type="none" w="med" len="med"/>
+                    </a:lnT>
+                    <a:lnB w="12700" cap="flat" cmpd="sng" algn="ctr">
+                      <a:solidFill>
+                        <a:schemeClr val="tx1"/>
+                      </a:solidFill>
+                      <a:prstDash val="solid"/>
+                      <a:round/>
+                      <a:headEnd type="none" w="med" len="med"/>
+                      <a:tailEnd type="none" w="med" len="med"/>
+                    </a:lnB>
+                  </a:tcPr>
+                </a:tc>
+                <a:extLst>
+                  <a:ext uri="{0D108BD9-81ED-4DB2-BD59-A6C34878D82A}">
+                    <a16:rowId xmlns:a16="http://schemas.microsoft.com/office/drawing/2014/main" val="3118916546"/>
+                  </a:ext>
+                </a:extLst>
+              </a:tr>
+              <a:tr h="315727">
+                <a:tc vMerge="1">
+                  <a:txBody>
+                    <a:bodyPr/>
+                    <a:lstStyle/>
+                    <a:p>
+                      <a:endParaRPr lang="de-DE" dirty="0">
+                        <a:solidFill>
+                          <a:schemeClr val="tx1"/>
+                        </a:solidFill>
+                      </a:endParaRPr>
+                    </a:p>
+                  </a:txBody>
+                  <a:tcPr>
+                    <a:lnL w="12700" cap="flat" cmpd="sng" algn="ctr">
+                      <a:solidFill>
+                        <a:schemeClr val="tx1"/>
+                      </a:solidFill>
+                      <a:prstDash val="solid"/>
+                      <a:round/>
+                      <a:headEnd type="none" w="med" len="med"/>
+                      <a:tailEnd type="none" w="med" len="med"/>
+                    </a:lnL>
+                    <a:lnR w="12700" cap="flat" cmpd="sng" algn="ctr">
+                      <a:solidFill>
+                        <a:schemeClr val="tx1"/>
+                      </a:solidFill>
+                      <a:prstDash val="solid"/>
+                      <a:round/>
+                      <a:headEnd type="none" w="med" len="med"/>
+                      <a:tailEnd type="none" w="med" len="med"/>
+                    </a:lnR>
+                    <a:lnT w="12700" cap="flat" cmpd="sng" algn="ctr">
+                      <a:solidFill>
+                        <a:schemeClr val="tx1"/>
+                      </a:solidFill>
+                      <a:prstDash val="solid"/>
+                      <a:round/>
+                      <a:headEnd type="none" w="med" len="med"/>
+                      <a:tailEnd type="none" w="med" len="med"/>
+                    </a:lnT>
+                    <a:lnB w="12700" cap="flat" cmpd="sng" algn="ctr">
+                      <a:solidFill>
+                        <a:schemeClr val="tx1"/>
+                      </a:solidFill>
+                      <a:prstDash val="solid"/>
+                      <a:round/>
+                      <a:headEnd type="none" w="med" len="med"/>
+                      <a:tailEnd type="none" w="med" len="med"/>
+                    </a:lnB>
+                  </a:tcPr>
+                </a:tc>
+                <a:tc vMerge="1">
+                  <a:txBody>
+                    <a:bodyPr/>
+                    <a:lstStyle/>
+                    <a:p>
+                      <a:endParaRPr lang="de-DE" dirty="0">
+                        <a:solidFill>
+                          <a:schemeClr val="tx1"/>
+                        </a:solidFill>
+                      </a:endParaRPr>
+                    </a:p>
+                  </a:txBody>
+                  <a:tcPr>
+                    <a:lnL w="12700" cap="flat" cmpd="sng" algn="ctr">
+                      <a:solidFill>
+                        <a:schemeClr val="tx1"/>
+                      </a:solidFill>
+                      <a:prstDash val="solid"/>
+                      <a:round/>
+                      <a:headEnd type="none" w="med" len="med"/>
+                      <a:tailEnd type="none" w="med" len="med"/>
+                    </a:lnL>
+                    <a:lnR w="12700" cap="flat" cmpd="sng" algn="ctr">
+                      <a:solidFill>
+                        <a:schemeClr val="tx1"/>
+                      </a:solidFill>
+                      <a:prstDash val="solid"/>
+                      <a:round/>
+                      <a:headEnd type="none" w="med" len="med"/>
+                      <a:tailEnd type="none" w="med" len="med"/>
+                    </a:lnR>
+                    <a:lnT w="12700" cap="flat" cmpd="sng" algn="ctr">
+                      <a:solidFill>
+                        <a:schemeClr val="tx1"/>
+                      </a:solidFill>
+                      <a:prstDash val="solid"/>
+                      <a:round/>
+                      <a:headEnd type="none" w="med" len="med"/>
+                      <a:tailEnd type="none" w="med" len="med"/>
+                    </a:lnT>
+                    <a:lnB w="12700" cap="flat" cmpd="sng" algn="ctr">
+                      <a:solidFill>
+                        <a:schemeClr val="tx1"/>
+                      </a:solidFill>
+                      <a:prstDash val="solid"/>
+                      <a:round/>
+                      <a:headEnd type="none" w="med" len="med"/>
+                      <a:tailEnd type="none" w="med" len="med"/>
+                    </a:lnB>
+                  </a:tcPr>
+                </a:tc>
+                <a:tc>
+                  <a:txBody>
+                    <a:bodyPr/>
+                    <a:lstStyle/>
+                    <a:p>
+                      <a:pPr marL="0" marR="0" lvl="0" indent="0" algn="l" defTabSz="914400" rtl="0" eaLnBrk="1" fontAlgn="auto" latinLnBrk="0" hangingPunct="1">
+                        <a:lnSpc>
+                          <a:spcPct val="100000"/>
+                        </a:lnSpc>
+                        <a:spcBef>
+                          <a:spcPts val="0"/>
+                        </a:spcBef>
+                        <a:spcAft>
+                          <a:spcPts val="0"/>
+                        </a:spcAft>
+                        <a:buClrTx/>
+                        <a:buSzTx/>
+                        <a:buFontTx/>
+                        <a:buNone/>
+                        <a:tabLst/>
+                        <a:defRPr/>
+                      </a:pPr>
+                      <a:r>
+                        <a:rPr lang="de-DE" sz="1200" b="0" i="0" u="none" strike="noStrike" kern="1200" baseline="0" dirty="0" err="1">
+                          <a:solidFill>
+                            <a:schemeClr val="dk1"/>
+                          </a:solidFill>
+                          <a:latin typeface="+mn-lt"/>
+                          <a:ea typeface="+mn-ea"/>
+                          <a:cs typeface="+mn-cs"/>
+                        </a:rPr>
+                        <a:t>Category</a:t>
+                      </a:r>
+                      <a:r>
+                        <a:rPr lang="de-DE" sz="1200" b="0" i="0" u="none" strike="noStrike" kern="1200" baseline="0" dirty="0">
+                          <a:solidFill>
+                            <a:schemeClr val="dk1"/>
+                          </a:solidFill>
+                          <a:latin typeface="+mn-lt"/>
+                          <a:ea typeface="+mn-ea"/>
+                          <a:cs typeface="+mn-cs"/>
+                        </a:rPr>
+                        <a:t>—8-bit </a:t>
+                      </a:r>
+                      <a:r>
+                        <a:rPr lang="de-DE" sz="1200" b="0" i="0" u="none" strike="noStrike" kern="1200" baseline="0" dirty="0" err="1">
+                          <a:solidFill>
+                            <a:schemeClr val="dk1"/>
+                          </a:solidFill>
+                          <a:latin typeface="+mn-lt"/>
+                          <a:ea typeface="+mn-ea"/>
+                          <a:cs typeface="+mn-cs"/>
+                        </a:rPr>
+                        <a:t>enumeration</a:t>
+                      </a:r>
+                      <a:endParaRPr lang="de-DE" sz="1200" b="0" i="0" u="none" strike="noStrike" kern="1200" baseline="0" dirty="0">
+                        <a:solidFill>
+                          <a:schemeClr val="dk1"/>
+                        </a:solidFill>
+                        <a:latin typeface="+mn-lt"/>
+                        <a:ea typeface="+mn-ea"/>
+                        <a:cs typeface="+mn-cs"/>
+                      </a:endParaRPr>
+                    </a:p>
+                  </a:txBody>
+                  <a:tcPr>
+                    <a:lnL w="12700" cap="flat" cmpd="sng" algn="ctr">
+                      <a:solidFill>
+                        <a:schemeClr val="tx1"/>
+                      </a:solidFill>
+                      <a:prstDash val="solid"/>
+                      <a:round/>
+                      <a:headEnd type="none" w="med" len="med"/>
+                      <a:tailEnd type="none" w="med" len="med"/>
+                    </a:lnL>
+                    <a:lnR w="12700" cap="flat" cmpd="sng" algn="ctr">
+                      <a:solidFill>
+                        <a:schemeClr val="tx1"/>
+                      </a:solidFill>
+                      <a:prstDash val="solid"/>
+                      <a:round/>
+                      <a:headEnd type="none" w="med" len="med"/>
+                      <a:tailEnd type="none" w="med" len="med"/>
+                    </a:lnR>
+                    <a:lnT w="12700" cap="flat" cmpd="sng" algn="ctr">
+                      <a:solidFill>
+                        <a:schemeClr val="tx1"/>
+                      </a:solidFill>
+                      <a:prstDash val="solid"/>
+                      <a:round/>
+                      <a:headEnd type="none" w="med" len="med"/>
+                      <a:tailEnd type="none" w="med" len="med"/>
+                    </a:lnT>
+                    <a:lnB w="12700" cap="flat" cmpd="sng" algn="ctr">
+                      <a:solidFill>
+                        <a:schemeClr val="tx1"/>
+                      </a:solidFill>
+                      <a:prstDash val="solid"/>
+                      <a:round/>
+                      <a:headEnd type="none" w="med" len="med"/>
+                      <a:tailEnd type="none" w="med" len="med"/>
+                    </a:lnB>
+                  </a:tcPr>
+                </a:tc>
+                <a:extLst>
+                  <a:ext uri="{0D108BD9-81ED-4DB2-BD59-A6C34878D82A}">
+                    <a16:rowId xmlns:a16="http://schemas.microsoft.com/office/drawing/2014/main" val="775001909"/>
+                  </a:ext>
+                </a:extLst>
+              </a:tr>
+              <a:tr h="315727">
+                <a:tc vMerge="1">
+                  <a:txBody>
+                    <a:bodyPr/>
+                    <a:lstStyle/>
+                    <a:p>
+                      <a:endParaRPr lang="de-DE" dirty="0">
+                        <a:solidFill>
+                          <a:schemeClr val="tx1"/>
+                        </a:solidFill>
+                      </a:endParaRPr>
+                    </a:p>
+                  </a:txBody>
+                  <a:tcPr>
+                    <a:lnL w="12700" cap="flat" cmpd="sng" algn="ctr">
+                      <a:solidFill>
+                        <a:schemeClr val="tx1"/>
+                      </a:solidFill>
+                      <a:prstDash val="solid"/>
+                      <a:round/>
+                      <a:headEnd type="none" w="med" len="med"/>
+                      <a:tailEnd type="none" w="med" len="med"/>
+                    </a:lnL>
+                    <a:lnR w="12700" cap="flat" cmpd="sng" algn="ctr">
+                      <a:solidFill>
+                        <a:schemeClr val="tx1"/>
+                      </a:solidFill>
+                      <a:prstDash val="solid"/>
+                      <a:round/>
+                      <a:headEnd type="none" w="med" len="med"/>
+                      <a:tailEnd type="none" w="med" len="med"/>
+                    </a:lnR>
+                    <a:lnT w="12700" cap="flat" cmpd="sng" algn="ctr">
+                      <a:solidFill>
+                        <a:schemeClr val="tx1"/>
+                      </a:solidFill>
+                      <a:prstDash val="solid"/>
+                      <a:round/>
+                      <a:headEnd type="none" w="med" len="med"/>
+                      <a:tailEnd type="none" w="med" len="med"/>
+                    </a:lnT>
+                    <a:lnB w="12700" cap="flat" cmpd="sng" algn="ctr">
+                      <a:solidFill>
+                        <a:schemeClr val="tx1"/>
+                      </a:solidFill>
+                      <a:prstDash val="solid"/>
+                      <a:round/>
+                      <a:headEnd type="none" w="med" len="med"/>
+                      <a:tailEnd type="none" w="med" len="med"/>
+                    </a:lnB>
+                  </a:tcPr>
+                </a:tc>
+                <a:tc vMerge="1">
+                  <a:txBody>
+                    <a:bodyPr/>
+                    <a:lstStyle/>
+                    <a:p>
+                      <a:endParaRPr lang="de-DE" dirty="0">
+                        <a:solidFill>
+                          <a:schemeClr val="tx1"/>
+                        </a:solidFill>
+                      </a:endParaRPr>
+                    </a:p>
+                  </a:txBody>
+                  <a:tcPr>
+                    <a:lnL w="12700" cap="flat" cmpd="sng" algn="ctr">
+                      <a:solidFill>
+                        <a:schemeClr val="tx1"/>
+                      </a:solidFill>
+                      <a:prstDash val="solid"/>
+                      <a:round/>
+                      <a:headEnd type="none" w="med" len="med"/>
+                      <a:tailEnd type="none" w="med" len="med"/>
+                    </a:lnL>
+                    <a:lnR w="12700" cap="flat" cmpd="sng" algn="ctr">
+                      <a:solidFill>
+                        <a:schemeClr val="tx1"/>
+                      </a:solidFill>
+                      <a:prstDash val="solid"/>
+                      <a:round/>
+                      <a:headEnd type="none" w="med" len="med"/>
+                      <a:tailEnd type="none" w="med" len="med"/>
+                    </a:lnR>
+                    <a:lnT w="12700" cap="flat" cmpd="sng" algn="ctr">
+                      <a:solidFill>
+                        <a:schemeClr val="tx1"/>
+                      </a:solidFill>
+                      <a:prstDash val="solid"/>
+                      <a:round/>
+                      <a:headEnd type="none" w="med" len="med"/>
+                      <a:tailEnd type="none" w="med" len="med"/>
+                    </a:lnT>
+                    <a:lnB w="12700" cap="flat" cmpd="sng" algn="ctr">
+                      <a:solidFill>
+                        <a:schemeClr val="tx1"/>
+                      </a:solidFill>
+                      <a:prstDash val="solid"/>
+                      <a:round/>
+                      <a:headEnd type="none" w="med" len="med"/>
+                      <a:tailEnd type="none" w="med" len="med"/>
+                    </a:lnB>
+                  </a:tcPr>
+                </a:tc>
+                <a:tc>
+                  <a:txBody>
+                    <a:bodyPr/>
+                    <a:lstStyle/>
+                    <a:p>
+                      <a:pPr marL="0" marR="0" lvl="0" indent="0" algn="l" defTabSz="914400" rtl="0" eaLnBrk="1" fontAlgn="auto" latinLnBrk="0" hangingPunct="1">
+                        <a:lnSpc>
+                          <a:spcPct val="100000"/>
+                        </a:lnSpc>
+                        <a:spcBef>
+                          <a:spcPts val="0"/>
+                        </a:spcBef>
+                        <a:spcAft>
+                          <a:spcPts val="0"/>
+                        </a:spcAft>
+                        <a:buClrTx/>
+                        <a:buSzTx/>
+                        <a:buFontTx/>
+                        <a:buNone/>
+                        <a:tabLst/>
+                        <a:defRPr/>
+                      </a:pPr>
+                      <a:r>
+                        <a:rPr lang="de-DE" sz="1200" b="0" i="0" u="none" strike="noStrike" kern="1200" baseline="0" dirty="0" err="1">
+                          <a:solidFill>
+                            <a:schemeClr val="dk1"/>
+                          </a:solidFill>
+                          <a:latin typeface="+mn-lt"/>
+                          <a:ea typeface="+mn-ea"/>
+                          <a:cs typeface="+mn-cs"/>
+                        </a:rPr>
+                        <a:t>Subcategory</a:t>
+                      </a:r>
+                      <a:r>
+                        <a:rPr lang="de-DE" sz="1200" b="0" i="0" u="none" strike="noStrike" kern="1200" baseline="0" dirty="0">
+                          <a:solidFill>
+                            <a:schemeClr val="dk1"/>
+                          </a:solidFill>
+                          <a:latin typeface="+mn-lt"/>
+                          <a:ea typeface="+mn-ea"/>
+                          <a:cs typeface="+mn-cs"/>
+                        </a:rPr>
+                        <a:t>—8-bit </a:t>
+                      </a:r>
+                      <a:r>
+                        <a:rPr lang="de-DE" sz="1200" b="0" i="0" u="none" strike="noStrike" kern="1200" baseline="0" dirty="0" err="1">
+                          <a:solidFill>
+                            <a:schemeClr val="dk1"/>
+                          </a:solidFill>
+                          <a:latin typeface="+mn-lt"/>
+                          <a:ea typeface="+mn-ea"/>
+                          <a:cs typeface="+mn-cs"/>
+                        </a:rPr>
+                        <a:t>enumeration</a:t>
+                      </a:r>
+                      <a:endParaRPr lang="de-DE" sz="1200" b="0" i="0" u="none" strike="noStrike" kern="1200" baseline="0" dirty="0">
+                        <a:solidFill>
+                          <a:schemeClr val="dk1"/>
+                        </a:solidFill>
+                        <a:latin typeface="+mn-lt"/>
+                        <a:ea typeface="+mn-ea"/>
+                        <a:cs typeface="+mn-cs"/>
+                      </a:endParaRPr>
+                    </a:p>
+                  </a:txBody>
+                  <a:tcPr>
+                    <a:lnL w="12700" cap="flat" cmpd="sng" algn="ctr">
+                      <a:solidFill>
+                        <a:schemeClr val="tx1"/>
+                      </a:solidFill>
+                      <a:prstDash val="solid"/>
+                      <a:round/>
+                      <a:headEnd type="none" w="med" len="med"/>
+                      <a:tailEnd type="none" w="med" len="med"/>
+                    </a:lnL>
+                    <a:lnR w="12700" cap="flat" cmpd="sng" algn="ctr">
+                      <a:solidFill>
+                        <a:schemeClr val="tx1"/>
+                      </a:solidFill>
+                      <a:prstDash val="solid"/>
+                      <a:round/>
+                      <a:headEnd type="none" w="med" len="med"/>
+                      <a:tailEnd type="none" w="med" len="med"/>
+                    </a:lnR>
+                    <a:lnT w="12700" cap="flat" cmpd="sng" algn="ctr">
+                      <a:solidFill>
+                        <a:schemeClr val="tx1"/>
+                      </a:solidFill>
+                      <a:prstDash val="solid"/>
+                      <a:round/>
+                      <a:headEnd type="none" w="med" len="med"/>
+                      <a:tailEnd type="none" w="med" len="med"/>
+                    </a:lnT>
+                    <a:lnB w="12700" cap="flat" cmpd="sng" algn="ctr">
+                      <a:solidFill>
+                        <a:schemeClr val="tx1"/>
+                      </a:solidFill>
+                      <a:prstDash val="solid"/>
+                      <a:round/>
+                      <a:headEnd type="none" w="med" len="med"/>
+                      <a:tailEnd type="none" w="med" len="med"/>
+                    </a:lnB>
+                  </a:tcPr>
+                </a:tc>
+                <a:extLst>
+                  <a:ext uri="{0D108BD9-81ED-4DB2-BD59-A6C34878D82A}">
+                    <a16:rowId xmlns:a16="http://schemas.microsoft.com/office/drawing/2014/main" val="1801167197"/>
+                  </a:ext>
+                </a:extLst>
+              </a:tr>
+              <a:tr h="315727">
+                <a:tc vMerge="1">
+                  <a:txBody>
+                    <a:bodyPr/>
+                    <a:lstStyle/>
+                    <a:p>
+                      <a:endParaRPr lang="de-DE" dirty="0">
+                        <a:solidFill>
+                          <a:schemeClr val="tx1"/>
+                        </a:solidFill>
+                      </a:endParaRPr>
+                    </a:p>
+                  </a:txBody>
+                  <a:tcPr>
+                    <a:lnL w="12700" cap="flat" cmpd="sng" algn="ctr">
+                      <a:solidFill>
+                        <a:schemeClr val="tx1"/>
+                      </a:solidFill>
+                      <a:prstDash val="solid"/>
+                      <a:round/>
+                      <a:headEnd type="none" w="med" len="med"/>
+                      <a:tailEnd type="none" w="med" len="med"/>
+                    </a:lnL>
+                    <a:lnR w="12700" cap="flat" cmpd="sng" algn="ctr">
+                      <a:solidFill>
+                        <a:schemeClr val="tx1"/>
+                      </a:solidFill>
+                      <a:prstDash val="solid"/>
+                      <a:round/>
+                      <a:headEnd type="none" w="med" len="med"/>
+                      <a:tailEnd type="none" w="med" len="med"/>
+                    </a:lnR>
+                    <a:lnT w="12700" cap="flat" cmpd="sng" algn="ctr">
+                      <a:solidFill>
+                        <a:schemeClr val="tx1"/>
+                      </a:solidFill>
+                      <a:prstDash val="solid"/>
+                      <a:round/>
+                      <a:headEnd type="none" w="med" len="med"/>
+                      <a:tailEnd type="none" w="med" len="med"/>
+                    </a:lnT>
+                    <a:lnB w="12700" cap="flat" cmpd="sng" algn="ctr">
+                      <a:solidFill>
+                        <a:schemeClr val="tx1"/>
+                      </a:solidFill>
+                      <a:prstDash val="solid"/>
+                      <a:round/>
+                      <a:headEnd type="none" w="med" len="med"/>
+                      <a:tailEnd type="none" w="med" len="med"/>
+                    </a:lnB>
+                  </a:tcPr>
+                </a:tc>
+                <a:tc vMerge="1">
+                  <a:txBody>
+                    <a:bodyPr/>
+                    <a:lstStyle/>
+                    <a:p>
+                      <a:endParaRPr lang="de-DE" dirty="0">
+                        <a:solidFill>
+                          <a:schemeClr val="tx1"/>
+                        </a:solidFill>
+                      </a:endParaRPr>
+                    </a:p>
+                  </a:txBody>
+                  <a:tcPr>
+                    <a:lnL w="12700" cap="flat" cmpd="sng" algn="ctr">
+                      <a:solidFill>
+                        <a:schemeClr val="tx1"/>
+                      </a:solidFill>
+                      <a:prstDash val="solid"/>
+                      <a:round/>
+                      <a:headEnd type="none" w="med" len="med"/>
+                      <a:tailEnd type="none" w="med" len="med"/>
+                    </a:lnL>
+                    <a:lnR w="12700" cap="flat" cmpd="sng" algn="ctr">
+                      <a:solidFill>
+                        <a:schemeClr val="tx1"/>
+                      </a:solidFill>
+                      <a:prstDash val="solid"/>
+                      <a:round/>
+                      <a:headEnd type="none" w="med" len="med"/>
+                      <a:tailEnd type="none" w="med" len="med"/>
+                    </a:lnR>
+                    <a:lnT w="12700" cap="flat" cmpd="sng" algn="ctr">
+                      <a:solidFill>
+                        <a:schemeClr val="tx1"/>
+                      </a:solidFill>
+                      <a:prstDash val="solid"/>
+                      <a:round/>
+                      <a:headEnd type="none" w="med" len="med"/>
+                      <a:tailEnd type="none" w="med" len="med"/>
+                    </a:lnT>
+                    <a:lnB w="12700" cap="flat" cmpd="sng" algn="ctr">
+                      <a:solidFill>
+                        <a:schemeClr val="tx1"/>
+                      </a:solidFill>
+                      <a:prstDash val="solid"/>
+                      <a:round/>
+                      <a:headEnd type="none" w="med" len="med"/>
+                      <a:tailEnd type="none" w="med" len="med"/>
+                    </a:lnB>
+                  </a:tcPr>
+                </a:tc>
+                <a:tc>
+                  <a:txBody>
+                    <a:bodyPr/>
+                    <a:lstStyle/>
+                    <a:p>
+                      <a:pPr marL="0" marR="0" lvl="0" indent="0" algn="l" defTabSz="914400" rtl="0" eaLnBrk="1" fontAlgn="auto" latinLnBrk="0" hangingPunct="1">
+                        <a:lnSpc>
+                          <a:spcPct val="100000"/>
+                        </a:lnSpc>
+                        <a:spcBef>
+                          <a:spcPts val="0"/>
+                        </a:spcBef>
+                        <a:spcAft>
+                          <a:spcPts val="0"/>
+                        </a:spcAft>
+                        <a:buClrTx/>
+                        <a:buSzTx/>
+                        <a:buFontTx/>
+                        <a:buNone/>
+                        <a:tabLst/>
+                        <a:defRPr/>
+                      </a:pPr>
+                      <a:r>
+                        <a:rPr lang="de-DE" sz="1200" b="0" i="0" u="none" strike="noStrike" kern="1200" baseline="0" dirty="0" err="1">
+                          <a:solidFill>
+                            <a:schemeClr val="dk1"/>
+                          </a:solidFill>
+                          <a:latin typeface="+mn-lt"/>
+                          <a:ea typeface="+mn-ea"/>
+                          <a:cs typeface="+mn-cs"/>
+                        </a:rPr>
+                        <a:t>Specific</a:t>
+                      </a:r>
+                      <a:r>
+                        <a:rPr lang="de-DE" sz="1200" b="0" i="0" u="none" strike="noStrike" kern="1200" baseline="0" dirty="0">
+                          <a:solidFill>
+                            <a:schemeClr val="dk1"/>
+                          </a:solidFill>
+                          <a:latin typeface="+mn-lt"/>
+                          <a:ea typeface="+mn-ea"/>
+                          <a:cs typeface="+mn-cs"/>
+                        </a:rPr>
+                        <a:t>—8-bit </a:t>
+                      </a:r>
+                      <a:r>
+                        <a:rPr lang="de-DE" sz="1200" b="0" i="0" u="none" strike="noStrike" kern="1200" baseline="0" dirty="0" err="1">
+                          <a:solidFill>
+                            <a:schemeClr val="dk1"/>
+                          </a:solidFill>
+                          <a:latin typeface="+mn-lt"/>
+                          <a:ea typeface="+mn-ea"/>
+                          <a:cs typeface="+mn-cs"/>
+                        </a:rPr>
+                        <a:t>enumeration</a:t>
+                      </a:r>
+                      <a:endParaRPr lang="de-DE" sz="1200" b="0" i="0" u="none" strike="noStrike" kern="1200" baseline="0" dirty="0">
+                        <a:solidFill>
+                          <a:schemeClr val="dk1"/>
+                        </a:solidFill>
+                        <a:latin typeface="+mn-lt"/>
+                        <a:ea typeface="+mn-ea"/>
+                        <a:cs typeface="+mn-cs"/>
+                      </a:endParaRPr>
+                    </a:p>
+                  </a:txBody>
+                  <a:tcPr>
+                    <a:lnL w="12700" cap="flat" cmpd="sng" algn="ctr">
+                      <a:solidFill>
+                        <a:schemeClr val="tx1"/>
+                      </a:solidFill>
+                      <a:prstDash val="solid"/>
+                      <a:round/>
+                      <a:headEnd type="none" w="med" len="med"/>
+                      <a:tailEnd type="none" w="med" len="med"/>
+                    </a:lnL>
+                    <a:lnR w="12700" cap="flat" cmpd="sng" algn="ctr">
+                      <a:solidFill>
+                        <a:schemeClr val="tx1"/>
+                      </a:solidFill>
+                      <a:prstDash val="solid"/>
+                      <a:round/>
+                      <a:headEnd type="none" w="med" len="med"/>
+                      <a:tailEnd type="none" w="med" len="med"/>
+                    </a:lnR>
+                    <a:lnT w="12700" cap="flat" cmpd="sng" algn="ctr">
+                      <a:solidFill>
+                        <a:schemeClr val="tx1"/>
+                      </a:solidFill>
+                      <a:prstDash val="solid"/>
+                      <a:round/>
+                      <a:headEnd type="none" w="med" len="med"/>
+                      <a:tailEnd type="none" w="med" len="med"/>
+                    </a:lnT>
+                    <a:lnB w="12700" cap="flat" cmpd="sng" algn="ctr">
+                      <a:solidFill>
+                        <a:schemeClr val="tx1"/>
+                      </a:solidFill>
+                      <a:prstDash val="solid"/>
+                      <a:round/>
+                      <a:headEnd type="none" w="med" len="med"/>
+                      <a:tailEnd type="none" w="med" len="med"/>
+                    </a:lnB>
+                  </a:tcPr>
+                </a:tc>
+                <a:extLst>
+                  <a:ext uri="{0D108BD9-81ED-4DB2-BD59-A6C34878D82A}">
+                    <a16:rowId xmlns:a16="http://schemas.microsoft.com/office/drawing/2014/main" val="296180635"/>
+                  </a:ext>
+                </a:extLst>
+              </a:tr>
+              <a:tr h="315727">
+                <a:tc vMerge="1">
+                  <a:txBody>
+                    <a:bodyPr/>
+                    <a:lstStyle/>
+                    <a:p>
+                      <a:endParaRPr lang="de-DE" dirty="0">
+                        <a:solidFill>
+                          <a:schemeClr val="tx1"/>
+                        </a:solidFill>
+                      </a:endParaRPr>
+                    </a:p>
+                  </a:txBody>
+                  <a:tcPr>
+                    <a:lnL w="12700" cap="flat" cmpd="sng" algn="ctr">
+                      <a:solidFill>
+                        <a:schemeClr val="tx1"/>
+                      </a:solidFill>
+                      <a:prstDash val="solid"/>
+                      <a:round/>
+                      <a:headEnd type="none" w="med" len="med"/>
+                      <a:tailEnd type="none" w="med" len="med"/>
+                    </a:lnL>
+                    <a:lnR w="12700" cap="flat" cmpd="sng" algn="ctr">
+                      <a:solidFill>
+                        <a:schemeClr val="tx1"/>
+                      </a:solidFill>
+                      <a:prstDash val="solid"/>
+                      <a:round/>
+                      <a:headEnd type="none" w="med" len="med"/>
+                      <a:tailEnd type="none" w="med" len="med"/>
+                    </a:lnR>
+                    <a:lnT w="12700" cap="flat" cmpd="sng" algn="ctr">
+                      <a:solidFill>
+                        <a:schemeClr val="tx1"/>
+                      </a:solidFill>
+                      <a:prstDash val="solid"/>
+                      <a:round/>
+                      <a:headEnd type="none" w="med" len="med"/>
+                      <a:tailEnd type="none" w="med" len="med"/>
+                    </a:lnT>
+                    <a:lnB w="12700" cap="flat" cmpd="sng" algn="ctr">
+                      <a:solidFill>
+                        <a:schemeClr val="tx1"/>
+                      </a:solidFill>
+                      <a:prstDash val="solid"/>
+                      <a:round/>
+                      <a:headEnd type="none" w="med" len="med"/>
+                      <a:tailEnd type="none" w="med" len="med"/>
+                    </a:lnB>
+                  </a:tcPr>
+                </a:tc>
+                <a:tc vMerge="1">
+                  <a:txBody>
+                    <a:bodyPr/>
+                    <a:lstStyle/>
+                    <a:p>
+                      <a:endParaRPr lang="de-DE" dirty="0">
+                        <a:solidFill>
+                          <a:schemeClr val="tx1"/>
+                        </a:solidFill>
+                      </a:endParaRPr>
+                    </a:p>
+                  </a:txBody>
+                  <a:tcPr>
+                    <a:lnL w="12700" cap="flat" cmpd="sng" algn="ctr">
+                      <a:solidFill>
+                        <a:schemeClr val="tx1"/>
+                      </a:solidFill>
+                      <a:prstDash val="solid"/>
+                      <a:round/>
+                      <a:headEnd type="none" w="med" len="med"/>
+                      <a:tailEnd type="none" w="med" len="med"/>
+                    </a:lnL>
+                    <a:lnR w="12700" cap="flat" cmpd="sng" algn="ctr">
+                      <a:solidFill>
+                        <a:schemeClr val="tx1"/>
+                      </a:solidFill>
+                      <a:prstDash val="solid"/>
+                      <a:round/>
+                      <a:headEnd type="none" w="med" len="med"/>
+                      <a:tailEnd type="none" w="med" len="med"/>
+                    </a:lnR>
+                    <a:lnT w="12700" cap="flat" cmpd="sng" algn="ctr">
+                      <a:solidFill>
+                        <a:schemeClr val="tx1"/>
+                      </a:solidFill>
+                      <a:prstDash val="solid"/>
+                      <a:round/>
+                      <a:headEnd type="none" w="med" len="med"/>
+                      <a:tailEnd type="none" w="med" len="med"/>
+                    </a:lnT>
+                    <a:lnB w="12700" cap="flat" cmpd="sng" algn="ctr">
+                      <a:solidFill>
+                        <a:schemeClr val="tx1"/>
+                      </a:solidFill>
+                      <a:prstDash val="solid"/>
+                      <a:round/>
+                      <a:headEnd type="none" w="med" len="med"/>
+                      <a:tailEnd type="none" w="med" len="med"/>
+                    </a:lnB>
+                  </a:tcPr>
+                </a:tc>
+                <a:tc>
+                  <a:txBody>
+                    <a:bodyPr/>
+                    <a:lstStyle/>
+                    <a:p>
+                      <a:pPr marL="0" marR="0" lvl="0" indent="0" algn="l" defTabSz="914400" rtl="0" eaLnBrk="1" fontAlgn="auto" latinLnBrk="0" hangingPunct="1">
+                        <a:lnSpc>
+                          <a:spcPct val="100000"/>
+                        </a:lnSpc>
+                        <a:spcBef>
+                          <a:spcPts val="0"/>
+                        </a:spcBef>
+                        <a:spcAft>
+                          <a:spcPts val="0"/>
+                        </a:spcAft>
+                        <a:buClrTx/>
+                        <a:buSzTx/>
+                        <a:buFontTx/>
+                        <a:buNone/>
+                        <a:tabLst/>
+                        <a:defRPr/>
+                      </a:pPr>
+                      <a:r>
+                        <a:rPr lang="de-DE" sz="1200" b="0" i="0" u="none" strike="noStrike" kern="1200" baseline="0" dirty="0">
+                          <a:solidFill>
+                            <a:schemeClr val="dk1"/>
+                          </a:solidFill>
+                          <a:latin typeface="+mn-lt"/>
+                          <a:ea typeface="+mn-ea"/>
+                          <a:cs typeface="+mn-cs"/>
+                        </a:rPr>
+                        <a:t>Extra—8-bit </a:t>
+                      </a:r>
+                      <a:r>
+                        <a:rPr lang="de-DE" sz="1200" b="0" i="0" u="none" strike="noStrike" kern="1200" baseline="0" dirty="0" err="1">
+                          <a:solidFill>
+                            <a:schemeClr val="dk1"/>
+                          </a:solidFill>
+                          <a:latin typeface="+mn-lt"/>
+                          <a:ea typeface="+mn-ea"/>
+                          <a:cs typeface="+mn-cs"/>
+                        </a:rPr>
+                        <a:t>enumeration</a:t>
+                      </a:r>
+                      <a:endParaRPr lang="de-DE" sz="1200" dirty="0">
+                        <a:solidFill>
+                          <a:schemeClr val="tx1"/>
+                        </a:solidFill>
+                        <a:latin typeface="+mn-lt"/>
+                      </a:endParaRPr>
+                    </a:p>
+                  </a:txBody>
+                  <a:tcPr>
+                    <a:lnL w="12700" cap="flat" cmpd="sng" algn="ctr">
+                      <a:solidFill>
+                        <a:schemeClr val="tx1"/>
+                      </a:solidFill>
+                      <a:prstDash val="solid"/>
+                      <a:round/>
+                      <a:headEnd type="none" w="med" len="med"/>
+                      <a:tailEnd type="none" w="med" len="med"/>
+                    </a:lnL>
+                    <a:lnR w="12700" cap="flat" cmpd="sng" algn="ctr">
+                      <a:solidFill>
+                        <a:schemeClr val="tx1"/>
+                      </a:solidFill>
+                      <a:prstDash val="solid"/>
+                      <a:round/>
+                      <a:headEnd type="none" w="med" len="med"/>
+                      <a:tailEnd type="none" w="med" len="med"/>
+                    </a:lnR>
+                    <a:lnT w="12700" cap="flat" cmpd="sng" algn="ctr">
+                      <a:solidFill>
+                        <a:schemeClr val="tx1"/>
+                      </a:solidFill>
+                      <a:prstDash val="solid"/>
+                      <a:round/>
+                      <a:headEnd type="none" w="med" len="med"/>
+                      <a:tailEnd type="none" w="med" len="med"/>
+                    </a:lnT>
+                    <a:lnB w="12700" cap="flat" cmpd="sng" algn="ctr">
+                      <a:solidFill>
+                        <a:schemeClr val="tx1"/>
+                      </a:solidFill>
+                      <a:prstDash val="solid"/>
+                      <a:round/>
+                      <a:headEnd type="none" w="med" len="med"/>
+                      <a:tailEnd type="none" w="med" len="med"/>
+                    </a:lnB>
+                  </a:tcPr>
+                </a:tc>
+                <a:extLst>
+                  <a:ext uri="{0D108BD9-81ED-4DB2-BD59-A6C34878D82A}">
+                    <a16:rowId xmlns:a16="http://schemas.microsoft.com/office/drawing/2014/main" val="1595129882"/>
+                  </a:ext>
+                </a:extLst>
+              </a:tr>
+              <a:tr h="315727">
+                <a:tc rowSpan="3">
+                  <a:txBody>
+                    <a:bodyPr/>
+                    <a:lstStyle/>
+                    <a:p>
+                      <a:pPr algn="ctr"/>
+                      <a:endParaRPr lang="de-DE" sz="1200" b="0" i="0" u="none" strike="noStrike" kern="1200" baseline="0" dirty="0">
+                        <a:solidFill>
+                          <a:schemeClr val="dk1"/>
+                        </a:solidFill>
+                        <a:latin typeface="+mn-lt"/>
+                        <a:ea typeface="+mn-ea"/>
+                        <a:cs typeface="+mn-cs"/>
+                      </a:endParaRPr>
+                    </a:p>
+                    <a:p>
+                      <a:pPr algn="ctr"/>
+                      <a:endParaRPr lang="de-DE" sz="1200" b="0" i="0" u="none" strike="noStrike" kern="1200" baseline="0" dirty="0">
+                        <a:solidFill>
+                          <a:schemeClr val="dk1"/>
+                        </a:solidFill>
+                        <a:latin typeface="+mn-lt"/>
+                        <a:ea typeface="+mn-ea"/>
+                        <a:cs typeface="+mn-cs"/>
+                      </a:endParaRPr>
+                    </a:p>
+                    <a:p>
+                      <a:pPr algn="ctr"/>
+                      <a:r>
+                        <a:rPr lang="de-DE" sz="1200" b="0" i="0" u="none" strike="noStrike" kern="1200" baseline="0" dirty="0">
+                          <a:solidFill>
+                            <a:schemeClr val="dk1"/>
+                          </a:solidFill>
+                          <a:latin typeface="+mn-lt"/>
+                          <a:ea typeface="+mn-ea"/>
+                          <a:cs typeface="+mn-cs"/>
+                        </a:rPr>
+                        <a:t>96</a:t>
+                      </a:r>
+                      <a:endParaRPr lang="de-DE" sz="1200" dirty="0">
+                        <a:solidFill>
+                          <a:schemeClr val="tx1"/>
+                        </a:solidFill>
+                        <a:latin typeface="+mn-lt"/>
+                      </a:endParaRPr>
+                    </a:p>
+                  </a:txBody>
+                  <a:tcPr>
+                    <a:lnL w="12700" cap="flat" cmpd="sng" algn="ctr">
+                      <a:solidFill>
+                        <a:schemeClr val="tx1"/>
+                      </a:solidFill>
+                      <a:prstDash val="solid"/>
+                      <a:round/>
+                      <a:headEnd type="none" w="med" len="med"/>
+                      <a:tailEnd type="none" w="med" len="med"/>
+                    </a:lnL>
+                    <a:lnR w="12700" cap="flat" cmpd="sng" algn="ctr">
+                      <a:solidFill>
+                        <a:schemeClr val="tx1"/>
+                      </a:solidFill>
+                      <a:prstDash val="solid"/>
+                      <a:round/>
+                      <a:headEnd type="none" w="med" len="med"/>
+                      <a:tailEnd type="none" w="med" len="med"/>
+                    </a:lnR>
+                    <a:lnT w="12700" cap="flat" cmpd="sng" algn="ctr">
+                      <a:solidFill>
+                        <a:schemeClr val="tx1"/>
+                      </a:solidFill>
+                      <a:prstDash val="solid"/>
+                      <a:round/>
+                      <a:headEnd type="none" w="med" len="med"/>
+                      <a:tailEnd type="none" w="med" len="med"/>
+                    </a:lnT>
+                    <a:lnB w="12700" cap="flat" cmpd="sng" algn="ctr">
+                      <a:solidFill>
+                        <a:schemeClr val="tx1"/>
+                      </a:solidFill>
+                      <a:prstDash val="solid"/>
+                      <a:round/>
+                      <a:headEnd type="none" w="med" len="med"/>
+                      <a:tailEnd type="none" w="med" len="med"/>
+                    </a:lnB>
+                  </a:tcPr>
+                </a:tc>
+                <a:tc rowSpan="3">
+                  <a:txBody>
+                    <a:bodyPr/>
+                    <a:lstStyle/>
+                    <a:p>
+                      <a:pPr algn="l"/>
+                      <a:r>
+                        <a:rPr lang="de-DE" sz="1200" b="0" i="0" u="none" strike="noStrike" kern="1200" baseline="0" dirty="0">
+                          <a:solidFill>
+                            <a:schemeClr val="dk1"/>
+                          </a:solidFill>
+                          <a:latin typeface="+mn-lt"/>
+                          <a:ea typeface="+mn-ea"/>
+                          <a:cs typeface="+mn-cs"/>
+                        </a:rPr>
+                        <a:t> </a:t>
+                      </a:r>
+                    </a:p>
+                    <a:p>
+                      <a:pPr algn="l"/>
+                      <a:endParaRPr lang="de-DE" sz="1200" b="0" i="0" u="none" strike="noStrike" kern="1200" baseline="0" dirty="0">
+                        <a:solidFill>
+                          <a:schemeClr val="dk1"/>
+                        </a:solidFill>
+                        <a:latin typeface="+mn-lt"/>
+                        <a:ea typeface="+mn-ea"/>
+                        <a:cs typeface="+mn-cs"/>
+                      </a:endParaRPr>
+                    </a:p>
+                    <a:p>
+                      <a:pPr algn="l"/>
+                      <a:r>
+                        <a:rPr lang="de-DE" sz="1200" b="0" i="0" u="none" strike="noStrike" kern="1200" baseline="0" dirty="0">
+                          <a:solidFill>
+                            <a:schemeClr val="dk1"/>
+                          </a:solidFill>
+                          <a:latin typeface="+mn-lt"/>
+                          <a:ea typeface="+mn-ea"/>
+                          <a:cs typeface="+mn-cs"/>
+                        </a:rPr>
+                        <a:t>Entity Linear Velocity</a:t>
+                      </a:r>
+                    </a:p>
+                    <a:p>
+                      <a:pPr algn="l"/>
+                      <a:endParaRPr lang="de-DE" sz="1200" dirty="0">
+                        <a:solidFill>
+                          <a:schemeClr val="tx1"/>
+                        </a:solidFill>
+                        <a:latin typeface="+mn-lt"/>
+                      </a:endParaRPr>
+                    </a:p>
+                  </a:txBody>
+                  <a:tcPr>
+                    <a:lnL w="12700" cap="flat" cmpd="sng" algn="ctr">
+                      <a:solidFill>
+                        <a:schemeClr val="tx1"/>
+                      </a:solidFill>
+                      <a:prstDash val="solid"/>
+                      <a:round/>
+                      <a:headEnd type="none" w="med" len="med"/>
+                      <a:tailEnd type="none" w="med" len="med"/>
+                    </a:lnL>
+                    <a:lnR w="12700" cap="flat" cmpd="sng" algn="ctr">
+                      <a:solidFill>
+                        <a:schemeClr val="tx1"/>
+                      </a:solidFill>
+                      <a:prstDash val="solid"/>
+                      <a:round/>
+                      <a:headEnd type="none" w="med" len="med"/>
+                      <a:tailEnd type="none" w="med" len="med"/>
+                    </a:lnR>
+                    <a:lnT w="12700" cap="flat" cmpd="sng" algn="ctr">
+                      <a:solidFill>
+                        <a:schemeClr val="tx1"/>
+                      </a:solidFill>
+                      <a:prstDash val="solid"/>
+                      <a:round/>
+                      <a:headEnd type="none" w="med" len="med"/>
+                      <a:tailEnd type="none" w="med" len="med"/>
+                    </a:lnT>
+                    <a:lnB w="12700" cap="flat" cmpd="sng" algn="ctr">
+                      <a:solidFill>
+                        <a:schemeClr val="tx1"/>
+                      </a:solidFill>
+                      <a:prstDash val="solid"/>
+                      <a:round/>
+                      <a:headEnd type="none" w="med" len="med"/>
+                      <a:tailEnd type="none" w="med" len="med"/>
+                    </a:lnB>
+                  </a:tcPr>
+                </a:tc>
+                <a:tc>
+                  <a:txBody>
+                    <a:bodyPr/>
+                    <a:lstStyle/>
+                    <a:p>
+                      <a:pPr algn="l"/>
+                      <a:r>
+                        <a:rPr lang="de-DE" sz="1200" b="0" i="1" u="none" strike="noStrike" baseline="0" dirty="0">
+                          <a:latin typeface="+mn-lt"/>
+                        </a:rPr>
+                        <a:t>x</a:t>
+                      </a:r>
+                      <a:r>
+                        <a:rPr lang="de-DE" sz="1200" b="0" i="0" u="none" strike="noStrike" baseline="0" dirty="0">
+                          <a:latin typeface="+mn-lt"/>
+                        </a:rPr>
+                        <a:t>-</a:t>
+                      </a:r>
+                      <a:r>
+                        <a:rPr lang="de-DE" sz="1200" b="0" i="0" u="none" strike="noStrike" baseline="0" dirty="0" err="1">
+                          <a:latin typeface="+mn-lt"/>
+                        </a:rPr>
+                        <a:t>component</a:t>
+                      </a:r>
+                      <a:r>
+                        <a:rPr lang="de-DE" sz="1200" b="0" i="0" u="none" strike="noStrike" baseline="0" dirty="0">
+                          <a:latin typeface="+mn-lt"/>
+                        </a:rPr>
+                        <a:t>—32-bit </a:t>
+                      </a:r>
+                      <a:r>
+                        <a:rPr lang="de-DE" sz="1200" b="0" i="0" u="none" strike="noStrike" baseline="0" dirty="0" err="1">
+                          <a:latin typeface="+mn-lt"/>
+                        </a:rPr>
+                        <a:t>floating</a:t>
+                      </a:r>
+                      <a:r>
+                        <a:rPr lang="de-DE" sz="1200" b="0" i="0" u="none" strike="noStrike" baseline="0" dirty="0">
+                          <a:latin typeface="+mn-lt"/>
+                        </a:rPr>
+                        <a:t> </a:t>
+                      </a:r>
+                      <a:r>
+                        <a:rPr lang="de-DE" sz="1200" b="0" i="0" u="none" strike="noStrike" baseline="0" dirty="0" err="1">
+                          <a:latin typeface="+mn-lt"/>
+                        </a:rPr>
+                        <a:t>point</a:t>
+                      </a:r>
+                      <a:endParaRPr lang="de-DE" sz="1200" b="0" i="0" u="none" strike="noStrike" baseline="0" dirty="0">
+                        <a:latin typeface="+mn-lt"/>
+                      </a:endParaRPr>
+                    </a:p>
+                  </a:txBody>
+                  <a:tcPr>
+                    <a:lnL w="12700" cap="flat" cmpd="sng" algn="ctr">
+                      <a:solidFill>
+                        <a:schemeClr val="tx1"/>
+                      </a:solidFill>
+                      <a:prstDash val="solid"/>
+                      <a:round/>
+                      <a:headEnd type="none" w="med" len="med"/>
+                      <a:tailEnd type="none" w="med" len="med"/>
+                    </a:lnL>
+                    <a:lnR w="12700" cap="flat" cmpd="sng" algn="ctr">
+                      <a:solidFill>
+                        <a:schemeClr val="tx1"/>
+                      </a:solidFill>
+                      <a:prstDash val="solid"/>
+                      <a:round/>
+                      <a:headEnd type="none" w="med" len="med"/>
+                      <a:tailEnd type="none" w="med" len="med"/>
+                    </a:lnR>
+                    <a:lnT w="12700" cap="flat" cmpd="sng" algn="ctr">
+                      <a:solidFill>
+                        <a:schemeClr val="tx1"/>
+                      </a:solidFill>
+                      <a:prstDash val="solid"/>
+                      <a:round/>
+                      <a:headEnd type="none" w="med" len="med"/>
+                      <a:tailEnd type="none" w="med" len="med"/>
+                    </a:lnT>
+                    <a:lnB w="12700" cap="flat" cmpd="sng" algn="ctr">
+                      <a:solidFill>
+                        <a:schemeClr val="tx1"/>
+                      </a:solidFill>
+                      <a:prstDash val="solid"/>
+                      <a:round/>
+                      <a:headEnd type="none" w="med" len="med"/>
+                      <a:tailEnd type="none" w="med" len="med"/>
+                    </a:lnB>
+                  </a:tcPr>
+                </a:tc>
+                <a:extLst>
+                  <a:ext uri="{0D108BD9-81ED-4DB2-BD59-A6C34878D82A}">
+                    <a16:rowId xmlns:a16="http://schemas.microsoft.com/office/drawing/2014/main" val="427662704"/>
+                  </a:ext>
+                </a:extLst>
+              </a:tr>
+              <a:tr h="315727">
+                <a:tc vMerge="1">
+                  <a:txBody>
+                    <a:bodyPr/>
+                    <a:lstStyle/>
+                    <a:p>
+                      <a:pPr algn="ctr"/>
+                      <a:endParaRPr lang="de-DE" dirty="0">
+                        <a:solidFill>
+                          <a:schemeClr val="tx1"/>
+                        </a:solidFill>
+                      </a:endParaRPr>
+                    </a:p>
+                  </a:txBody>
+                  <a:tcPr>
+                    <a:lnL w="12700" cap="flat" cmpd="sng" algn="ctr">
+                      <a:solidFill>
+                        <a:schemeClr val="tx1"/>
+                      </a:solidFill>
+                      <a:prstDash val="solid"/>
+                      <a:round/>
+                      <a:headEnd type="none" w="med" len="med"/>
+                      <a:tailEnd type="none" w="med" len="med"/>
+                    </a:lnL>
+                    <a:lnR w="12700" cap="flat" cmpd="sng" algn="ctr">
+                      <a:solidFill>
+                        <a:schemeClr val="tx1"/>
+                      </a:solidFill>
+                      <a:prstDash val="solid"/>
+                      <a:round/>
+                      <a:headEnd type="none" w="med" len="med"/>
+                      <a:tailEnd type="none" w="med" len="med"/>
+                    </a:lnR>
+                    <a:lnT w="12700" cap="flat" cmpd="sng" algn="ctr">
+                      <a:solidFill>
+                        <a:schemeClr val="tx1"/>
+                      </a:solidFill>
+                      <a:prstDash val="solid"/>
+                      <a:round/>
+                      <a:headEnd type="none" w="med" len="med"/>
+                      <a:tailEnd type="none" w="med" len="med"/>
+                    </a:lnT>
+                    <a:lnB w="12700" cap="flat" cmpd="sng" algn="ctr">
+                      <a:solidFill>
+                        <a:schemeClr val="tx1"/>
+                      </a:solidFill>
+                      <a:prstDash val="solid"/>
+                      <a:round/>
+                      <a:headEnd type="none" w="med" len="med"/>
+                      <a:tailEnd type="none" w="med" len="med"/>
+                    </a:lnB>
+                  </a:tcPr>
+                </a:tc>
+                <a:tc vMerge="1">
+                  <a:txBody>
+                    <a:bodyPr/>
+                    <a:lstStyle/>
+                    <a:p>
+                      <a:pPr algn="l"/>
+                      <a:endParaRPr lang="de-DE" dirty="0">
+                        <a:solidFill>
+                          <a:schemeClr val="tx1"/>
+                        </a:solidFill>
+                      </a:endParaRPr>
+                    </a:p>
+                  </a:txBody>
+                  <a:tcPr>
+                    <a:lnL w="12700" cap="flat" cmpd="sng" algn="ctr">
+                      <a:solidFill>
+                        <a:schemeClr val="tx1"/>
+                      </a:solidFill>
+                      <a:prstDash val="solid"/>
+                      <a:round/>
+                      <a:headEnd type="none" w="med" len="med"/>
+                      <a:tailEnd type="none" w="med" len="med"/>
+                    </a:lnL>
+                    <a:lnR w="12700" cap="flat" cmpd="sng" algn="ctr">
+                      <a:solidFill>
+                        <a:schemeClr val="tx1"/>
+                      </a:solidFill>
+                      <a:prstDash val="solid"/>
+                      <a:round/>
+                      <a:headEnd type="none" w="med" len="med"/>
+                      <a:tailEnd type="none" w="med" len="med"/>
+                    </a:lnR>
+                    <a:lnT w="12700" cap="flat" cmpd="sng" algn="ctr">
+                      <a:solidFill>
+                        <a:schemeClr val="tx1"/>
+                      </a:solidFill>
+                      <a:prstDash val="solid"/>
+                      <a:round/>
+                      <a:headEnd type="none" w="med" len="med"/>
+                      <a:tailEnd type="none" w="med" len="med"/>
+                    </a:lnT>
+                    <a:lnB w="12700" cap="flat" cmpd="sng" algn="ctr">
+                      <a:solidFill>
+                        <a:schemeClr val="tx1"/>
+                      </a:solidFill>
+                      <a:prstDash val="solid"/>
+                      <a:round/>
+                      <a:headEnd type="none" w="med" len="med"/>
+                      <a:tailEnd type="none" w="med" len="med"/>
+                    </a:lnB>
+                  </a:tcPr>
+                </a:tc>
+                <a:tc>
+                  <a:txBody>
+                    <a:bodyPr/>
+                    <a:lstStyle/>
+                    <a:p>
+                      <a:pPr marL="0" marR="0" lvl="0" indent="0" algn="l" defTabSz="914400" rtl="0" eaLnBrk="1" fontAlgn="auto" latinLnBrk="0" hangingPunct="1">
+                        <a:lnSpc>
+                          <a:spcPct val="100000"/>
+                        </a:lnSpc>
+                        <a:spcBef>
+                          <a:spcPts val="0"/>
+                        </a:spcBef>
+                        <a:spcAft>
+                          <a:spcPts val="0"/>
+                        </a:spcAft>
+                        <a:buClrTx/>
+                        <a:buSzTx/>
+                        <a:buFontTx/>
+                        <a:buNone/>
+                        <a:tabLst/>
+                        <a:defRPr/>
+                      </a:pPr>
+                      <a:r>
+                        <a:rPr lang="de-DE" sz="1200" b="0" i="1" u="none" strike="noStrike" baseline="0" dirty="0">
+                          <a:latin typeface="+mn-lt"/>
+                        </a:rPr>
+                        <a:t>y</a:t>
+                      </a:r>
+                      <a:r>
+                        <a:rPr lang="de-DE" sz="1200" b="0" i="0" u="none" strike="noStrike" baseline="0" dirty="0">
+                          <a:latin typeface="+mn-lt"/>
+                        </a:rPr>
+                        <a:t>-</a:t>
+                      </a:r>
+                      <a:r>
+                        <a:rPr lang="de-DE" sz="1200" b="0" i="0" u="none" strike="noStrike" baseline="0" dirty="0" err="1">
+                          <a:latin typeface="+mn-lt"/>
+                        </a:rPr>
+                        <a:t>component</a:t>
+                      </a:r>
+                      <a:r>
+                        <a:rPr lang="de-DE" sz="1200" b="0" i="0" u="none" strike="noStrike" baseline="0" dirty="0">
+                          <a:latin typeface="+mn-lt"/>
+                        </a:rPr>
+                        <a:t>—32-bit </a:t>
+                      </a:r>
+                      <a:r>
+                        <a:rPr lang="de-DE" sz="1200" b="0" i="0" u="none" strike="noStrike" baseline="0" dirty="0" err="1">
+                          <a:latin typeface="+mn-lt"/>
+                        </a:rPr>
+                        <a:t>floating</a:t>
+                      </a:r>
+                      <a:r>
+                        <a:rPr lang="de-DE" sz="1200" b="0" i="0" u="none" strike="noStrike" baseline="0" dirty="0">
+                          <a:latin typeface="+mn-lt"/>
+                        </a:rPr>
+                        <a:t> </a:t>
+                      </a:r>
+                      <a:r>
+                        <a:rPr lang="de-DE" sz="1200" b="0" i="0" u="none" strike="noStrike" baseline="0" dirty="0" err="1">
+                          <a:latin typeface="+mn-lt"/>
+                        </a:rPr>
+                        <a:t>point</a:t>
+                      </a:r>
+                      <a:endParaRPr lang="de-DE" sz="1200" b="0" i="0" u="none" strike="noStrike" baseline="0" dirty="0">
+                        <a:latin typeface="+mn-lt"/>
+                      </a:endParaRPr>
+                    </a:p>
+                  </a:txBody>
+                  <a:tcPr>
+                    <a:lnL w="12700" cap="flat" cmpd="sng" algn="ctr">
+                      <a:solidFill>
+                        <a:schemeClr val="tx1"/>
+                      </a:solidFill>
+                      <a:prstDash val="solid"/>
+                      <a:round/>
+                      <a:headEnd type="none" w="med" len="med"/>
+                      <a:tailEnd type="none" w="med" len="med"/>
+                    </a:lnL>
+                    <a:lnR w="12700" cap="flat" cmpd="sng" algn="ctr">
+                      <a:solidFill>
+                        <a:schemeClr val="tx1"/>
+                      </a:solidFill>
+                      <a:prstDash val="solid"/>
+                      <a:round/>
+                      <a:headEnd type="none" w="med" len="med"/>
+                      <a:tailEnd type="none" w="med" len="med"/>
+                    </a:lnR>
+                    <a:lnT w="12700" cap="flat" cmpd="sng" algn="ctr">
+                      <a:solidFill>
+                        <a:schemeClr val="tx1"/>
+                      </a:solidFill>
+                      <a:prstDash val="solid"/>
+                      <a:round/>
+                      <a:headEnd type="none" w="med" len="med"/>
+                      <a:tailEnd type="none" w="med" len="med"/>
+                    </a:lnT>
+                    <a:lnB w="12700" cap="flat" cmpd="sng" algn="ctr">
+                      <a:solidFill>
+                        <a:schemeClr val="tx1"/>
+                      </a:solidFill>
+                      <a:prstDash val="solid"/>
+                      <a:round/>
+                      <a:headEnd type="none" w="med" len="med"/>
+                      <a:tailEnd type="none" w="med" len="med"/>
+                    </a:lnB>
+                  </a:tcPr>
+                </a:tc>
+                <a:extLst>
+                  <a:ext uri="{0D108BD9-81ED-4DB2-BD59-A6C34878D82A}">
+                    <a16:rowId xmlns:a16="http://schemas.microsoft.com/office/drawing/2014/main" val="714275117"/>
+                  </a:ext>
+                </a:extLst>
+              </a:tr>
+              <a:tr h="315727">
+                <a:tc vMerge="1">
+                  <a:txBody>
+                    <a:bodyPr/>
+                    <a:lstStyle/>
+                    <a:p>
+                      <a:pPr algn="ctr"/>
+                      <a:endParaRPr lang="de-DE" dirty="0">
+                        <a:solidFill>
+                          <a:schemeClr val="tx1"/>
+                        </a:solidFill>
+                      </a:endParaRPr>
+                    </a:p>
+                  </a:txBody>
+                  <a:tcPr>
+                    <a:lnL w="12700" cap="flat" cmpd="sng" algn="ctr">
+                      <a:solidFill>
+                        <a:schemeClr val="tx1"/>
+                      </a:solidFill>
+                      <a:prstDash val="solid"/>
+                      <a:round/>
+                      <a:headEnd type="none" w="med" len="med"/>
+                      <a:tailEnd type="none" w="med" len="med"/>
+                    </a:lnL>
+                    <a:lnR w="12700" cap="flat" cmpd="sng" algn="ctr">
+                      <a:solidFill>
+                        <a:schemeClr val="tx1"/>
+                      </a:solidFill>
+                      <a:prstDash val="solid"/>
+                      <a:round/>
+                      <a:headEnd type="none" w="med" len="med"/>
+                      <a:tailEnd type="none" w="med" len="med"/>
+                    </a:lnR>
+                    <a:lnT w="12700" cap="flat" cmpd="sng" algn="ctr">
+                      <a:solidFill>
+                        <a:schemeClr val="tx1"/>
+                      </a:solidFill>
+                      <a:prstDash val="solid"/>
+                      <a:round/>
+                      <a:headEnd type="none" w="med" len="med"/>
+                      <a:tailEnd type="none" w="med" len="med"/>
+                    </a:lnT>
+                    <a:lnB w="12700" cap="flat" cmpd="sng" algn="ctr">
+                      <a:solidFill>
+                        <a:schemeClr val="tx1"/>
+                      </a:solidFill>
+                      <a:prstDash val="solid"/>
+                      <a:round/>
+                      <a:headEnd type="none" w="med" len="med"/>
+                      <a:tailEnd type="none" w="med" len="med"/>
+                    </a:lnB>
+                  </a:tcPr>
+                </a:tc>
+                <a:tc vMerge="1">
+                  <a:txBody>
+                    <a:bodyPr/>
+                    <a:lstStyle/>
+                    <a:p>
+                      <a:pPr algn="l"/>
+                      <a:endParaRPr lang="de-DE" dirty="0">
+                        <a:solidFill>
+                          <a:schemeClr val="tx1"/>
+                        </a:solidFill>
+                      </a:endParaRPr>
+                    </a:p>
+                  </a:txBody>
+                  <a:tcPr>
+                    <a:lnL w="12700" cap="flat" cmpd="sng" algn="ctr">
+                      <a:solidFill>
+                        <a:schemeClr val="tx1"/>
+                      </a:solidFill>
+                      <a:prstDash val="solid"/>
+                      <a:round/>
+                      <a:headEnd type="none" w="med" len="med"/>
+                      <a:tailEnd type="none" w="med" len="med"/>
+                    </a:lnL>
+                    <a:lnR w="12700" cap="flat" cmpd="sng" algn="ctr">
+                      <a:solidFill>
+                        <a:schemeClr val="tx1"/>
+                      </a:solidFill>
+                      <a:prstDash val="solid"/>
+                      <a:round/>
+                      <a:headEnd type="none" w="med" len="med"/>
+                      <a:tailEnd type="none" w="med" len="med"/>
+                    </a:lnR>
+                    <a:lnT w="12700" cap="flat" cmpd="sng" algn="ctr">
+                      <a:solidFill>
+                        <a:schemeClr val="tx1"/>
+                      </a:solidFill>
+                      <a:prstDash val="solid"/>
+                      <a:round/>
+                      <a:headEnd type="none" w="med" len="med"/>
+                      <a:tailEnd type="none" w="med" len="med"/>
+                    </a:lnT>
+                    <a:lnB w="12700" cap="flat" cmpd="sng" algn="ctr">
+                      <a:solidFill>
+                        <a:schemeClr val="tx1"/>
+                      </a:solidFill>
+                      <a:prstDash val="solid"/>
+                      <a:round/>
+                      <a:headEnd type="none" w="med" len="med"/>
+                      <a:tailEnd type="none" w="med" len="med"/>
+                    </a:lnB>
+                  </a:tcPr>
+                </a:tc>
+                <a:tc>
+                  <a:txBody>
+                    <a:bodyPr/>
+                    <a:lstStyle/>
+                    <a:p>
+                      <a:pPr marL="0" marR="0" lvl="0" indent="0" algn="l" defTabSz="914400" rtl="0" eaLnBrk="1" fontAlgn="auto" latinLnBrk="0" hangingPunct="1">
+                        <a:lnSpc>
+                          <a:spcPct val="100000"/>
+                        </a:lnSpc>
+                        <a:spcBef>
+                          <a:spcPts val="0"/>
+                        </a:spcBef>
+                        <a:spcAft>
+                          <a:spcPts val="0"/>
+                        </a:spcAft>
+                        <a:buClrTx/>
+                        <a:buSzTx/>
+                        <a:buFontTx/>
+                        <a:buNone/>
+                        <a:tabLst/>
+                        <a:defRPr/>
+                      </a:pPr>
+                      <a:r>
+                        <a:rPr lang="de-DE" sz="1200" b="0" i="1" u="none" strike="noStrike" baseline="0" dirty="0">
+                          <a:latin typeface="+mn-lt"/>
+                        </a:rPr>
+                        <a:t>z</a:t>
+                      </a:r>
+                      <a:r>
+                        <a:rPr lang="de-DE" sz="1200" b="0" i="0" u="none" strike="noStrike" baseline="0" dirty="0">
+                          <a:latin typeface="+mn-lt"/>
+                        </a:rPr>
+                        <a:t>-</a:t>
+                      </a:r>
+                      <a:r>
+                        <a:rPr lang="de-DE" sz="1200" b="0" i="0" u="none" strike="noStrike" baseline="0" dirty="0" err="1">
+                          <a:latin typeface="+mn-lt"/>
+                        </a:rPr>
+                        <a:t>component</a:t>
+                      </a:r>
+                      <a:r>
+                        <a:rPr lang="de-DE" sz="1200" b="0" i="0" u="none" strike="noStrike" baseline="0" dirty="0">
+                          <a:latin typeface="+mn-lt"/>
+                        </a:rPr>
+                        <a:t>—32-bit </a:t>
+                      </a:r>
+                      <a:r>
+                        <a:rPr lang="de-DE" sz="1200" b="0" i="0" u="none" strike="noStrike" baseline="0" dirty="0" err="1">
+                          <a:latin typeface="+mn-lt"/>
+                        </a:rPr>
+                        <a:t>floating</a:t>
+                      </a:r>
+                      <a:r>
+                        <a:rPr lang="de-DE" sz="1200" b="0" i="0" u="none" strike="noStrike" baseline="0" dirty="0">
+                          <a:latin typeface="+mn-lt"/>
+                        </a:rPr>
+                        <a:t> </a:t>
+                      </a:r>
+                      <a:r>
+                        <a:rPr lang="de-DE" sz="1200" b="0" i="0" u="none" strike="noStrike" baseline="0" dirty="0" err="1">
+                          <a:latin typeface="+mn-lt"/>
+                        </a:rPr>
+                        <a:t>point</a:t>
+                      </a:r>
+                      <a:endParaRPr lang="de-DE" sz="1200" dirty="0">
+                        <a:solidFill>
+                          <a:schemeClr val="tx1"/>
+                        </a:solidFill>
+                        <a:latin typeface="+mn-lt"/>
+                      </a:endParaRPr>
+                    </a:p>
+                  </a:txBody>
+                  <a:tcPr>
+                    <a:lnL w="12700" cap="flat" cmpd="sng" algn="ctr">
+                      <a:solidFill>
+                        <a:schemeClr val="tx1"/>
+                      </a:solidFill>
+                      <a:prstDash val="solid"/>
+                      <a:round/>
+                      <a:headEnd type="none" w="med" len="med"/>
+                      <a:tailEnd type="none" w="med" len="med"/>
+                    </a:lnL>
+                    <a:lnR w="12700" cap="flat" cmpd="sng" algn="ctr">
+                      <a:solidFill>
+                        <a:schemeClr val="tx1"/>
+                      </a:solidFill>
+                      <a:prstDash val="solid"/>
+                      <a:round/>
+                      <a:headEnd type="none" w="med" len="med"/>
+                      <a:tailEnd type="none" w="med" len="med"/>
+                    </a:lnR>
+                    <a:lnT w="12700" cap="flat" cmpd="sng" algn="ctr">
+                      <a:solidFill>
+                        <a:schemeClr val="tx1"/>
+                      </a:solidFill>
+                      <a:prstDash val="solid"/>
+                      <a:round/>
+                      <a:headEnd type="none" w="med" len="med"/>
+                      <a:tailEnd type="none" w="med" len="med"/>
+                    </a:lnT>
+                    <a:lnB w="12700" cap="flat" cmpd="sng" algn="ctr">
+                      <a:solidFill>
+                        <a:schemeClr val="tx1"/>
+                      </a:solidFill>
+                      <a:prstDash val="solid"/>
+                      <a:round/>
+                      <a:headEnd type="none" w="med" len="med"/>
+                      <a:tailEnd type="none" w="med" len="med"/>
+                    </a:lnB>
+                  </a:tcPr>
+                </a:tc>
+                <a:extLst>
+                  <a:ext uri="{0D108BD9-81ED-4DB2-BD59-A6C34878D82A}">
+                    <a16:rowId xmlns:a16="http://schemas.microsoft.com/office/drawing/2014/main" val="731885590"/>
+                  </a:ext>
+                </a:extLst>
+              </a:tr>
+            </a:tbl>
+          </a:graphicData>
+        </a:graphic>
+      </p:graphicFrame>
+      <p:sp>
+        <p:nvSpPr>
+          <p:cNvPr id="6" name="Textfeld 5">
+            <a:extLst>
+              <a:ext uri="{FF2B5EF4-FFF2-40B4-BE49-F238E27FC236}">
+                <a16:creationId xmlns:a16="http://schemas.microsoft.com/office/drawing/2014/main" id="{785F1457-8DAB-4F0F-86FA-F7B4619B6683}"/>
+              </a:ext>
+            </a:extLst>
+          </p:cNvPr>
+          <p:cNvSpPr txBox="1"/>
+          <p:nvPr/>
+        </p:nvSpPr>
+        <p:spPr>
+          <a:xfrm>
+            <a:off x="15570" y="5013177"/>
+            <a:ext cx="356188" cy="276999"/>
+          </a:xfrm>
+          <a:prstGeom prst="rect">
+            <a:avLst/>
+          </a:prstGeom>
+          <a:noFill/>
+        </p:spPr>
+        <p:txBody>
+          <a:bodyPr wrap="none" rtlCol="0">
+            <a:spAutoFit/>
+          </a:bodyPr>
+          <a:lstStyle/>
+          <a:p>
+            <a:r>
+              <a:rPr lang="de-DE" sz="1200" dirty="0"/>
+              <a:t>[3]</a:t>
+            </a:r>
+          </a:p>
+        </p:txBody>
+      </p:sp>
+    </p:spTree>
+    <p:extLst>
+      <p:ext uri="{BB962C8B-B14F-4D97-AF65-F5344CB8AC3E}">
+        <p14:creationId xmlns:p14="http://schemas.microsoft.com/office/powerpoint/2010/main" val="3172946668"/>
+      </p:ext>
+    </p:extLst>
   </p:cSld>
   <p:clrMapOvr>
     <a:masterClrMapping/>
@@ -3321,12 +6848,361 @@
             </a:r>
           </a:p>
           <a:p>
+            <a:endParaRPr lang="de-DE" dirty="0"/>
+          </a:p>
+        </p:txBody>
+      </p:sp>
+      <p:pic>
+        <p:nvPicPr>
+          <p:cNvPr id="4" name="Grafik 3">
+            <a:extLst>
+              <a:ext uri="{FF2B5EF4-FFF2-40B4-BE49-F238E27FC236}">
+                <a16:creationId xmlns:a16="http://schemas.microsoft.com/office/drawing/2014/main" id="{FBDEF7DB-E735-44F1-9474-BD83DF9A65CB}"/>
+              </a:ext>
+            </a:extLst>
+          </p:cNvPr>
+          <p:cNvPicPr>
+            <a:picLocks noChangeAspect="1"/>
+          </p:cNvPicPr>
+          <p:nvPr/>
+        </p:nvPicPr>
+        <p:blipFill>
+          <a:blip r:embed="rId3">
+            <a:extLst>
+              <a:ext uri="{28A0092B-C50C-407E-A947-70E740481C1C}">
+                <a14:useLocalDpi xmlns:a14="http://schemas.microsoft.com/office/drawing/2010/main" val="0"/>
+              </a:ext>
+            </a:extLst>
+          </a:blip>
+          <a:stretch>
+            <a:fillRect/>
+          </a:stretch>
+        </p:blipFill>
+        <p:spPr>
+          <a:xfrm>
+            <a:off x="395536" y="1916832"/>
+            <a:ext cx="4122492" cy="2736304"/>
+          </a:xfrm>
+          <a:prstGeom prst="rect">
+            <a:avLst/>
+          </a:prstGeom>
+        </p:spPr>
+      </p:pic>
+      <p:pic>
+        <p:nvPicPr>
+          <p:cNvPr id="7" name="Grafik 6">
+            <a:extLst>
+              <a:ext uri="{FF2B5EF4-FFF2-40B4-BE49-F238E27FC236}">
+                <a16:creationId xmlns:a16="http://schemas.microsoft.com/office/drawing/2014/main" id="{0F9EFCD9-2974-40F6-A6B1-269206635E95}"/>
+              </a:ext>
+            </a:extLst>
+          </p:cNvPr>
+          <p:cNvPicPr>
+            <a:picLocks noChangeAspect="1"/>
+          </p:cNvPicPr>
+          <p:nvPr/>
+        </p:nvPicPr>
+        <p:blipFill>
+          <a:blip r:embed="rId4">
+            <a:extLst>
+              <a:ext uri="{28A0092B-C50C-407E-A947-70E740481C1C}">
+                <a14:useLocalDpi xmlns:a14="http://schemas.microsoft.com/office/drawing/2010/main" val="0"/>
+              </a:ext>
+            </a:extLst>
+          </a:blip>
+          <a:stretch>
+            <a:fillRect/>
+          </a:stretch>
+        </p:blipFill>
+        <p:spPr>
+          <a:xfrm>
+            <a:off x="4625974" y="1916832"/>
+            <a:ext cx="4320479" cy="2736304"/>
+          </a:xfrm>
+          <a:prstGeom prst="rect">
+            <a:avLst/>
+          </a:prstGeom>
+        </p:spPr>
+      </p:pic>
+      <p:sp>
+        <p:nvSpPr>
+          <p:cNvPr id="9" name="Textfeld 8">
+            <a:extLst>
+              <a:ext uri="{FF2B5EF4-FFF2-40B4-BE49-F238E27FC236}">
+                <a16:creationId xmlns:a16="http://schemas.microsoft.com/office/drawing/2014/main" id="{92969E2C-1EBB-412C-A3C3-4DECF0D805DF}"/>
+              </a:ext>
+            </a:extLst>
+          </p:cNvPr>
+          <p:cNvSpPr txBox="1"/>
+          <p:nvPr/>
+        </p:nvSpPr>
+        <p:spPr>
+          <a:xfrm>
+            <a:off x="395536" y="4658652"/>
+            <a:ext cx="2880320" cy="276999"/>
+          </a:xfrm>
+          <a:prstGeom prst="rect">
+            <a:avLst/>
+          </a:prstGeom>
+          <a:noFill/>
+        </p:spPr>
+        <p:txBody>
+          <a:bodyPr wrap="square" rtlCol="0">
+            <a:spAutoFit/>
+          </a:bodyPr>
+          <a:lstStyle/>
+          <a:p>
+            <a:r>
+              <a:rPr lang="de-DE" sz="1200" dirty="0"/>
+              <a:t>F/A-18 </a:t>
+            </a:r>
+            <a:r>
+              <a:rPr lang="de-DE" sz="1200" dirty="0" err="1"/>
+              <a:t>SimuStrike</a:t>
+            </a:r>
+            <a:r>
+              <a:rPr lang="de-DE" sz="1200" dirty="0"/>
+              <a:t> [1]</a:t>
+            </a:r>
+          </a:p>
+        </p:txBody>
+      </p:sp>
+      <p:sp>
+        <p:nvSpPr>
+          <p:cNvPr id="10" name="Textfeld 9">
+            <a:extLst>
+              <a:ext uri="{FF2B5EF4-FFF2-40B4-BE49-F238E27FC236}">
+                <a16:creationId xmlns:a16="http://schemas.microsoft.com/office/drawing/2014/main" id="{E82B14FB-5EBB-4AE3-9224-1854DCCDF1DB}"/>
+              </a:ext>
+            </a:extLst>
+          </p:cNvPr>
+          <p:cNvSpPr txBox="1"/>
+          <p:nvPr/>
+        </p:nvSpPr>
+        <p:spPr>
+          <a:xfrm>
+            <a:off x="4572000" y="4535541"/>
+            <a:ext cx="3417802" cy="400110"/>
+          </a:xfrm>
+          <a:prstGeom prst="rect">
+            <a:avLst/>
+          </a:prstGeom>
+          <a:noFill/>
+        </p:spPr>
+        <p:txBody>
+          <a:bodyPr wrap="square" rtlCol="0">
+            <a:spAutoFit/>
+          </a:bodyPr>
+          <a:lstStyle/>
+          <a:p>
+            <a:r>
+              <a:rPr lang="de-DE" sz="1200" dirty="0" err="1"/>
+              <a:t>Full</a:t>
+            </a:r>
+            <a:r>
+              <a:rPr lang="de-DE" sz="1200" dirty="0"/>
+              <a:t> Mission Bridge (FMB) </a:t>
+            </a:r>
+            <a:r>
+              <a:rPr lang="de-DE" sz="1200" dirty="0" err="1"/>
+              <a:t>simulator</a:t>
+            </a:r>
+            <a:r>
+              <a:rPr lang="de-DE" sz="1200" dirty="0"/>
+              <a:t> (USN)</a:t>
+            </a:r>
+            <a:r>
+              <a:rPr lang="de-DE" dirty="0"/>
+              <a:t>  </a:t>
+            </a:r>
+            <a:r>
+              <a:rPr lang="de-DE" sz="1200" dirty="0"/>
+              <a:t>[2]</a:t>
+            </a:r>
+          </a:p>
+        </p:txBody>
+      </p:sp>
+    </p:spTree>
+    <p:extLst>
+      <p:ext uri="{BB962C8B-B14F-4D97-AF65-F5344CB8AC3E}">
+        <p14:creationId xmlns:p14="http://schemas.microsoft.com/office/powerpoint/2010/main" val="95871627"/>
+      </p:ext>
+    </p:extLst>
+  </p:cSld>
+  <p:clrMapOvr>
+    <a:masterClrMapping/>
+  </p:clrMapOvr>
+</p:sld>
+</file>
+
+<file path=ppt/slides/slide4.xml><?xml version="1.0" encoding="utf-8"?>
+<p:sld xmlns:a="http://schemas.openxmlformats.org/drawingml/2006/main" xmlns:r="http://schemas.openxmlformats.org/officeDocument/2006/relationships" xmlns:p="http://schemas.openxmlformats.org/presentationml/2006/main">
+  <p:cSld>
+    <p:spTree>
+      <p:nvGrpSpPr>
+        <p:cNvPr id="1" name=""/>
+        <p:cNvGrpSpPr/>
+        <p:nvPr/>
+      </p:nvGrpSpPr>
+      <p:grpSpPr>
+        <a:xfrm>
+          <a:off x="0" y="0"/>
+          <a:ext cx="0" cy="0"/>
+          <a:chOff x="0" y="0"/>
+          <a:chExt cx="0" cy="0"/>
+        </a:xfrm>
+      </p:grpSpPr>
+      <p:sp>
+        <p:nvSpPr>
+          <p:cNvPr id="2" name="Titel 1"/>
+          <p:cNvSpPr>
+            <a:spLocks noGrp="1"/>
+          </p:cNvSpPr>
+          <p:nvPr>
+            <p:ph type="title"/>
+          </p:nvPr>
+        </p:nvSpPr>
+        <p:spPr/>
+        <p:txBody>
+          <a:bodyPr/>
+          <a:lstStyle/>
+          <a:p>
+            <a:r>
+              <a:rPr lang="de-DE" dirty="0"/>
+              <a:t>Einleitung</a:t>
+            </a:r>
+          </a:p>
+        </p:txBody>
+      </p:sp>
+      <p:sp>
+        <p:nvSpPr>
+          <p:cNvPr id="5" name="Inhaltsplatzhalter 4"/>
+          <p:cNvSpPr>
+            <a:spLocks noGrp="1"/>
+          </p:cNvSpPr>
+          <p:nvPr>
+            <p:ph idx="1"/>
+          </p:nvPr>
+        </p:nvSpPr>
+        <p:spPr/>
+        <p:txBody>
+          <a:bodyPr/>
+          <a:lstStyle/>
+          <a:p>
+            <a:r>
+              <a:rPr lang="de-DE" dirty="0"/>
+              <a:t>Motivation: </a:t>
+            </a:r>
+          </a:p>
+          <a:p>
             <a:pPr lvl="1"/>
             <a:r>
               <a:rPr lang="de-DE" dirty="0"/>
-              <a:t>Simulation</a:t>
+              <a:t>Verknüpfung der beiden Simulatoren </a:t>
             </a:r>
           </a:p>
+          <a:p>
+            <a:pPr lvl="1"/>
+            <a:r>
+              <a:rPr lang="de-DE" dirty="0"/>
+              <a:t>Gemeinsames absolvieren von Trainings </a:t>
+            </a:r>
+          </a:p>
+          <a:p>
+            <a:pPr lvl="2"/>
+            <a:r>
+              <a:rPr lang="de-DE" dirty="0"/>
+              <a:t>Operation verbundener Kräfte</a:t>
+            </a:r>
+          </a:p>
+          <a:p>
+            <a:pPr lvl="1"/>
+            <a:r>
+              <a:rPr lang="de-DE" dirty="0"/>
+              <a:t>Ausbildung von Personal</a:t>
+            </a:r>
+          </a:p>
+          <a:p>
+            <a:pPr lvl="1"/>
+            <a:r>
+              <a:rPr lang="de-DE" dirty="0"/>
+              <a:t>Entwicklung und Tests neuer Taktiken</a:t>
+            </a:r>
+          </a:p>
+          <a:p>
+            <a:pPr marL="457200" lvl="1" indent="0">
+              <a:buNone/>
+            </a:pPr>
+            <a:endParaRPr lang="de-DE" dirty="0"/>
+          </a:p>
+        </p:txBody>
+      </p:sp>
+    </p:spTree>
+    <p:extLst>
+      <p:ext uri="{BB962C8B-B14F-4D97-AF65-F5344CB8AC3E}">
+        <p14:creationId xmlns:p14="http://schemas.microsoft.com/office/powerpoint/2010/main" val="1304101492"/>
+      </p:ext>
+    </p:extLst>
+  </p:cSld>
+  <p:clrMapOvr>
+    <a:masterClrMapping/>
+  </p:clrMapOvr>
+</p:sld>
+</file>
+
+<file path=ppt/slides/slide5.xml><?xml version="1.0" encoding="utf-8"?>
+<p:sld xmlns:a="http://schemas.openxmlformats.org/drawingml/2006/main" xmlns:r="http://schemas.openxmlformats.org/officeDocument/2006/relationships" xmlns:p="http://schemas.openxmlformats.org/presentationml/2006/main">
+  <p:cSld>
+    <p:spTree>
+      <p:nvGrpSpPr>
+        <p:cNvPr id="1" name=""/>
+        <p:cNvGrpSpPr/>
+        <p:nvPr/>
+      </p:nvGrpSpPr>
+      <p:grpSpPr>
+        <a:xfrm>
+          <a:off x="0" y="0"/>
+          <a:ext cx="0" cy="0"/>
+          <a:chOff x="0" y="0"/>
+          <a:chExt cx="0" cy="0"/>
+        </a:xfrm>
+      </p:grpSpPr>
+      <p:sp>
+        <p:nvSpPr>
+          <p:cNvPr id="2" name="Titel 1"/>
+          <p:cNvSpPr>
+            <a:spLocks noGrp="1"/>
+          </p:cNvSpPr>
+          <p:nvPr>
+            <p:ph type="title"/>
+          </p:nvPr>
+        </p:nvSpPr>
+        <p:spPr/>
+        <p:txBody>
+          <a:bodyPr/>
+          <a:lstStyle/>
+          <a:p>
+            <a:r>
+              <a:rPr lang="de-DE" dirty="0"/>
+              <a:t>Einleitung</a:t>
+            </a:r>
+          </a:p>
+        </p:txBody>
+      </p:sp>
+      <p:sp>
+        <p:nvSpPr>
+          <p:cNvPr id="5" name="Inhaltsplatzhalter 4"/>
+          <p:cNvSpPr>
+            <a:spLocks noGrp="1"/>
+          </p:cNvSpPr>
+          <p:nvPr>
+            <p:ph idx="1"/>
+          </p:nvPr>
+        </p:nvSpPr>
+        <p:spPr/>
+        <p:txBody>
+          <a:bodyPr/>
+          <a:lstStyle/>
           <a:p>
             <a:r>
               <a:rPr lang="de-DE" dirty="0"/>
@@ -3362,7 +7238,7 @@
 </p:sld>
 </file>
 
-<file path=ppt/slides/slide4.xml><?xml version="1.0" encoding="utf-8"?>
+<file path=ppt/slides/slide6.xml><?xml version="1.0" encoding="utf-8"?>
 <p:sld xmlns:a="http://schemas.openxmlformats.org/drawingml/2006/main" xmlns:r="http://schemas.openxmlformats.org/officeDocument/2006/relationships" xmlns:p="http://schemas.openxmlformats.org/presentationml/2006/main">
   <p:cSld>
     <p:spTree>
@@ -3418,7 +7294,56 @@
           <a:p>
             <a:r>
               <a:rPr lang="de-DE" dirty="0"/>
-              <a:t>Entity State PDU </a:t>
+              <a:t>Grundidee:</a:t>
+            </a:r>
+          </a:p>
+          <a:p>
+            <a:pPr lvl="1"/>
+            <a:r>
+              <a:rPr lang="de-DE" dirty="0"/>
+              <a:t>Vernetzen von unterschiedlichen Simulationen </a:t>
+            </a:r>
+          </a:p>
+          <a:p>
+            <a:pPr lvl="1"/>
+            <a:r>
+              <a:rPr lang="de-DE" dirty="0"/>
+              <a:t>PDU bilden unterschiedliche Dinge ab </a:t>
+            </a:r>
+          </a:p>
+          <a:p>
+            <a:pPr lvl="2"/>
+            <a:r>
+              <a:rPr lang="de-DE" dirty="0"/>
+              <a:t>Einheiten</a:t>
+            </a:r>
+          </a:p>
+          <a:p>
+            <a:pPr lvl="2"/>
+            <a:r>
+              <a:rPr lang="de-DE" dirty="0"/>
+              <a:t>Events </a:t>
+            </a:r>
+          </a:p>
+          <a:p>
+            <a:pPr lvl="2"/>
+            <a:r>
+              <a:rPr lang="de-DE" dirty="0"/>
+              <a:t>Logistik</a:t>
+            </a:r>
+          </a:p>
+          <a:p>
+            <a:pPr lvl="2"/>
+            <a:r>
+              <a:rPr lang="de-DE" dirty="0"/>
+              <a:t>Simulationsmanagement</a:t>
+            </a:r>
+          </a:p>
+          <a:p>
+            <a:pPr lvl="2"/>
+            <a:r>
+              <a:rPr lang="de-DE" dirty="0"/>
+              <a:t>Informationen</a:t>
             </a:r>
           </a:p>
         </p:txBody>
@@ -3427,6 +7352,3502 @@
     <p:extLst>
       <p:ext uri="{BB962C8B-B14F-4D97-AF65-F5344CB8AC3E}">
         <p14:creationId xmlns:p14="http://schemas.microsoft.com/office/powerpoint/2010/main" val="3450819455"/>
+      </p:ext>
+    </p:extLst>
+  </p:cSld>
+  <p:clrMapOvr>
+    <a:masterClrMapping/>
+  </p:clrMapOvr>
+</p:sld>
+</file>
+
+<file path=ppt/slides/slide7.xml><?xml version="1.0" encoding="utf-8"?>
+<p:sld xmlns:a="http://schemas.openxmlformats.org/drawingml/2006/main" xmlns:r="http://schemas.openxmlformats.org/officeDocument/2006/relationships" xmlns:p="http://schemas.openxmlformats.org/presentationml/2006/main">
+  <p:cSld>
+    <p:spTree>
+      <p:nvGrpSpPr>
+        <p:cNvPr id="1" name=""/>
+        <p:cNvGrpSpPr/>
+        <p:nvPr/>
+      </p:nvGrpSpPr>
+      <p:grpSpPr>
+        <a:xfrm>
+          <a:off x="0" y="0"/>
+          <a:ext cx="0" cy="0"/>
+          <a:chOff x="0" y="0"/>
+          <a:chExt cx="0" cy="0"/>
+        </a:xfrm>
+      </p:grpSpPr>
+      <p:sp>
+        <p:nvSpPr>
+          <p:cNvPr id="2" name="Titel 1"/>
+          <p:cNvSpPr>
+            <a:spLocks noGrp="1"/>
+          </p:cNvSpPr>
+          <p:nvPr>
+            <p:ph type="title"/>
+          </p:nvPr>
+        </p:nvSpPr>
+        <p:spPr/>
+        <p:txBody>
+          <a:bodyPr/>
+          <a:lstStyle/>
+          <a:p>
+            <a:r>
+              <a:rPr lang="de-DE" dirty="0"/>
+              <a:t>DIS - Grundlagen</a:t>
+            </a:r>
+          </a:p>
+        </p:txBody>
+      </p:sp>
+      <p:sp>
+        <p:nvSpPr>
+          <p:cNvPr id="5" name="Inhaltsplatzhalter 4"/>
+          <p:cNvSpPr>
+            <a:spLocks noGrp="1"/>
+          </p:cNvSpPr>
+          <p:nvPr>
+            <p:ph idx="1"/>
+          </p:nvPr>
+        </p:nvSpPr>
+        <p:spPr/>
+        <p:txBody>
+          <a:bodyPr/>
+          <a:lstStyle/>
+          <a:p>
+            <a:r>
+              <a:rPr lang="de-DE" dirty="0"/>
+              <a:t>Grundidee</a:t>
+            </a:r>
+          </a:p>
+        </p:txBody>
+      </p:sp>
+      <p:sp>
+        <p:nvSpPr>
+          <p:cNvPr id="6" name="Rectangle 4">
+            <a:extLst>
+              <a:ext uri="{FF2B5EF4-FFF2-40B4-BE49-F238E27FC236}">
+                <a16:creationId xmlns:a16="http://schemas.microsoft.com/office/drawing/2014/main" id="{7511CD13-7B80-4A42-AF15-88211E329F90}"/>
+              </a:ext>
+            </a:extLst>
+          </p:cNvPr>
+          <p:cNvSpPr>
+            <a:spLocks noChangeArrowheads="1"/>
+          </p:cNvSpPr>
+          <p:nvPr/>
+        </p:nvSpPr>
+        <p:spPr bwMode="auto">
+          <a:xfrm>
+            <a:off x="3367355" y="1977345"/>
+            <a:ext cx="1447800" cy="685800"/>
+          </a:xfrm>
+          <a:prstGeom prst="rect">
+            <a:avLst/>
+          </a:prstGeom>
+          <a:noFill/>
+          <a:ln w="9525">
+            <a:solidFill>
+              <a:schemeClr val="tx1"/>
+            </a:solidFill>
+            <a:miter lim="800000"/>
+            <a:headEnd/>
+            <a:tailEnd/>
+          </a:ln>
+        </p:spPr>
+        <p:txBody>
+          <a:bodyPr wrap="none" anchor="ctr"/>
+          <a:lstStyle/>
+          <a:p>
+            <a:pPr algn="ctr"/>
+            <a:r>
+              <a:rPr lang="en-US" altLang="de-DE" dirty="0" err="1"/>
+              <a:t>Pdu</a:t>
+            </a:r>
+            <a:endParaRPr lang="en-US" altLang="de-DE" dirty="0"/>
+          </a:p>
+        </p:txBody>
+      </p:sp>
+      <p:sp>
+        <p:nvSpPr>
+          <p:cNvPr id="7" name="Rectangle 5">
+            <a:extLst>
+              <a:ext uri="{FF2B5EF4-FFF2-40B4-BE49-F238E27FC236}">
+                <a16:creationId xmlns:a16="http://schemas.microsoft.com/office/drawing/2014/main" id="{5E99E059-F93A-4D84-901D-B271F8FE7D0F}"/>
+              </a:ext>
+            </a:extLst>
+          </p:cNvPr>
+          <p:cNvSpPr>
+            <a:spLocks noChangeArrowheads="1"/>
+          </p:cNvSpPr>
+          <p:nvPr/>
+        </p:nvSpPr>
+        <p:spPr bwMode="auto">
+          <a:xfrm>
+            <a:off x="381000" y="4876800"/>
+            <a:ext cx="1676400" cy="685800"/>
+          </a:xfrm>
+          <a:prstGeom prst="rect">
+            <a:avLst/>
+          </a:prstGeom>
+          <a:noFill/>
+          <a:ln w="9525">
+            <a:solidFill>
+              <a:schemeClr val="tx1"/>
+            </a:solidFill>
+            <a:miter lim="800000"/>
+            <a:headEnd/>
+            <a:tailEnd/>
+          </a:ln>
+        </p:spPr>
+        <p:txBody>
+          <a:bodyPr wrap="none" anchor="ctr"/>
+          <a:lstStyle/>
+          <a:p>
+            <a:pPr algn="ctr"/>
+            <a:r>
+              <a:rPr lang="en-US" altLang="de-DE"/>
+              <a:t>Entity State</a:t>
+            </a:r>
+          </a:p>
+          <a:p>
+            <a:pPr algn="ctr"/>
+            <a:r>
+              <a:rPr lang="en-US" altLang="de-DE"/>
+              <a:t>PDU</a:t>
+            </a:r>
+          </a:p>
+        </p:txBody>
+      </p:sp>
+      <p:sp>
+        <p:nvSpPr>
+          <p:cNvPr id="8" name="Rectangle 6">
+            <a:extLst>
+              <a:ext uri="{FF2B5EF4-FFF2-40B4-BE49-F238E27FC236}">
+                <a16:creationId xmlns:a16="http://schemas.microsoft.com/office/drawing/2014/main" id="{1D9EAC18-FA1F-43CD-9968-0D3B5C0A8B3F}"/>
+              </a:ext>
+            </a:extLst>
+          </p:cNvPr>
+          <p:cNvSpPr>
+            <a:spLocks noChangeArrowheads="1"/>
+          </p:cNvSpPr>
+          <p:nvPr/>
+        </p:nvSpPr>
+        <p:spPr bwMode="auto">
+          <a:xfrm>
+            <a:off x="1752600" y="3200400"/>
+            <a:ext cx="1600200" cy="1143000"/>
+          </a:xfrm>
+          <a:prstGeom prst="rect">
+            <a:avLst/>
+          </a:prstGeom>
+          <a:noFill/>
+          <a:ln w="9525">
+            <a:solidFill>
+              <a:schemeClr val="tx1"/>
+            </a:solidFill>
+            <a:miter lim="800000"/>
+            <a:headEnd/>
+            <a:tailEnd/>
+          </a:ln>
+        </p:spPr>
+        <p:txBody>
+          <a:bodyPr wrap="none" anchor="ctr"/>
+          <a:lstStyle/>
+          <a:p>
+            <a:pPr algn="ctr"/>
+            <a:r>
+              <a:rPr lang="en-US" altLang="de-DE" dirty="0"/>
+              <a:t>Entity</a:t>
+            </a:r>
+          </a:p>
+          <a:p>
+            <a:pPr algn="ctr"/>
+            <a:r>
+              <a:rPr lang="en-US" altLang="de-DE" dirty="0"/>
+              <a:t>Interaction</a:t>
+            </a:r>
+          </a:p>
+          <a:p>
+            <a:pPr algn="ctr"/>
+            <a:r>
+              <a:rPr lang="en-US" altLang="de-DE" dirty="0"/>
+              <a:t>Family</a:t>
+            </a:r>
+          </a:p>
+        </p:txBody>
+      </p:sp>
+      <p:sp>
+        <p:nvSpPr>
+          <p:cNvPr id="9" name="Rectangle 7">
+            <a:extLst>
+              <a:ext uri="{FF2B5EF4-FFF2-40B4-BE49-F238E27FC236}">
+                <a16:creationId xmlns:a16="http://schemas.microsoft.com/office/drawing/2014/main" id="{BE65E955-4AFF-4052-BEE4-A967E0A0A94C}"/>
+              </a:ext>
+            </a:extLst>
+          </p:cNvPr>
+          <p:cNvSpPr>
+            <a:spLocks noChangeArrowheads="1"/>
+          </p:cNvSpPr>
+          <p:nvPr/>
+        </p:nvSpPr>
+        <p:spPr bwMode="auto">
+          <a:xfrm>
+            <a:off x="2590800" y="4876800"/>
+            <a:ext cx="1676400" cy="685800"/>
+          </a:xfrm>
+          <a:prstGeom prst="rect">
+            <a:avLst/>
+          </a:prstGeom>
+          <a:noFill/>
+          <a:ln w="9525">
+            <a:solidFill>
+              <a:schemeClr val="tx1"/>
+            </a:solidFill>
+            <a:miter lim="800000"/>
+            <a:headEnd/>
+            <a:tailEnd/>
+          </a:ln>
+        </p:spPr>
+        <p:txBody>
+          <a:bodyPr wrap="none" anchor="ctr"/>
+          <a:lstStyle/>
+          <a:p>
+            <a:pPr algn="ctr"/>
+            <a:r>
+              <a:rPr lang="en-US" altLang="de-DE"/>
+              <a:t>Collision</a:t>
+            </a:r>
+          </a:p>
+          <a:p>
+            <a:pPr algn="ctr"/>
+            <a:r>
+              <a:rPr lang="en-US" altLang="de-DE"/>
+              <a:t>PDU</a:t>
+            </a:r>
+          </a:p>
+        </p:txBody>
+      </p:sp>
+      <p:sp>
+        <p:nvSpPr>
+          <p:cNvPr id="10" name="Rectangle 8">
+            <a:extLst>
+              <a:ext uri="{FF2B5EF4-FFF2-40B4-BE49-F238E27FC236}">
+                <a16:creationId xmlns:a16="http://schemas.microsoft.com/office/drawing/2014/main" id="{81332D66-B6B3-4ACA-A16B-C99FF0CBB088}"/>
+              </a:ext>
+            </a:extLst>
+          </p:cNvPr>
+          <p:cNvSpPr>
+            <a:spLocks noChangeArrowheads="1"/>
+          </p:cNvSpPr>
+          <p:nvPr/>
+        </p:nvSpPr>
+        <p:spPr bwMode="auto">
+          <a:xfrm>
+            <a:off x="4800600" y="3200400"/>
+            <a:ext cx="1600200" cy="1143000"/>
+          </a:xfrm>
+          <a:prstGeom prst="rect">
+            <a:avLst/>
+          </a:prstGeom>
+          <a:noFill/>
+          <a:ln w="9525">
+            <a:solidFill>
+              <a:schemeClr val="tx1"/>
+            </a:solidFill>
+            <a:miter lim="800000"/>
+            <a:headEnd/>
+            <a:tailEnd/>
+          </a:ln>
+        </p:spPr>
+        <p:txBody>
+          <a:bodyPr wrap="none" anchor="ctr"/>
+          <a:lstStyle/>
+          <a:p>
+            <a:pPr algn="ctr"/>
+            <a:r>
+              <a:rPr lang="en-US" altLang="de-DE" dirty="0"/>
+              <a:t>Warfare</a:t>
+            </a:r>
+          </a:p>
+          <a:p>
+            <a:pPr algn="ctr"/>
+            <a:r>
+              <a:rPr lang="en-US" altLang="de-DE" dirty="0"/>
+              <a:t>Family</a:t>
+            </a:r>
+          </a:p>
+          <a:p>
+            <a:pPr algn="ctr"/>
+            <a:r>
+              <a:rPr lang="en-US" altLang="de-DE" dirty="0"/>
+              <a:t>PDU</a:t>
+            </a:r>
+          </a:p>
+        </p:txBody>
+      </p:sp>
+      <p:sp>
+        <p:nvSpPr>
+          <p:cNvPr id="11" name="Rectangle 9">
+            <a:extLst>
+              <a:ext uri="{FF2B5EF4-FFF2-40B4-BE49-F238E27FC236}">
+                <a16:creationId xmlns:a16="http://schemas.microsoft.com/office/drawing/2014/main" id="{706F8266-6067-453F-8DB7-0575216E2887}"/>
+              </a:ext>
+            </a:extLst>
+          </p:cNvPr>
+          <p:cNvSpPr>
+            <a:spLocks noChangeArrowheads="1"/>
+          </p:cNvSpPr>
+          <p:nvPr/>
+        </p:nvSpPr>
+        <p:spPr bwMode="auto">
+          <a:xfrm>
+            <a:off x="4724400" y="4876800"/>
+            <a:ext cx="1676400" cy="685800"/>
+          </a:xfrm>
+          <a:prstGeom prst="rect">
+            <a:avLst/>
+          </a:prstGeom>
+          <a:noFill/>
+          <a:ln w="9525">
+            <a:solidFill>
+              <a:schemeClr val="tx1"/>
+            </a:solidFill>
+            <a:miter lim="800000"/>
+            <a:headEnd/>
+            <a:tailEnd/>
+          </a:ln>
+        </p:spPr>
+        <p:txBody>
+          <a:bodyPr wrap="none" anchor="ctr"/>
+          <a:lstStyle/>
+          <a:p>
+            <a:pPr algn="ctr"/>
+            <a:r>
+              <a:rPr lang="en-US" altLang="de-DE"/>
+              <a:t>Fire</a:t>
+            </a:r>
+          </a:p>
+          <a:p>
+            <a:pPr algn="ctr"/>
+            <a:r>
+              <a:rPr lang="en-US" altLang="de-DE"/>
+              <a:t>PDU</a:t>
+            </a:r>
+          </a:p>
+        </p:txBody>
+      </p:sp>
+      <p:sp>
+        <p:nvSpPr>
+          <p:cNvPr id="12" name="Rectangle 10">
+            <a:extLst>
+              <a:ext uri="{FF2B5EF4-FFF2-40B4-BE49-F238E27FC236}">
+                <a16:creationId xmlns:a16="http://schemas.microsoft.com/office/drawing/2014/main" id="{BE0C4F51-AC55-481E-AF09-1E2EB53B50B8}"/>
+              </a:ext>
+            </a:extLst>
+          </p:cNvPr>
+          <p:cNvSpPr>
+            <a:spLocks noChangeArrowheads="1"/>
+          </p:cNvSpPr>
+          <p:nvPr/>
+        </p:nvSpPr>
+        <p:spPr bwMode="auto">
+          <a:xfrm>
+            <a:off x="6781800" y="4876800"/>
+            <a:ext cx="1676400" cy="685800"/>
+          </a:xfrm>
+          <a:prstGeom prst="rect">
+            <a:avLst/>
+          </a:prstGeom>
+          <a:noFill/>
+          <a:ln w="9525">
+            <a:solidFill>
+              <a:schemeClr val="tx1"/>
+            </a:solidFill>
+            <a:miter lim="800000"/>
+            <a:headEnd/>
+            <a:tailEnd/>
+          </a:ln>
+        </p:spPr>
+        <p:txBody>
+          <a:bodyPr wrap="none" anchor="ctr"/>
+          <a:lstStyle/>
+          <a:p>
+            <a:pPr algn="ctr"/>
+            <a:r>
+              <a:rPr lang="en-US" altLang="de-DE"/>
+              <a:t>Detonation</a:t>
+            </a:r>
+          </a:p>
+          <a:p>
+            <a:pPr algn="ctr"/>
+            <a:r>
+              <a:rPr lang="en-US" altLang="de-DE"/>
+              <a:t>PDU</a:t>
+            </a:r>
+          </a:p>
+        </p:txBody>
+      </p:sp>
+      <p:sp>
+        <p:nvSpPr>
+          <p:cNvPr id="13" name="Line 11">
+            <a:extLst>
+              <a:ext uri="{FF2B5EF4-FFF2-40B4-BE49-F238E27FC236}">
+                <a16:creationId xmlns:a16="http://schemas.microsoft.com/office/drawing/2014/main" id="{F3FC3A5E-9A80-4BB9-BA14-BB7081BEBC0E}"/>
+              </a:ext>
+            </a:extLst>
+          </p:cNvPr>
+          <p:cNvSpPr>
+            <a:spLocks noChangeShapeType="1"/>
+          </p:cNvSpPr>
+          <p:nvPr/>
+        </p:nvSpPr>
+        <p:spPr bwMode="auto">
+          <a:xfrm flipV="1">
+            <a:off x="1295400" y="4343400"/>
+            <a:ext cx="1143000" cy="533400"/>
+          </a:xfrm>
+          <a:prstGeom prst="line">
+            <a:avLst/>
+          </a:prstGeom>
+          <a:noFill/>
+          <a:ln w="28575">
+            <a:solidFill>
+              <a:schemeClr val="tx1"/>
+            </a:solidFill>
+            <a:round/>
+            <a:headEnd/>
+            <a:tailEnd type="triangle" w="med" len="med"/>
+          </a:ln>
+          <a:extLst>
+            <a:ext uri="{909E8E84-426E-40DD-AFC4-6F175D3DCCD1}">
+              <a14:hiddenFill xmlns:a14="http://schemas.microsoft.com/office/drawing/2010/main">
+                <a:noFill/>
+              </a14:hiddenFill>
+            </a:ext>
+          </a:extLst>
+        </p:spPr>
+        <p:txBody>
+          <a:bodyPr wrap="none" anchor="ctr"/>
+          <a:lstStyle/>
+          <a:p>
+            <a:endParaRPr lang="de-DE"/>
+          </a:p>
+        </p:txBody>
+      </p:sp>
+      <p:sp>
+        <p:nvSpPr>
+          <p:cNvPr id="14" name="Line 12">
+            <a:extLst>
+              <a:ext uri="{FF2B5EF4-FFF2-40B4-BE49-F238E27FC236}">
+                <a16:creationId xmlns:a16="http://schemas.microsoft.com/office/drawing/2014/main" id="{BD1E9218-748A-42C7-948C-A30ECA6F84D1}"/>
+              </a:ext>
+            </a:extLst>
+          </p:cNvPr>
+          <p:cNvSpPr>
+            <a:spLocks noChangeShapeType="1"/>
+          </p:cNvSpPr>
+          <p:nvPr/>
+        </p:nvSpPr>
+        <p:spPr bwMode="auto">
+          <a:xfrm flipH="1" flipV="1">
+            <a:off x="2743200" y="4343400"/>
+            <a:ext cx="609600" cy="533400"/>
+          </a:xfrm>
+          <a:prstGeom prst="line">
+            <a:avLst/>
+          </a:prstGeom>
+          <a:noFill/>
+          <a:ln w="28575">
+            <a:solidFill>
+              <a:schemeClr val="tx1"/>
+            </a:solidFill>
+            <a:round/>
+            <a:headEnd/>
+            <a:tailEnd type="triangle" w="med" len="med"/>
+          </a:ln>
+          <a:extLst>
+            <a:ext uri="{909E8E84-426E-40DD-AFC4-6F175D3DCCD1}">
+              <a14:hiddenFill xmlns:a14="http://schemas.microsoft.com/office/drawing/2010/main">
+                <a:noFill/>
+              </a14:hiddenFill>
+            </a:ext>
+          </a:extLst>
+        </p:spPr>
+        <p:txBody>
+          <a:bodyPr wrap="none" anchor="ctr"/>
+          <a:lstStyle/>
+          <a:p>
+            <a:endParaRPr lang="de-DE"/>
+          </a:p>
+        </p:txBody>
+      </p:sp>
+      <p:sp>
+        <p:nvSpPr>
+          <p:cNvPr id="15" name="Line 13">
+            <a:extLst>
+              <a:ext uri="{FF2B5EF4-FFF2-40B4-BE49-F238E27FC236}">
+                <a16:creationId xmlns:a16="http://schemas.microsoft.com/office/drawing/2014/main" id="{1D7024CB-54E6-4ABA-8BFD-AC6F844053EA}"/>
+              </a:ext>
+            </a:extLst>
+          </p:cNvPr>
+          <p:cNvSpPr>
+            <a:spLocks noChangeShapeType="1"/>
+          </p:cNvSpPr>
+          <p:nvPr/>
+        </p:nvSpPr>
+        <p:spPr bwMode="auto">
+          <a:xfrm flipV="1">
+            <a:off x="2667000" y="2667000"/>
+            <a:ext cx="1143000" cy="533400"/>
+          </a:xfrm>
+          <a:prstGeom prst="line">
+            <a:avLst/>
+          </a:prstGeom>
+          <a:noFill/>
+          <a:ln w="28575">
+            <a:solidFill>
+              <a:schemeClr val="tx1"/>
+            </a:solidFill>
+            <a:round/>
+            <a:headEnd/>
+            <a:tailEnd type="triangle" w="med" len="med"/>
+          </a:ln>
+          <a:extLst>
+            <a:ext uri="{909E8E84-426E-40DD-AFC4-6F175D3DCCD1}">
+              <a14:hiddenFill xmlns:a14="http://schemas.microsoft.com/office/drawing/2010/main">
+                <a:noFill/>
+              </a14:hiddenFill>
+            </a:ext>
+          </a:extLst>
+        </p:spPr>
+        <p:txBody>
+          <a:bodyPr wrap="none" anchor="ctr"/>
+          <a:lstStyle/>
+          <a:p>
+            <a:endParaRPr lang="de-DE"/>
+          </a:p>
+        </p:txBody>
+      </p:sp>
+      <p:sp>
+        <p:nvSpPr>
+          <p:cNvPr id="16" name="Line 14">
+            <a:extLst>
+              <a:ext uri="{FF2B5EF4-FFF2-40B4-BE49-F238E27FC236}">
+                <a16:creationId xmlns:a16="http://schemas.microsoft.com/office/drawing/2014/main" id="{6930125E-8AE4-4705-8FCC-85D42616F848}"/>
+              </a:ext>
+            </a:extLst>
+          </p:cNvPr>
+          <p:cNvSpPr>
+            <a:spLocks noChangeShapeType="1"/>
+          </p:cNvSpPr>
+          <p:nvPr/>
+        </p:nvSpPr>
+        <p:spPr bwMode="auto">
+          <a:xfrm flipH="1" flipV="1">
+            <a:off x="4267200" y="2667000"/>
+            <a:ext cx="1219200" cy="533400"/>
+          </a:xfrm>
+          <a:prstGeom prst="line">
+            <a:avLst/>
+          </a:prstGeom>
+          <a:noFill/>
+          <a:ln w="28575">
+            <a:solidFill>
+              <a:schemeClr val="tx1"/>
+            </a:solidFill>
+            <a:round/>
+            <a:headEnd/>
+            <a:tailEnd type="triangle" w="med" len="med"/>
+          </a:ln>
+          <a:extLst>
+            <a:ext uri="{909E8E84-426E-40DD-AFC4-6F175D3DCCD1}">
+              <a14:hiddenFill xmlns:a14="http://schemas.microsoft.com/office/drawing/2010/main">
+                <a:noFill/>
+              </a14:hiddenFill>
+            </a:ext>
+          </a:extLst>
+        </p:spPr>
+        <p:txBody>
+          <a:bodyPr wrap="none" anchor="ctr"/>
+          <a:lstStyle/>
+          <a:p>
+            <a:endParaRPr lang="de-DE"/>
+          </a:p>
+        </p:txBody>
+      </p:sp>
+      <p:sp>
+        <p:nvSpPr>
+          <p:cNvPr id="17" name="Line 15">
+            <a:extLst>
+              <a:ext uri="{FF2B5EF4-FFF2-40B4-BE49-F238E27FC236}">
+                <a16:creationId xmlns:a16="http://schemas.microsoft.com/office/drawing/2014/main" id="{78094DC5-C6C1-497D-8855-C18EE4F3E42D}"/>
+              </a:ext>
+            </a:extLst>
+          </p:cNvPr>
+          <p:cNvSpPr>
+            <a:spLocks noChangeShapeType="1"/>
+          </p:cNvSpPr>
+          <p:nvPr/>
+        </p:nvSpPr>
+        <p:spPr bwMode="auto">
+          <a:xfrm flipV="1">
+            <a:off x="5181600" y="4343400"/>
+            <a:ext cx="533400" cy="533400"/>
+          </a:xfrm>
+          <a:prstGeom prst="line">
+            <a:avLst/>
+          </a:prstGeom>
+          <a:noFill/>
+          <a:ln w="28575">
+            <a:solidFill>
+              <a:schemeClr val="tx1"/>
+            </a:solidFill>
+            <a:round/>
+            <a:headEnd/>
+            <a:tailEnd type="triangle" w="med" len="med"/>
+          </a:ln>
+          <a:extLst>
+            <a:ext uri="{909E8E84-426E-40DD-AFC4-6F175D3DCCD1}">
+              <a14:hiddenFill xmlns:a14="http://schemas.microsoft.com/office/drawing/2010/main">
+                <a:noFill/>
+              </a14:hiddenFill>
+            </a:ext>
+          </a:extLst>
+        </p:spPr>
+        <p:txBody>
+          <a:bodyPr wrap="none" anchor="ctr"/>
+          <a:lstStyle/>
+          <a:p>
+            <a:endParaRPr lang="de-DE"/>
+          </a:p>
+        </p:txBody>
+      </p:sp>
+      <p:sp>
+        <p:nvSpPr>
+          <p:cNvPr id="18" name="Line 16">
+            <a:extLst>
+              <a:ext uri="{FF2B5EF4-FFF2-40B4-BE49-F238E27FC236}">
+                <a16:creationId xmlns:a16="http://schemas.microsoft.com/office/drawing/2014/main" id="{C04DBE89-EB73-4FCD-B3F8-5DE2E88EF798}"/>
+              </a:ext>
+            </a:extLst>
+          </p:cNvPr>
+          <p:cNvSpPr>
+            <a:spLocks noChangeShapeType="1"/>
+          </p:cNvSpPr>
+          <p:nvPr/>
+        </p:nvSpPr>
+        <p:spPr bwMode="auto">
+          <a:xfrm flipH="1" flipV="1">
+            <a:off x="6019800" y="4343400"/>
+            <a:ext cx="1371600" cy="533400"/>
+          </a:xfrm>
+          <a:prstGeom prst="line">
+            <a:avLst/>
+          </a:prstGeom>
+          <a:noFill/>
+          <a:ln w="28575">
+            <a:solidFill>
+              <a:schemeClr val="tx1"/>
+            </a:solidFill>
+            <a:round/>
+            <a:headEnd/>
+            <a:tailEnd type="triangle" w="med" len="med"/>
+          </a:ln>
+          <a:extLst>
+            <a:ext uri="{909E8E84-426E-40DD-AFC4-6F175D3DCCD1}">
+              <a14:hiddenFill xmlns:a14="http://schemas.microsoft.com/office/drawing/2010/main">
+                <a:noFill/>
+              </a14:hiddenFill>
+            </a:ext>
+          </a:extLst>
+        </p:spPr>
+        <p:txBody>
+          <a:bodyPr wrap="none" anchor="ctr"/>
+          <a:lstStyle/>
+          <a:p>
+            <a:endParaRPr lang="de-DE"/>
+          </a:p>
+        </p:txBody>
+      </p:sp>
+    </p:spTree>
+    <p:extLst>
+      <p:ext uri="{BB962C8B-B14F-4D97-AF65-F5344CB8AC3E}">
+        <p14:creationId xmlns:p14="http://schemas.microsoft.com/office/powerpoint/2010/main" val="1686184161"/>
+      </p:ext>
+    </p:extLst>
+  </p:cSld>
+  <p:clrMapOvr>
+    <a:masterClrMapping/>
+  </p:clrMapOvr>
+</p:sld>
+</file>
+
+<file path=ppt/slides/slide8.xml><?xml version="1.0" encoding="utf-8"?>
+<p:sld xmlns:a="http://schemas.openxmlformats.org/drawingml/2006/main" xmlns:r="http://schemas.openxmlformats.org/officeDocument/2006/relationships" xmlns:p="http://schemas.openxmlformats.org/presentationml/2006/main">
+  <p:cSld>
+    <p:spTree>
+      <p:nvGrpSpPr>
+        <p:cNvPr id="1" name=""/>
+        <p:cNvGrpSpPr/>
+        <p:nvPr/>
+      </p:nvGrpSpPr>
+      <p:grpSpPr>
+        <a:xfrm>
+          <a:off x="0" y="0"/>
+          <a:ext cx="0" cy="0"/>
+          <a:chOff x="0" y="0"/>
+          <a:chExt cx="0" cy="0"/>
+        </a:xfrm>
+      </p:grpSpPr>
+      <p:sp>
+        <p:nvSpPr>
+          <p:cNvPr id="2" name="Titel 1"/>
+          <p:cNvSpPr>
+            <a:spLocks noGrp="1"/>
+          </p:cNvSpPr>
+          <p:nvPr>
+            <p:ph type="title"/>
+          </p:nvPr>
+        </p:nvSpPr>
+        <p:spPr/>
+        <p:txBody>
+          <a:bodyPr/>
+          <a:lstStyle/>
+          <a:p>
+            <a:r>
+              <a:rPr lang="de-DE" dirty="0"/>
+              <a:t>DIS - Grundlagen</a:t>
+            </a:r>
+          </a:p>
+        </p:txBody>
+      </p:sp>
+      <p:sp>
+        <p:nvSpPr>
+          <p:cNvPr id="5" name="Inhaltsplatzhalter 4"/>
+          <p:cNvSpPr>
+            <a:spLocks noGrp="1"/>
+          </p:cNvSpPr>
+          <p:nvPr>
+            <p:ph idx="1"/>
+          </p:nvPr>
+        </p:nvSpPr>
+        <p:spPr/>
+        <p:txBody>
+          <a:bodyPr/>
+          <a:lstStyle/>
+          <a:p>
+            <a:pPr marL="0" indent="0">
+              <a:buNone/>
+            </a:pPr>
+            <a:r>
+              <a:rPr lang="de-DE" dirty="0"/>
+              <a:t>Entity State PDU :</a:t>
+            </a:r>
+          </a:p>
+          <a:p>
+            <a:r>
+              <a:rPr lang="de-DE" dirty="0"/>
+              <a:t>PDU Header</a:t>
+            </a:r>
+          </a:p>
+          <a:p>
+            <a:r>
+              <a:rPr lang="de-DE" dirty="0"/>
+              <a:t>Entity ID</a:t>
+            </a:r>
+          </a:p>
+          <a:p>
+            <a:r>
+              <a:rPr lang="de-DE" dirty="0"/>
+              <a:t>Force ID</a:t>
+            </a:r>
+          </a:p>
+          <a:p>
+            <a:r>
+              <a:rPr lang="de-DE" dirty="0" err="1"/>
+              <a:t>Number</a:t>
+            </a:r>
+            <a:r>
+              <a:rPr lang="de-DE" dirty="0"/>
+              <a:t> </a:t>
+            </a:r>
+            <a:r>
+              <a:rPr lang="de-DE" dirty="0" err="1"/>
+              <a:t>of</a:t>
+            </a:r>
+            <a:r>
+              <a:rPr lang="de-DE" dirty="0"/>
+              <a:t> Variable Records(N)</a:t>
+            </a:r>
+          </a:p>
+          <a:p>
+            <a:r>
+              <a:rPr lang="de-DE" dirty="0"/>
+              <a:t>Entity Type</a:t>
+            </a:r>
+          </a:p>
+          <a:p>
+            <a:r>
+              <a:rPr lang="de-DE" dirty="0"/>
+              <a:t>Alternative Entity Type</a:t>
+            </a:r>
+          </a:p>
+          <a:p>
+            <a:r>
+              <a:rPr lang="de-DE" dirty="0"/>
+              <a:t>Entity Location </a:t>
+            </a:r>
+          </a:p>
+          <a:p>
+            <a:r>
+              <a:rPr lang="de-DE" dirty="0"/>
+              <a:t>Entity Linear Velocity</a:t>
+            </a:r>
+          </a:p>
+          <a:p>
+            <a:r>
+              <a:rPr lang="de-DE" dirty="0"/>
+              <a:t>Entity Orientation</a:t>
+            </a:r>
+          </a:p>
+          <a:p>
+            <a:r>
+              <a:rPr lang="de-DE" dirty="0"/>
+              <a:t>…</a:t>
+            </a:r>
+          </a:p>
+          <a:p>
+            <a:r>
+              <a:rPr lang="de-DE" dirty="0"/>
+              <a:t>Variable Parameter </a:t>
+            </a:r>
+            <a:r>
+              <a:rPr lang="de-DE" dirty="0" err="1"/>
+              <a:t>records</a:t>
+            </a:r>
+            <a:endParaRPr lang="de-DE" dirty="0"/>
+          </a:p>
+          <a:p>
+            <a:r>
+              <a:rPr lang="de-DE" dirty="0"/>
+              <a:t>…</a:t>
+            </a:r>
+          </a:p>
+          <a:p>
+            <a:r>
+              <a:rPr lang="de-DE" dirty="0"/>
+              <a:t>… </a:t>
+            </a:r>
+          </a:p>
+          <a:p>
+            <a:endParaRPr lang="de-DE" dirty="0"/>
+          </a:p>
+          <a:p>
+            <a:endParaRPr lang="de-DE" dirty="0"/>
+          </a:p>
+        </p:txBody>
+      </p:sp>
+    </p:spTree>
+    <p:extLst>
+      <p:ext uri="{BB962C8B-B14F-4D97-AF65-F5344CB8AC3E}">
+        <p14:creationId xmlns:p14="http://schemas.microsoft.com/office/powerpoint/2010/main" val="296910538"/>
+      </p:ext>
+    </p:extLst>
+  </p:cSld>
+  <p:clrMapOvr>
+    <a:masterClrMapping/>
+  </p:clrMapOvr>
+</p:sld>
+</file>
+
+<file path=ppt/slides/slide9.xml><?xml version="1.0" encoding="utf-8"?>
+<p:sld xmlns:a="http://schemas.openxmlformats.org/drawingml/2006/main" xmlns:r="http://schemas.openxmlformats.org/officeDocument/2006/relationships" xmlns:p="http://schemas.openxmlformats.org/presentationml/2006/main">
+  <p:cSld>
+    <p:spTree>
+      <p:nvGrpSpPr>
+        <p:cNvPr id="1" name=""/>
+        <p:cNvGrpSpPr/>
+        <p:nvPr/>
+      </p:nvGrpSpPr>
+      <p:grpSpPr>
+        <a:xfrm>
+          <a:off x="0" y="0"/>
+          <a:ext cx="0" cy="0"/>
+          <a:chOff x="0" y="0"/>
+          <a:chExt cx="0" cy="0"/>
+        </a:xfrm>
+      </p:grpSpPr>
+      <p:sp>
+        <p:nvSpPr>
+          <p:cNvPr id="2" name="Titel 1">
+            <a:extLst>
+              <a:ext uri="{FF2B5EF4-FFF2-40B4-BE49-F238E27FC236}">
+                <a16:creationId xmlns:a16="http://schemas.microsoft.com/office/drawing/2014/main" id="{0441FAB0-BBB5-4663-B8F3-E7B54E8A038A}"/>
+              </a:ext>
+            </a:extLst>
+          </p:cNvPr>
+          <p:cNvSpPr>
+            <a:spLocks noGrp="1"/>
+          </p:cNvSpPr>
+          <p:nvPr>
+            <p:ph type="title"/>
+          </p:nvPr>
+        </p:nvSpPr>
+        <p:spPr/>
+        <p:txBody>
+          <a:bodyPr/>
+          <a:lstStyle/>
+          <a:p>
+            <a:r>
+              <a:rPr lang="de-DE" dirty="0"/>
+              <a:t>DIS - Grundlagen</a:t>
+            </a:r>
+          </a:p>
+        </p:txBody>
+      </p:sp>
+      <p:graphicFrame>
+        <p:nvGraphicFramePr>
+          <p:cNvPr id="5" name="Tabelle 4">
+            <a:extLst>
+              <a:ext uri="{FF2B5EF4-FFF2-40B4-BE49-F238E27FC236}">
+                <a16:creationId xmlns:a16="http://schemas.microsoft.com/office/drawing/2014/main" id="{8627A0A9-D6BB-4517-917D-06DA53F8B6F1}"/>
+              </a:ext>
+            </a:extLst>
+          </p:cNvPr>
+          <p:cNvGraphicFramePr>
+            <a:graphicFrameLocks noGrp="1"/>
+          </p:cNvGraphicFramePr>
+          <p:nvPr>
+            <p:extLst>
+              <p:ext uri="{D42A27DB-BD31-4B8C-83A1-F6EECF244321}">
+                <p14:modId xmlns:p14="http://schemas.microsoft.com/office/powerpoint/2010/main" val="2737742952"/>
+              </p:ext>
+            </p:extLst>
+          </p:nvPr>
+        </p:nvGraphicFramePr>
+        <p:xfrm>
+          <a:off x="107504" y="1052736"/>
+          <a:ext cx="8784976" cy="3960441"/>
+        </p:xfrm>
+        <a:graphic>
+          <a:graphicData uri="http://schemas.openxmlformats.org/drawingml/2006/table">
+            <a:tbl>
+              <a:tblPr firstRow="1" bandRow="1">
+                <a:tableStyleId>{F5AB1C69-6EDB-4FF4-983F-18BD219EF322}</a:tableStyleId>
+              </a:tblPr>
+              <a:tblGrid>
+                <a:gridCol w="1132751">
+                  <a:extLst>
+                    <a:ext uri="{9D8B030D-6E8A-4147-A177-3AD203B41FA5}">
+                      <a16:colId xmlns:a16="http://schemas.microsoft.com/office/drawing/2014/main" val="3885952796"/>
+                    </a:ext>
+                  </a:extLst>
+                </a:gridCol>
+                <a:gridCol w="2798558">
+                  <a:extLst>
+                    <a:ext uri="{9D8B030D-6E8A-4147-A177-3AD203B41FA5}">
+                      <a16:colId xmlns:a16="http://schemas.microsoft.com/office/drawing/2014/main" val="1640966691"/>
+                    </a:ext>
+                  </a:extLst>
+                </a:gridCol>
+                <a:gridCol w="4853667">
+                  <a:extLst>
+                    <a:ext uri="{9D8B030D-6E8A-4147-A177-3AD203B41FA5}">
+                      <a16:colId xmlns:a16="http://schemas.microsoft.com/office/drawing/2014/main" val="1523279740"/>
+                    </a:ext>
+                  </a:extLst>
+                </a:gridCol>
+              </a:tblGrid>
+              <a:tr h="743196">
+                <a:tc>
+                  <a:txBody>
+                    <a:bodyPr/>
+                    <a:lstStyle/>
+                    <a:p>
+                      <a:pPr algn="ctr"/>
+                      <a:r>
+                        <a:rPr lang="de-DE" sz="1600" dirty="0">
+                          <a:solidFill>
+                            <a:schemeClr val="tx1"/>
+                          </a:solidFill>
+                        </a:rPr>
+                        <a:t>Field </a:t>
+                      </a:r>
+                      <a:r>
+                        <a:rPr lang="de-DE" sz="1600" dirty="0" err="1">
+                          <a:solidFill>
+                            <a:schemeClr val="tx1"/>
+                          </a:solidFill>
+                        </a:rPr>
+                        <a:t>size</a:t>
+                      </a:r>
+                      <a:r>
+                        <a:rPr lang="de-DE" sz="1600" dirty="0">
+                          <a:solidFill>
+                            <a:schemeClr val="tx1"/>
+                          </a:solidFill>
+                        </a:rPr>
+                        <a:t> (</a:t>
+                      </a:r>
+                      <a:r>
+                        <a:rPr lang="de-DE" sz="1600" dirty="0" err="1">
+                          <a:solidFill>
+                            <a:schemeClr val="tx1"/>
+                          </a:solidFill>
+                        </a:rPr>
+                        <a:t>bits</a:t>
+                      </a:r>
+                      <a:r>
+                        <a:rPr lang="de-DE" sz="1600" dirty="0">
+                          <a:solidFill>
+                            <a:schemeClr val="tx1"/>
+                          </a:solidFill>
+                        </a:rPr>
+                        <a:t>)</a:t>
+                      </a:r>
+                    </a:p>
+                  </a:txBody>
+                  <a:tcPr>
+                    <a:lnL w="12700" cap="flat" cmpd="sng" algn="ctr">
+                      <a:solidFill>
+                        <a:schemeClr val="tx1"/>
+                      </a:solidFill>
+                      <a:prstDash val="solid"/>
+                      <a:round/>
+                      <a:headEnd type="none" w="med" len="med"/>
+                      <a:tailEnd type="none" w="med" len="med"/>
+                    </a:lnL>
+                    <a:lnR w="12700" cap="flat" cmpd="sng" algn="ctr">
+                      <a:solidFill>
+                        <a:schemeClr val="tx1"/>
+                      </a:solidFill>
+                      <a:prstDash val="solid"/>
+                      <a:round/>
+                      <a:headEnd type="none" w="med" len="med"/>
+                      <a:tailEnd type="none" w="med" len="med"/>
+                    </a:lnR>
+                    <a:lnT w="12700" cap="flat" cmpd="sng" algn="ctr">
+                      <a:solidFill>
+                        <a:schemeClr val="tx1"/>
+                      </a:solidFill>
+                      <a:prstDash val="solid"/>
+                      <a:round/>
+                      <a:headEnd type="none" w="med" len="med"/>
+                      <a:tailEnd type="none" w="med" len="med"/>
+                    </a:lnT>
+                    <a:lnB w="12700" cap="flat" cmpd="sng" algn="ctr">
+                      <a:solidFill>
+                        <a:schemeClr val="tx1"/>
+                      </a:solidFill>
+                      <a:prstDash val="solid"/>
+                      <a:round/>
+                      <a:headEnd type="none" w="med" len="med"/>
+                      <a:tailEnd type="none" w="med" len="med"/>
+                    </a:lnB>
+                  </a:tcPr>
+                </a:tc>
+                <a:tc gridSpan="2">
+                  <a:txBody>
+                    <a:bodyPr/>
+                    <a:lstStyle/>
+                    <a:p>
+                      <a:pPr algn="ctr"/>
+                      <a:endParaRPr lang="de-DE" sz="1600" b="1" i="0" u="none" strike="noStrike" kern="1200" baseline="0" dirty="0">
+                        <a:solidFill>
+                          <a:schemeClr val="tx1"/>
+                        </a:solidFill>
+                        <a:latin typeface="+mn-lt"/>
+                        <a:ea typeface="+mn-ea"/>
+                        <a:cs typeface="+mn-cs"/>
+                      </a:endParaRPr>
+                    </a:p>
+                    <a:p>
+                      <a:pPr algn="ctr"/>
+                      <a:r>
+                        <a:rPr lang="de-DE" sz="1600" b="1" i="0" u="none" strike="noStrike" kern="1200" baseline="0" dirty="0">
+                          <a:solidFill>
+                            <a:schemeClr val="tx1"/>
+                          </a:solidFill>
+                          <a:latin typeface="+mn-lt"/>
+                          <a:ea typeface="+mn-ea"/>
+                          <a:cs typeface="+mn-cs"/>
+                        </a:rPr>
+                        <a:t>Entity State PDU </a:t>
+                      </a:r>
+                      <a:r>
+                        <a:rPr lang="de-DE" sz="1600" b="1" i="0" u="none" strike="noStrike" kern="1200" baseline="0" dirty="0" err="1">
+                          <a:solidFill>
+                            <a:schemeClr val="tx1"/>
+                          </a:solidFill>
+                          <a:latin typeface="+mn-lt"/>
+                          <a:ea typeface="+mn-ea"/>
+                          <a:cs typeface="+mn-cs"/>
+                        </a:rPr>
+                        <a:t>fields</a:t>
+                      </a:r>
+                      <a:endParaRPr lang="de-DE" sz="1600" dirty="0">
+                        <a:solidFill>
+                          <a:schemeClr val="tx1"/>
+                        </a:solidFill>
+                      </a:endParaRPr>
+                    </a:p>
+                  </a:txBody>
+                  <a:tcPr>
+                    <a:lnL w="12700" cap="flat" cmpd="sng" algn="ctr">
+                      <a:solidFill>
+                        <a:schemeClr val="tx1"/>
+                      </a:solidFill>
+                      <a:prstDash val="solid"/>
+                      <a:round/>
+                      <a:headEnd type="none" w="med" len="med"/>
+                      <a:tailEnd type="none" w="med" len="med"/>
+                    </a:lnL>
+                    <a:lnR w="12700" cap="flat" cmpd="sng" algn="ctr">
+                      <a:solidFill>
+                        <a:schemeClr val="tx1"/>
+                      </a:solidFill>
+                      <a:prstDash val="solid"/>
+                      <a:round/>
+                      <a:headEnd type="none" w="med" len="med"/>
+                      <a:tailEnd type="none" w="med" len="med"/>
+                    </a:lnR>
+                    <a:lnT w="12700" cap="flat" cmpd="sng" algn="ctr">
+                      <a:solidFill>
+                        <a:schemeClr val="tx1"/>
+                      </a:solidFill>
+                      <a:prstDash val="solid"/>
+                      <a:round/>
+                      <a:headEnd type="none" w="med" len="med"/>
+                      <a:tailEnd type="none" w="med" len="med"/>
+                    </a:lnT>
+                    <a:lnB w="12700" cap="flat" cmpd="sng" algn="ctr">
+                      <a:solidFill>
+                        <a:schemeClr val="tx1"/>
+                      </a:solidFill>
+                      <a:prstDash val="solid"/>
+                      <a:round/>
+                      <a:headEnd type="none" w="med" len="med"/>
+                      <a:tailEnd type="none" w="med" len="med"/>
+                    </a:lnB>
+                  </a:tcPr>
+                </a:tc>
+                <a:tc hMerge="1">
+                  <a:txBody>
+                    <a:bodyPr/>
+                    <a:lstStyle/>
+                    <a:p>
+                      <a:endParaRPr lang="de-DE" dirty="0"/>
+                    </a:p>
+                  </a:txBody>
+                  <a:tcPr>
+                    <a:lnL w="12700" cap="flat" cmpd="sng" algn="ctr">
+                      <a:solidFill>
+                        <a:schemeClr val="tx1"/>
+                      </a:solidFill>
+                      <a:prstDash val="solid"/>
+                      <a:round/>
+                      <a:headEnd type="none" w="med" len="med"/>
+                      <a:tailEnd type="none" w="med" len="med"/>
+                    </a:lnL>
+                    <a:lnR w="12700" cap="flat" cmpd="sng" algn="ctr">
+                      <a:solidFill>
+                        <a:schemeClr val="tx1"/>
+                      </a:solidFill>
+                      <a:prstDash val="solid"/>
+                      <a:round/>
+                      <a:headEnd type="none" w="med" len="med"/>
+                      <a:tailEnd type="none" w="med" len="med"/>
+                    </a:lnR>
+                    <a:lnT w="12700" cap="flat" cmpd="sng" algn="ctr">
+                      <a:solidFill>
+                        <a:schemeClr val="tx1"/>
+                      </a:solidFill>
+                      <a:prstDash val="solid"/>
+                      <a:round/>
+                      <a:headEnd type="none" w="med" len="med"/>
+                      <a:tailEnd type="none" w="med" len="med"/>
+                    </a:lnT>
+                    <a:lnB w="12700" cap="flat" cmpd="sng" algn="ctr">
+                      <a:solidFill>
+                        <a:schemeClr val="tx1"/>
+                      </a:solidFill>
+                      <a:prstDash val="solid"/>
+                      <a:round/>
+                      <a:headEnd type="none" w="med" len="med"/>
+                      <a:tailEnd type="none" w="med" len="med"/>
+                    </a:lnB>
+                  </a:tcPr>
+                </a:tc>
+                <a:extLst>
+                  <a:ext uri="{0D108BD9-81ED-4DB2-BD59-A6C34878D82A}">
+                    <a16:rowId xmlns:a16="http://schemas.microsoft.com/office/drawing/2014/main" val="1188214876"/>
+                  </a:ext>
+                </a:extLst>
+              </a:tr>
+              <a:tr h="290676">
+                <a:tc rowSpan="8">
+                  <a:txBody>
+                    <a:bodyPr/>
+                    <a:lstStyle/>
+                    <a:p>
+                      <a:pPr algn="ctr"/>
+                      <a:endParaRPr lang="de-DE" sz="1200" dirty="0">
+                        <a:solidFill>
+                          <a:schemeClr val="tx1"/>
+                        </a:solidFill>
+                      </a:endParaRPr>
+                    </a:p>
+                    <a:p>
+                      <a:pPr algn="ctr"/>
+                      <a:endParaRPr lang="de-DE" sz="1200" dirty="0">
+                        <a:solidFill>
+                          <a:schemeClr val="tx1"/>
+                        </a:solidFill>
+                      </a:endParaRPr>
+                    </a:p>
+                    <a:p>
+                      <a:pPr algn="ctr"/>
+                      <a:endParaRPr lang="de-DE" sz="1200" dirty="0">
+                        <a:solidFill>
+                          <a:schemeClr val="tx1"/>
+                        </a:solidFill>
+                      </a:endParaRPr>
+                    </a:p>
+                    <a:p>
+                      <a:pPr algn="ctr"/>
+                      <a:endParaRPr lang="de-DE" sz="1200" dirty="0">
+                        <a:solidFill>
+                          <a:schemeClr val="tx1"/>
+                        </a:solidFill>
+                      </a:endParaRPr>
+                    </a:p>
+                    <a:p>
+                      <a:pPr algn="ctr"/>
+                      <a:r>
+                        <a:rPr lang="de-DE" sz="1200" dirty="0">
+                          <a:solidFill>
+                            <a:schemeClr val="tx1"/>
+                          </a:solidFill>
+                        </a:rPr>
+                        <a:t>96</a:t>
+                      </a:r>
+                    </a:p>
+                  </a:txBody>
+                  <a:tcPr>
+                    <a:lnL w="12700" cap="flat" cmpd="sng" algn="ctr">
+                      <a:solidFill>
+                        <a:schemeClr val="tx1"/>
+                      </a:solidFill>
+                      <a:prstDash val="solid"/>
+                      <a:round/>
+                      <a:headEnd type="none" w="med" len="med"/>
+                      <a:tailEnd type="none" w="med" len="med"/>
+                    </a:lnL>
+                    <a:lnR w="12700" cap="flat" cmpd="sng" algn="ctr">
+                      <a:solidFill>
+                        <a:schemeClr val="tx1"/>
+                      </a:solidFill>
+                      <a:prstDash val="solid"/>
+                      <a:round/>
+                      <a:headEnd type="none" w="med" len="med"/>
+                      <a:tailEnd type="none" w="med" len="med"/>
+                    </a:lnR>
+                    <a:lnT w="12700" cap="flat" cmpd="sng" algn="ctr">
+                      <a:solidFill>
+                        <a:schemeClr val="tx1"/>
+                      </a:solidFill>
+                      <a:prstDash val="solid"/>
+                      <a:round/>
+                      <a:headEnd type="none" w="med" len="med"/>
+                      <a:tailEnd type="none" w="med" len="med"/>
+                    </a:lnT>
+                    <a:lnB w="12700" cap="flat" cmpd="sng" algn="ctr">
+                      <a:solidFill>
+                        <a:schemeClr val="tx1"/>
+                      </a:solidFill>
+                      <a:prstDash val="solid"/>
+                      <a:round/>
+                      <a:headEnd type="none" w="med" len="med"/>
+                      <a:tailEnd type="none" w="med" len="med"/>
+                    </a:lnB>
+                  </a:tcPr>
+                </a:tc>
+                <a:tc rowSpan="8">
+                  <a:txBody>
+                    <a:bodyPr/>
+                    <a:lstStyle/>
+                    <a:p>
+                      <a:pPr algn="ctr"/>
+                      <a:endParaRPr lang="de-DE" sz="1200" b="0" i="0" u="none" strike="noStrike" kern="1200" baseline="0" dirty="0">
+                        <a:solidFill>
+                          <a:schemeClr val="dk1"/>
+                        </a:solidFill>
+                        <a:latin typeface="+mn-lt"/>
+                        <a:ea typeface="+mn-ea"/>
+                        <a:cs typeface="+mn-cs"/>
+                      </a:endParaRPr>
+                    </a:p>
+                    <a:p>
+                      <a:pPr algn="ctr"/>
+                      <a:endParaRPr lang="de-DE" sz="1200" b="0" i="0" u="none" strike="noStrike" kern="1200" baseline="0" dirty="0">
+                        <a:solidFill>
+                          <a:schemeClr val="dk1"/>
+                        </a:solidFill>
+                        <a:latin typeface="+mn-lt"/>
+                        <a:ea typeface="+mn-ea"/>
+                        <a:cs typeface="+mn-cs"/>
+                      </a:endParaRPr>
+                    </a:p>
+                    <a:p>
+                      <a:pPr algn="ctr"/>
+                      <a:endParaRPr lang="de-DE" sz="1200" b="0" i="0" u="none" strike="noStrike" kern="1200" baseline="0" dirty="0">
+                        <a:solidFill>
+                          <a:schemeClr val="dk1"/>
+                        </a:solidFill>
+                        <a:latin typeface="+mn-lt"/>
+                        <a:ea typeface="+mn-ea"/>
+                        <a:cs typeface="+mn-cs"/>
+                      </a:endParaRPr>
+                    </a:p>
+                    <a:p>
+                      <a:pPr algn="l"/>
+                      <a:r>
+                        <a:rPr lang="de-DE" sz="1200" b="0" i="0" u="none" strike="noStrike" kern="1200" baseline="0" dirty="0">
+                          <a:solidFill>
+                            <a:schemeClr val="dk1"/>
+                          </a:solidFill>
+                          <a:latin typeface="+mn-lt"/>
+                          <a:ea typeface="+mn-ea"/>
+                          <a:cs typeface="+mn-cs"/>
+                        </a:rPr>
+                        <a:t>PDU Header</a:t>
+                      </a:r>
+                      <a:endParaRPr lang="de-DE" sz="1200" dirty="0">
+                        <a:solidFill>
+                          <a:schemeClr val="tx1"/>
+                        </a:solidFill>
+                      </a:endParaRPr>
+                    </a:p>
+                  </a:txBody>
+                  <a:tcPr>
+                    <a:lnL w="12700" cap="flat" cmpd="sng" algn="ctr">
+                      <a:solidFill>
+                        <a:schemeClr val="tx1"/>
+                      </a:solidFill>
+                      <a:prstDash val="solid"/>
+                      <a:round/>
+                      <a:headEnd type="none" w="med" len="med"/>
+                      <a:tailEnd type="none" w="med" len="med"/>
+                    </a:lnL>
+                    <a:lnR w="12700" cap="flat" cmpd="sng" algn="ctr">
+                      <a:solidFill>
+                        <a:schemeClr val="tx1"/>
+                      </a:solidFill>
+                      <a:prstDash val="solid"/>
+                      <a:round/>
+                      <a:headEnd type="none" w="med" len="med"/>
+                      <a:tailEnd type="none" w="med" len="med"/>
+                    </a:lnR>
+                    <a:lnT w="12700" cap="flat" cmpd="sng" algn="ctr">
+                      <a:solidFill>
+                        <a:schemeClr val="tx1"/>
+                      </a:solidFill>
+                      <a:prstDash val="solid"/>
+                      <a:round/>
+                      <a:headEnd type="none" w="med" len="med"/>
+                      <a:tailEnd type="none" w="med" len="med"/>
+                    </a:lnT>
+                    <a:lnB w="12700" cap="flat" cmpd="sng" algn="ctr">
+                      <a:solidFill>
+                        <a:schemeClr val="tx1"/>
+                      </a:solidFill>
+                      <a:prstDash val="solid"/>
+                      <a:round/>
+                      <a:headEnd type="none" w="med" len="med"/>
+                      <a:tailEnd type="none" w="med" len="med"/>
+                    </a:lnB>
+                  </a:tcPr>
+                </a:tc>
+                <a:tc>
+                  <a:txBody>
+                    <a:bodyPr/>
+                    <a:lstStyle/>
+                    <a:p>
+                      <a:r>
+                        <a:rPr lang="de-DE" sz="1200" b="0" i="0" u="none" strike="noStrike" kern="1200" baseline="0" dirty="0">
+                          <a:solidFill>
+                            <a:schemeClr val="dk1"/>
+                          </a:solidFill>
+                          <a:latin typeface="+mn-lt"/>
+                          <a:ea typeface="+mn-ea"/>
+                          <a:cs typeface="+mn-cs"/>
+                        </a:rPr>
+                        <a:t>Protocol Version—8-bit </a:t>
+                      </a:r>
+                      <a:r>
+                        <a:rPr lang="de-DE" sz="1200" b="0" i="0" u="none" strike="noStrike" kern="1200" baseline="0" dirty="0" err="1">
+                          <a:solidFill>
+                            <a:schemeClr val="dk1"/>
+                          </a:solidFill>
+                          <a:latin typeface="+mn-lt"/>
+                          <a:ea typeface="+mn-ea"/>
+                          <a:cs typeface="+mn-cs"/>
+                        </a:rPr>
+                        <a:t>enumeration</a:t>
+                      </a:r>
+                      <a:endParaRPr lang="de-DE" sz="1200" dirty="0">
+                        <a:solidFill>
+                          <a:schemeClr val="tx1"/>
+                        </a:solidFill>
+                      </a:endParaRPr>
+                    </a:p>
+                  </a:txBody>
+                  <a:tcPr>
+                    <a:lnL w="12700" cap="flat" cmpd="sng" algn="ctr">
+                      <a:solidFill>
+                        <a:schemeClr val="tx1"/>
+                      </a:solidFill>
+                      <a:prstDash val="solid"/>
+                      <a:round/>
+                      <a:headEnd type="none" w="med" len="med"/>
+                      <a:tailEnd type="none" w="med" len="med"/>
+                    </a:lnL>
+                    <a:lnR w="12700" cap="flat" cmpd="sng" algn="ctr">
+                      <a:solidFill>
+                        <a:schemeClr val="tx1"/>
+                      </a:solidFill>
+                      <a:prstDash val="solid"/>
+                      <a:round/>
+                      <a:headEnd type="none" w="med" len="med"/>
+                      <a:tailEnd type="none" w="med" len="med"/>
+                    </a:lnR>
+                    <a:lnT w="12700" cap="flat" cmpd="sng" algn="ctr">
+                      <a:solidFill>
+                        <a:schemeClr val="tx1"/>
+                      </a:solidFill>
+                      <a:prstDash val="solid"/>
+                      <a:round/>
+                      <a:headEnd type="none" w="med" len="med"/>
+                      <a:tailEnd type="none" w="med" len="med"/>
+                    </a:lnT>
+                    <a:lnB w="12700" cap="flat" cmpd="sng" algn="ctr">
+                      <a:solidFill>
+                        <a:schemeClr val="tx1"/>
+                      </a:solidFill>
+                      <a:prstDash val="solid"/>
+                      <a:round/>
+                      <a:headEnd type="none" w="med" len="med"/>
+                      <a:tailEnd type="none" w="med" len="med"/>
+                    </a:lnB>
+                  </a:tcPr>
+                </a:tc>
+                <a:extLst>
+                  <a:ext uri="{0D108BD9-81ED-4DB2-BD59-A6C34878D82A}">
+                    <a16:rowId xmlns:a16="http://schemas.microsoft.com/office/drawing/2014/main" val="348512559"/>
+                  </a:ext>
+                </a:extLst>
+              </a:tr>
+              <a:tr h="290676">
+                <a:tc vMerge="1">
+                  <a:txBody>
+                    <a:bodyPr/>
+                    <a:lstStyle/>
+                    <a:p>
+                      <a:endParaRPr lang="de-DE" dirty="0">
+                        <a:solidFill>
+                          <a:schemeClr val="tx1"/>
+                        </a:solidFill>
+                      </a:endParaRPr>
+                    </a:p>
+                  </a:txBody>
+                  <a:tcPr>
+                    <a:lnL w="12700" cap="flat" cmpd="sng" algn="ctr">
+                      <a:solidFill>
+                        <a:schemeClr val="tx1"/>
+                      </a:solidFill>
+                      <a:prstDash val="solid"/>
+                      <a:round/>
+                      <a:headEnd type="none" w="med" len="med"/>
+                      <a:tailEnd type="none" w="med" len="med"/>
+                    </a:lnL>
+                    <a:lnR w="12700" cap="flat" cmpd="sng" algn="ctr">
+                      <a:solidFill>
+                        <a:schemeClr val="tx1"/>
+                      </a:solidFill>
+                      <a:prstDash val="solid"/>
+                      <a:round/>
+                      <a:headEnd type="none" w="med" len="med"/>
+                      <a:tailEnd type="none" w="med" len="med"/>
+                    </a:lnR>
+                    <a:lnT w="12700" cap="flat" cmpd="sng" algn="ctr">
+                      <a:solidFill>
+                        <a:schemeClr val="tx1"/>
+                      </a:solidFill>
+                      <a:prstDash val="solid"/>
+                      <a:round/>
+                      <a:headEnd type="none" w="med" len="med"/>
+                      <a:tailEnd type="none" w="med" len="med"/>
+                    </a:lnT>
+                    <a:lnB w="12700" cap="flat" cmpd="sng" algn="ctr">
+                      <a:solidFill>
+                        <a:schemeClr val="tx1"/>
+                      </a:solidFill>
+                      <a:prstDash val="solid"/>
+                      <a:round/>
+                      <a:headEnd type="none" w="med" len="med"/>
+                      <a:tailEnd type="none" w="med" len="med"/>
+                    </a:lnB>
+                  </a:tcPr>
+                </a:tc>
+                <a:tc vMerge="1">
+                  <a:txBody>
+                    <a:bodyPr/>
+                    <a:lstStyle/>
+                    <a:p>
+                      <a:endParaRPr lang="de-DE" dirty="0">
+                        <a:solidFill>
+                          <a:schemeClr val="tx1"/>
+                        </a:solidFill>
+                      </a:endParaRPr>
+                    </a:p>
+                  </a:txBody>
+                  <a:tcPr>
+                    <a:lnL w="12700" cap="flat" cmpd="sng" algn="ctr">
+                      <a:solidFill>
+                        <a:schemeClr val="tx1"/>
+                      </a:solidFill>
+                      <a:prstDash val="solid"/>
+                      <a:round/>
+                      <a:headEnd type="none" w="med" len="med"/>
+                      <a:tailEnd type="none" w="med" len="med"/>
+                    </a:lnL>
+                    <a:lnR w="12700" cap="flat" cmpd="sng" algn="ctr">
+                      <a:solidFill>
+                        <a:schemeClr val="tx1"/>
+                      </a:solidFill>
+                      <a:prstDash val="solid"/>
+                      <a:round/>
+                      <a:headEnd type="none" w="med" len="med"/>
+                      <a:tailEnd type="none" w="med" len="med"/>
+                    </a:lnR>
+                    <a:lnT w="12700" cap="flat" cmpd="sng" algn="ctr">
+                      <a:solidFill>
+                        <a:schemeClr val="tx1"/>
+                      </a:solidFill>
+                      <a:prstDash val="solid"/>
+                      <a:round/>
+                      <a:headEnd type="none" w="med" len="med"/>
+                      <a:tailEnd type="none" w="med" len="med"/>
+                    </a:lnT>
+                    <a:lnB w="12700" cap="flat" cmpd="sng" algn="ctr">
+                      <a:solidFill>
+                        <a:schemeClr val="tx1"/>
+                      </a:solidFill>
+                      <a:prstDash val="solid"/>
+                      <a:round/>
+                      <a:headEnd type="none" w="med" len="med"/>
+                      <a:tailEnd type="none" w="med" len="med"/>
+                    </a:lnB>
+                  </a:tcPr>
+                </a:tc>
+                <a:tc>
+                  <a:txBody>
+                    <a:bodyPr/>
+                    <a:lstStyle/>
+                    <a:p>
+                      <a:r>
+                        <a:rPr lang="de-DE" sz="1200" b="0" i="0" u="none" strike="noStrike" kern="1200" baseline="0" dirty="0" err="1">
+                          <a:solidFill>
+                            <a:schemeClr val="dk1"/>
+                          </a:solidFill>
+                          <a:latin typeface="+mn-lt"/>
+                          <a:ea typeface="+mn-ea"/>
+                          <a:cs typeface="+mn-cs"/>
+                        </a:rPr>
+                        <a:t>Exercise</a:t>
+                      </a:r>
+                      <a:r>
+                        <a:rPr lang="de-DE" sz="1200" b="0" i="0" u="none" strike="noStrike" kern="1200" baseline="0" dirty="0">
+                          <a:solidFill>
+                            <a:schemeClr val="dk1"/>
+                          </a:solidFill>
+                          <a:latin typeface="+mn-lt"/>
+                          <a:ea typeface="+mn-ea"/>
+                          <a:cs typeface="+mn-cs"/>
+                        </a:rPr>
+                        <a:t> ID—8-bit </a:t>
+                      </a:r>
+                      <a:r>
+                        <a:rPr lang="de-DE" sz="1200" b="0" i="0" u="none" strike="noStrike" kern="1200" baseline="0" dirty="0" err="1">
+                          <a:solidFill>
+                            <a:schemeClr val="dk1"/>
+                          </a:solidFill>
+                          <a:latin typeface="+mn-lt"/>
+                          <a:ea typeface="+mn-ea"/>
+                          <a:cs typeface="+mn-cs"/>
+                        </a:rPr>
+                        <a:t>unsigned</a:t>
+                      </a:r>
+                      <a:r>
+                        <a:rPr lang="de-DE" sz="1200" b="0" i="0" u="none" strike="noStrike" kern="1200" baseline="0" dirty="0">
+                          <a:solidFill>
+                            <a:schemeClr val="dk1"/>
+                          </a:solidFill>
+                          <a:latin typeface="+mn-lt"/>
+                          <a:ea typeface="+mn-ea"/>
+                          <a:cs typeface="+mn-cs"/>
+                        </a:rPr>
+                        <a:t> integer</a:t>
+                      </a:r>
+                      <a:endParaRPr lang="de-DE" sz="1200" dirty="0">
+                        <a:solidFill>
+                          <a:schemeClr val="tx1"/>
+                        </a:solidFill>
+                      </a:endParaRPr>
+                    </a:p>
+                  </a:txBody>
+                  <a:tcPr>
+                    <a:lnL w="12700" cap="flat" cmpd="sng" algn="ctr">
+                      <a:solidFill>
+                        <a:schemeClr val="tx1"/>
+                      </a:solidFill>
+                      <a:prstDash val="solid"/>
+                      <a:round/>
+                      <a:headEnd type="none" w="med" len="med"/>
+                      <a:tailEnd type="none" w="med" len="med"/>
+                    </a:lnL>
+                    <a:lnR w="12700" cap="flat" cmpd="sng" algn="ctr">
+                      <a:solidFill>
+                        <a:schemeClr val="tx1"/>
+                      </a:solidFill>
+                      <a:prstDash val="solid"/>
+                      <a:round/>
+                      <a:headEnd type="none" w="med" len="med"/>
+                      <a:tailEnd type="none" w="med" len="med"/>
+                    </a:lnR>
+                    <a:lnT w="12700" cap="flat" cmpd="sng" algn="ctr">
+                      <a:solidFill>
+                        <a:schemeClr val="tx1"/>
+                      </a:solidFill>
+                      <a:prstDash val="solid"/>
+                      <a:round/>
+                      <a:headEnd type="none" w="med" len="med"/>
+                      <a:tailEnd type="none" w="med" len="med"/>
+                    </a:lnT>
+                    <a:lnB w="12700" cap="flat" cmpd="sng" algn="ctr">
+                      <a:solidFill>
+                        <a:schemeClr val="tx1"/>
+                      </a:solidFill>
+                      <a:prstDash val="solid"/>
+                      <a:round/>
+                      <a:headEnd type="none" w="med" len="med"/>
+                      <a:tailEnd type="none" w="med" len="med"/>
+                    </a:lnB>
+                  </a:tcPr>
+                </a:tc>
+                <a:extLst>
+                  <a:ext uri="{0D108BD9-81ED-4DB2-BD59-A6C34878D82A}">
+                    <a16:rowId xmlns:a16="http://schemas.microsoft.com/office/drawing/2014/main" val="4192719875"/>
+                  </a:ext>
+                </a:extLst>
+              </a:tr>
+              <a:tr h="290676">
+                <a:tc vMerge="1">
+                  <a:txBody>
+                    <a:bodyPr/>
+                    <a:lstStyle/>
+                    <a:p>
+                      <a:endParaRPr lang="de-DE" dirty="0">
+                        <a:solidFill>
+                          <a:schemeClr val="tx1"/>
+                        </a:solidFill>
+                      </a:endParaRPr>
+                    </a:p>
+                  </a:txBody>
+                  <a:tcPr>
+                    <a:lnL w="12700" cap="flat" cmpd="sng" algn="ctr">
+                      <a:solidFill>
+                        <a:schemeClr val="tx1"/>
+                      </a:solidFill>
+                      <a:prstDash val="solid"/>
+                      <a:round/>
+                      <a:headEnd type="none" w="med" len="med"/>
+                      <a:tailEnd type="none" w="med" len="med"/>
+                    </a:lnL>
+                    <a:lnR w="12700" cap="flat" cmpd="sng" algn="ctr">
+                      <a:solidFill>
+                        <a:schemeClr val="tx1"/>
+                      </a:solidFill>
+                      <a:prstDash val="solid"/>
+                      <a:round/>
+                      <a:headEnd type="none" w="med" len="med"/>
+                      <a:tailEnd type="none" w="med" len="med"/>
+                    </a:lnR>
+                    <a:lnT w="12700" cap="flat" cmpd="sng" algn="ctr">
+                      <a:solidFill>
+                        <a:schemeClr val="tx1"/>
+                      </a:solidFill>
+                      <a:prstDash val="solid"/>
+                      <a:round/>
+                      <a:headEnd type="none" w="med" len="med"/>
+                      <a:tailEnd type="none" w="med" len="med"/>
+                    </a:lnT>
+                    <a:lnB w="12700" cap="flat" cmpd="sng" algn="ctr">
+                      <a:solidFill>
+                        <a:schemeClr val="tx1"/>
+                      </a:solidFill>
+                      <a:prstDash val="solid"/>
+                      <a:round/>
+                      <a:headEnd type="none" w="med" len="med"/>
+                      <a:tailEnd type="none" w="med" len="med"/>
+                    </a:lnB>
+                  </a:tcPr>
+                </a:tc>
+                <a:tc vMerge="1">
+                  <a:txBody>
+                    <a:bodyPr/>
+                    <a:lstStyle/>
+                    <a:p>
+                      <a:endParaRPr lang="de-DE" dirty="0">
+                        <a:solidFill>
+                          <a:schemeClr val="tx1"/>
+                        </a:solidFill>
+                      </a:endParaRPr>
+                    </a:p>
+                  </a:txBody>
+                  <a:tcPr>
+                    <a:lnL w="12700" cap="flat" cmpd="sng" algn="ctr">
+                      <a:solidFill>
+                        <a:schemeClr val="tx1"/>
+                      </a:solidFill>
+                      <a:prstDash val="solid"/>
+                      <a:round/>
+                      <a:headEnd type="none" w="med" len="med"/>
+                      <a:tailEnd type="none" w="med" len="med"/>
+                    </a:lnL>
+                    <a:lnR w="12700" cap="flat" cmpd="sng" algn="ctr">
+                      <a:solidFill>
+                        <a:schemeClr val="tx1"/>
+                      </a:solidFill>
+                      <a:prstDash val="solid"/>
+                      <a:round/>
+                      <a:headEnd type="none" w="med" len="med"/>
+                      <a:tailEnd type="none" w="med" len="med"/>
+                    </a:lnR>
+                    <a:lnT w="12700" cap="flat" cmpd="sng" algn="ctr">
+                      <a:solidFill>
+                        <a:schemeClr val="tx1"/>
+                      </a:solidFill>
+                      <a:prstDash val="solid"/>
+                      <a:round/>
+                      <a:headEnd type="none" w="med" len="med"/>
+                      <a:tailEnd type="none" w="med" len="med"/>
+                    </a:lnT>
+                    <a:lnB w="12700" cap="flat" cmpd="sng" algn="ctr">
+                      <a:solidFill>
+                        <a:schemeClr val="tx1"/>
+                      </a:solidFill>
+                      <a:prstDash val="solid"/>
+                      <a:round/>
+                      <a:headEnd type="none" w="med" len="med"/>
+                      <a:tailEnd type="none" w="med" len="med"/>
+                    </a:lnB>
+                  </a:tcPr>
+                </a:tc>
+                <a:tc>
+                  <a:txBody>
+                    <a:bodyPr/>
+                    <a:lstStyle/>
+                    <a:p>
+                      <a:r>
+                        <a:rPr lang="de-DE" sz="1200" b="0" i="0" u="none" strike="noStrike" kern="1200" baseline="0" dirty="0">
+                          <a:solidFill>
+                            <a:schemeClr val="dk1"/>
+                          </a:solidFill>
+                          <a:latin typeface="+mn-lt"/>
+                          <a:ea typeface="+mn-ea"/>
+                          <a:cs typeface="+mn-cs"/>
+                        </a:rPr>
+                        <a:t>PDU Type—8-bit </a:t>
+                      </a:r>
+                      <a:r>
+                        <a:rPr lang="de-DE" sz="1200" b="0" i="0" u="none" strike="noStrike" kern="1200" baseline="0" dirty="0" err="1">
+                          <a:solidFill>
+                            <a:schemeClr val="dk1"/>
+                          </a:solidFill>
+                          <a:latin typeface="+mn-lt"/>
+                          <a:ea typeface="+mn-ea"/>
+                          <a:cs typeface="+mn-cs"/>
+                        </a:rPr>
+                        <a:t>enumeration</a:t>
+                      </a:r>
+                      <a:r>
+                        <a:rPr lang="de-DE" sz="1200" b="0" i="0" u="none" strike="noStrike" kern="1200" baseline="0" dirty="0">
+                          <a:solidFill>
+                            <a:schemeClr val="dk1"/>
+                          </a:solidFill>
+                          <a:latin typeface="+mn-lt"/>
+                          <a:ea typeface="+mn-ea"/>
+                          <a:cs typeface="+mn-cs"/>
+                        </a:rPr>
+                        <a:t> = 1</a:t>
+                      </a:r>
+                      <a:endParaRPr lang="de-DE" sz="1200" dirty="0">
+                        <a:solidFill>
+                          <a:schemeClr val="tx1"/>
+                        </a:solidFill>
+                      </a:endParaRPr>
+                    </a:p>
+                  </a:txBody>
+                  <a:tcPr>
+                    <a:lnL w="12700" cap="flat" cmpd="sng" algn="ctr">
+                      <a:solidFill>
+                        <a:schemeClr val="tx1"/>
+                      </a:solidFill>
+                      <a:prstDash val="solid"/>
+                      <a:round/>
+                      <a:headEnd type="none" w="med" len="med"/>
+                      <a:tailEnd type="none" w="med" len="med"/>
+                    </a:lnL>
+                    <a:lnR w="12700" cap="flat" cmpd="sng" algn="ctr">
+                      <a:solidFill>
+                        <a:schemeClr val="tx1"/>
+                      </a:solidFill>
+                      <a:prstDash val="solid"/>
+                      <a:round/>
+                      <a:headEnd type="none" w="med" len="med"/>
+                      <a:tailEnd type="none" w="med" len="med"/>
+                    </a:lnR>
+                    <a:lnT w="12700" cap="flat" cmpd="sng" algn="ctr">
+                      <a:solidFill>
+                        <a:schemeClr val="tx1"/>
+                      </a:solidFill>
+                      <a:prstDash val="solid"/>
+                      <a:round/>
+                      <a:headEnd type="none" w="med" len="med"/>
+                      <a:tailEnd type="none" w="med" len="med"/>
+                    </a:lnT>
+                    <a:lnB w="12700" cap="flat" cmpd="sng" algn="ctr">
+                      <a:solidFill>
+                        <a:schemeClr val="tx1"/>
+                      </a:solidFill>
+                      <a:prstDash val="solid"/>
+                      <a:round/>
+                      <a:headEnd type="none" w="med" len="med"/>
+                      <a:tailEnd type="none" w="med" len="med"/>
+                    </a:lnB>
+                  </a:tcPr>
+                </a:tc>
+                <a:extLst>
+                  <a:ext uri="{0D108BD9-81ED-4DB2-BD59-A6C34878D82A}">
+                    <a16:rowId xmlns:a16="http://schemas.microsoft.com/office/drawing/2014/main" val="4020206290"/>
+                  </a:ext>
+                </a:extLst>
+              </a:tr>
+              <a:tr h="290676">
+                <a:tc vMerge="1">
+                  <a:txBody>
+                    <a:bodyPr/>
+                    <a:lstStyle/>
+                    <a:p>
+                      <a:endParaRPr lang="de-DE" dirty="0">
+                        <a:solidFill>
+                          <a:schemeClr val="tx1"/>
+                        </a:solidFill>
+                      </a:endParaRPr>
+                    </a:p>
+                  </a:txBody>
+                  <a:tcPr>
+                    <a:lnL w="12700" cap="flat" cmpd="sng" algn="ctr">
+                      <a:solidFill>
+                        <a:schemeClr val="tx1"/>
+                      </a:solidFill>
+                      <a:prstDash val="solid"/>
+                      <a:round/>
+                      <a:headEnd type="none" w="med" len="med"/>
+                      <a:tailEnd type="none" w="med" len="med"/>
+                    </a:lnL>
+                    <a:lnR w="12700" cap="flat" cmpd="sng" algn="ctr">
+                      <a:solidFill>
+                        <a:schemeClr val="tx1"/>
+                      </a:solidFill>
+                      <a:prstDash val="solid"/>
+                      <a:round/>
+                      <a:headEnd type="none" w="med" len="med"/>
+                      <a:tailEnd type="none" w="med" len="med"/>
+                    </a:lnR>
+                    <a:lnT w="12700" cap="flat" cmpd="sng" algn="ctr">
+                      <a:solidFill>
+                        <a:schemeClr val="tx1"/>
+                      </a:solidFill>
+                      <a:prstDash val="solid"/>
+                      <a:round/>
+                      <a:headEnd type="none" w="med" len="med"/>
+                      <a:tailEnd type="none" w="med" len="med"/>
+                    </a:lnT>
+                    <a:lnB w="12700" cap="flat" cmpd="sng" algn="ctr">
+                      <a:solidFill>
+                        <a:schemeClr val="tx1"/>
+                      </a:solidFill>
+                      <a:prstDash val="solid"/>
+                      <a:round/>
+                      <a:headEnd type="none" w="med" len="med"/>
+                      <a:tailEnd type="none" w="med" len="med"/>
+                    </a:lnB>
+                  </a:tcPr>
+                </a:tc>
+                <a:tc vMerge="1">
+                  <a:txBody>
+                    <a:bodyPr/>
+                    <a:lstStyle/>
+                    <a:p>
+                      <a:endParaRPr lang="de-DE" dirty="0">
+                        <a:solidFill>
+                          <a:schemeClr val="tx1"/>
+                        </a:solidFill>
+                      </a:endParaRPr>
+                    </a:p>
+                  </a:txBody>
+                  <a:tcPr>
+                    <a:lnL w="12700" cap="flat" cmpd="sng" algn="ctr">
+                      <a:solidFill>
+                        <a:schemeClr val="tx1"/>
+                      </a:solidFill>
+                      <a:prstDash val="solid"/>
+                      <a:round/>
+                      <a:headEnd type="none" w="med" len="med"/>
+                      <a:tailEnd type="none" w="med" len="med"/>
+                    </a:lnL>
+                    <a:lnR w="12700" cap="flat" cmpd="sng" algn="ctr">
+                      <a:solidFill>
+                        <a:schemeClr val="tx1"/>
+                      </a:solidFill>
+                      <a:prstDash val="solid"/>
+                      <a:round/>
+                      <a:headEnd type="none" w="med" len="med"/>
+                      <a:tailEnd type="none" w="med" len="med"/>
+                    </a:lnR>
+                    <a:lnT w="12700" cap="flat" cmpd="sng" algn="ctr">
+                      <a:solidFill>
+                        <a:schemeClr val="tx1"/>
+                      </a:solidFill>
+                      <a:prstDash val="solid"/>
+                      <a:round/>
+                      <a:headEnd type="none" w="med" len="med"/>
+                      <a:tailEnd type="none" w="med" len="med"/>
+                    </a:lnT>
+                    <a:lnB w="12700" cap="flat" cmpd="sng" algn="ctr">
+                      <a:solidFill>
+                        <a:schemeClr val="tx1"/>
+                      </a:solidFill>
+                      <a:prstDash val="solid"/>
+                      <a:round/>
+                      <a:headEnd type="none" w="med" len="med"/>
+                      <a:tailEnd type="none" w="med" len="med"/>
+                    </a:lnB>
+                  </a:tcPr>
+                </a:tc>
+                <a:tc>
+                  <a:txBody>
+                    <a:bodyPr/>
+                    <a:lstStyle/>
+                    <a:p>
+                      <a:r>
+                        <a:rPr lang="en-US" sz="1200" b="0" i="0" u="none" strike="noStrike" kern="1200" baseline="0" dirty="0">
+                          <a:solidFill>
+                            <a:schemeClr val="dk1"/>
+                          </a:solidFill>
+                          <a:latin typeface="+mn-lt"/>
+                          <a:ea typeface="+mn-ea"/>
+                          <a:cs typeface="+mn-cs"/>
+                        </a:rPr>
+                        <a:t>Protocol Family—8-bit enumeration = 1</a:t>
+                      </a:r>
+                      <a:endParaRPr lang="de-DE" sz="1200" dirty="0">
+                        <a:solidFill>
+                          <a:schemeClr val="tx1"/>
+                        </a:solidFill>
+                      </a:endParaRPr>
+                    </a:p>
+                  </a:txBody>
+                  <a:tcPr>
+                    <a:lnL w="12700" cap="flat" cmpd="sng" algn="ctr">
+                      <a:solidFill>
+                        <a:schemeClr val="tx1"/>
+                      </a:solidFill>
+                      <a:prstDash val="solid"/>
+                      <a:round/>
+                      <a:headEnd type="none" w="med" len="med"/>
+                      <a:tailEnd type="none" w="med" len="med"/>
+                    </a:lnL>
+                    <a:lnR w="12700" cap="flat" cmpd="sng" algn="ctr">
+                      <a:solidFill>
+                        <a:schemeClr val="tx1"/>
+                      </a:solidFill>
+                      <a:prstDash val="solid"/>
+                      <a:round/>
+                      <a:headEnd type="none" w="med" len="med"/>
+                      <a:tailEnd type="none" w="med" len="med"/>
+                    </a:lnR>
+                    <a:lnT w="12700" cap="flat" cmpd="sng" algn="ctr">
+                      <a:solidFill>
+                        <a:schemeClr val="tx1"/>
+                      </a:solidFill>
+                      <a:prstDash val="solid"/>
+                      <a:round/>
+                      <a:headEnd type="none" w="med" len="med"/>
+                      <a:tailEnd type="none" w="med" len="med"/>
+                    </a:lnT>
+                    <a:lnB w="12700" cap="flat" cmpd="sng" algn="ctr">
+                      <a:solidFill>
+                        <a:schemeClr val="tx1"/>
+                      </a:solidFill>
+                      <a:prstDash val="solid"/>
+                      <a:round/>
+                      <a:headEnd type="none" w="med" len="med"/>
+                      <a:tailEnd type="none" w="med" len="med"/>
+                    </a:lnB>
+                  </a:tcPr>
+                </a:tc>
+                <a:extLst>
+                  <a:ext uri="{0D108BD9-81ED-4DB2-BD59-A6C34878D82A}">
+                    <a16:rowId xmlns:a16="http://schemas.microsoft.com/office/drawing/2014/main" val="3118916546"/>
+                  </a:ext>
+                </a:extLst>
+              </a:tr>
+              <a:tr h="290676">
+                <a:tc vMerge="1">
+                  <a:txBody>
+                    <a:bodyPr/>
+                    <a:lstStyle/>
+                    <a:p>
+                      <a:endParaRPr lang="de-DE" dirty="0">
+                        <a:solidFill>
+                          <a:schemeClr val="tx1"/>
+                        </a:solidFill>
+                      </a:endParaRPr>
+                    </a:p>
+                  </a:txBody>
+                  <a:tcPr>
+                    <a:lnL w="12700" cap="flat" cmpd="sng" algn="ctr">
+                      <a:solidFill>
+                        <a:schemeClr val="tx1"/>
+                      </a:solidFill>
+                      <a:prstDash val="solid"/>
+                      <a:round/>
+                      <a:headEnd type="none" w="med" len="med"/>
+                      <a:tailEnd type="none" w="med" len="med"/>
+                    </a:lnL>
+                    <a:lnR w="12700" cap="flat" cmpd="sng" algn="ctr">
+                      <a:solidFill>
+                        <a:schemeClr val="tx1"/>
+                      </a:solidFill>
+                      <a:prstDash val="solid"/>
+                      <a:round/>
+                      <a:headEnd type="none" w="med" len="med"/>
+                      <a:tailEnd type="none" w="med" len="med"/>
+                    </a:lnR>
+                    <a:lnT w="12700" cap="flat" cmpd="sng" algn="ctr">
+                      <a:solidFill>
+                        <a:schemeClr val="tx1"/>
+                      </a:solidFill>
+                      <a:prstDash val="solid"/>
+                      <a:round/>
+                      <a:headEnd type="none" w="med" len="med"/>
+                      <a:tailEnd type="none" w="med" len="med"/>
+                    </a:lnT>
+                    <a:lnB w="12700" cap="flat" cmpd="sng" algn="ctr">
+                      <a:solidFill>
+                        <a:schemeClr val="tx1"/>
+                      </a:solidFill>
+                      <a:prstDash val="solid"/>
+                      <a:round/>
+                      <a:headEnd type="none" w="med" len="med"/>
+                      <a:tailEnd type="none" w="med" len="med"/>
+                    </a:lnB>
+                  </a:tcPr>
+                </a:tc>
+                <a:tc vMerge="1">
+                  <a:txBody>
+                    <a:bodyPr/>
+                    <a:lstStyle/>
+                    <a:p>
+                      <a:endParaRPr lang="de-DE" dirty="0">
+                        <a:solidFill>
+                          <a:schemeClr val="tx1"/>
+                        </a:solidFill>
+                      </a:endParaRPr>
+                    </a:p>
+                  </a:txBody>
+                  <a:tcPr>
+                    <a:lnL w="12700" cap="flat" cmpd="sng" algn="ctr">
+                      <a:solidFill>
+                        <a:schemeClr val="tx1"/>
+                      </a:solidFill>
+                      <a:prstDash val="solid"/>
+                      <a:round/>
+                      <a:headEnd type="none" w="med" len="med"/>
+                      <a:tailEnd type="none" w="med" len="med"/>
+                    </a:lnL>
+                    <a:lnR w="12700" cap="flat" cmpd="sng" algn="ctr">
+                      <a:solidFill>
+                        <a:schemeClr val="tx1"/>
+                      </a:solidFill>
+                      <a:prstDash val="solid"/>
+                      <a:round/>
+                      <a:headEnd type="none" w="med" len="med"/>
+                      <a:tailEnd type="none" w="med" len="med"/>
+                    </a:lnR>
+                    <a:lnT w="12700" cap="flat" cmpd="sng" algn="ctr">
+                      <a:solidFill>
+                        <a:schemeClr val="tx1"/>
+                      </a:solidFill>
+                      <a:prstDash val="solid"/>
+                      <a:round/>
+                      <a:headEnd type="none" w="med" len="med"/>
+                      <a:tailEnd type="none" w="med" len="med"/>
+                    </a:lnT>
+                    <a:lnB w="12700" cap="flat" cmpd="sng" algn="ctr">
+                      <a:solidFill>
+                        <a:schemeClr val="tx1"/>
+                      </a:solidFill>
+                      <a:prstDash val="solid"/>
+                      <a:round/>
+                      <a:headEnd type="none" w="med" len="med"/>
+                      <a:tailEnd type="none" w="med" len="med"/>
+                    </a:lnB>
+                  </a:tcPr>
+                </a:tc>
+                <a:tc>
+                  <a:txBody>
+                    <a:bodyPr/>
+                    <a:lstStyle/>
+                    <a:p>
+                      <a:r>
+                        <a:rPr lang="de-DE" sz="1200" b="0" i="0" u="none" strike="noStrike" kern="1200" baseline="0" dirty="0" err="1">
+                          <a:solidFill>
+                            <a:schemeClr val="dk1"/>
+                          </a:solidFill>
+                          <a:latin typeface="+mn-lt"/>
+                          <a:ea typeface="+mn-ea"/>
+                          <a:cs typeface="+mn-cs"/>
+                        </a:rPr>
+                        <a:t>Timestamp</a:t>
+                      </a:r>
+                      <a:r>
+                        <a:rPr lang="de-DE" sz="1200" b="0" i="0" u="none" strike="noStrike" kern="1200" baseline="0" dirty="0">
+                          <a:solidFill>
+                            <a:schemeClr val="dk1"/>
+                          </a:solidFill>
+                          <a:latin typeface="+mn-lt"/>
+                          <a:ea typeface="+mn-ea"/>
+                          <a:cs typeface="+mn-cs"/>
+                        </a:rPr>
+                        <a:t>—32-bit </a:t>
+                      </a:r>
+                      <a:r>
+                        <a:rPr lang="de-DE" sz="1200" b="0" i="0" u="none" strike="noStrike" kern="1200" baseline="0" dirty="0" err="1">
+                          <a:solidFill>
+                            <a:schemeClr val="dk1"/>
+                          </a:solidFill>
+                          <a:latin typeface="+mn-lt"/>
+                          <a:ea typeface="+mn-ea"/>
+                          <a:cs typeface="+mn-cs"/>
+                        </a:rPr>
+                        <a:t>unsigned</a:t>
+                      </a:r>
+                      <a:r>
+                        <a:rPr lang="de-DE" sz="1200" b="0" i="0" u="none" strike="noStrike" kern="1200" baseline="0" dirty="0">
+                          <a:solidFill>
+                            <a:schemeClr val="dk1"/>
+                          </a:solidFill>
+                          <a:latin typeface="+mn-lt"/>
+                          <a:ea typeface="+mn-ea"/>
+                          <a:cs typeface="+mn-cs"/>
+                        </a:rPr>
+                        <a:t> integer</a:t>
+                      </a:r>
+                      <a:endParaRPr lang="de-DE" sz="1200" dirty="0">
+                        <a:solidFill>
+                          <a:schemeClr val="tx1"/>
+                        </a:solidFill>
+                      </a:endParaRPr>
+                    </a:p>
+                  </a:txBody>
+                  <a:tcPr>
+                    <a:lnL w="12700" cap="flat" cmpd="sng" algn="ctr">
+                      <a:solidFill>
+                        <a:schemeClr val="tx1"/>
+                      </a:solidFill>
+                      <a:prstDash val="solid"/>
+                      <a:round/>
+                      <a:headEnd type="none" w="med" len="med"/>
+                      <a:tailEnd type="none" w="med" len="med"/>
+                    </a:lnL>
+                    <a:lnR w="12700" cap="flat" cmpd="sng" algn="ctr">
+                      <a:solidFill>
+                        <a:schemeClr val="tx1"/>
+                      </a:solidFill>
+                      <a:prstDash val="solid"/>
+                      <a:round/>
+                      <a:headEnd type="none" w="med" len="med"/>
+                      <a:tailEnd type="none" w="med" len="med"/>
+                    </a:lnR>
+                    <a:lnT w="12700" cap="flat" cmpd="sng" algn="ctr">
+                      <a:solidFill>
+                        <a:schemeClr val="tx1"/>
+                      </a:solidFill>
+                      <a:prstDash val="solid"/>
+                      <a:round/>
+                      <a:headEnd type="none" w="med" len="med"/>
+                      <a:tailEnd type="none" w="med" len="med"/>
+                    </a:lnT>
+                    <a:lnB w="12700" cap="flat" cmpd="sng" algn="ctr">
+                      <a:solidFill>
+                        <a:schemeClr val="tx1"/>
+                      </a:solidFill>
+                      <a:prstDash val="solid"/>
+                      <a:round/>
+                      <a:headEnd type="none" w="med" len="med"/>
+                      <a:tailEnd type="none" w="med" len="med"/>
+                    </a:lnB>
+                  </a:tcPr>
+                </a:tc>
+                <a:extLst>
+                  <a:ext uri="{0D108BD9-81ED-4DB2-BD59-A6C34878D82A}">
+                    <a16:rowId xmlns:a16="http://schemas.microsoft.com/office/drawing/2014/main" val="775001909"/>
+                  </a:ext>
+                </a:extLst>
+              </a:tr>
+              <a:tr h="290676">
+                <a:tc vMerge="1">
+                  <a:txBody>
+                    <a:bodyPr/>
+                    <a:lstStyle/>
+                    <a:p>
+                      <a:endParaRPr lang="de-DE" dirty="0">
+                        <a:solidFill>
+                          <a:schemeClr val="tx1"/>
+                        </a:solidFill>
+                      </a:endParaRPr>
+                    </a:p>
+                  </a:txBody>
+                  <a:tcPr>
+                    <a:lnL w="12700" cap="flat" cmpd="sng" algn="ctr">
+                      <a:solidFill>
+                        <a:schemeClr val="tx1"/>
+                      </a:solidFill>
+                      <a:prstDash val="solid"/>
+                      <a:round/>
+                      <a:headEnd type="none" w="med" len="med"/>
+                      <a:tailEnd type="none" w="med" len="med"/>
+                    </a:lnL>
+                    <a:lnR w="12700" cap="flat" cmpd="sng" algn="ctr">
+                      <a:solidFill>
+                        <a:schemeClr val="tx1"/>
+                      </a:solidFill>
+                      <a:prstDash val="solid"/>
+                      <a:round/>
+                      <a:headEnd type="none" w="med" len="med"/>
+                      <a:tailEnd type="none" w="med" len="med"/>
+                    </a:lnR>
+                    <a:lnT w="12700" cap="flat" cmpd="sng" algn="ctr">
+                      <a:solidFill>
+                        <a:schemeClr val="tx1"/>
+                      </a:solidFill>
+                      <a:prstDash val="solid"/>
+                      <a:round/>
+                      <a:headEnd type="none" w="med" len="med"/>
+                      <a:tailEnd type="none" w="med" len="med"/>
+                    </a:lnT>
+                    <a:lnB w="12700" cap="flat" cmpd="sng" algn="ctr">
+                      <a:solidFill>
+                        <a:schemeClr val="tx1"/>
+                      </a:solidFill>
+                      <a:prstDash val="solid"/>
+                      <a:round/>
+                      <a:headEnd type="none" w="med" len="med"/>
+                      <a:tailEnd type="none" w="med" len="med"/>
+                    </a:lnB>
+                  </a:tcPr>
+                </a:tc>
+                <a:tc vMerge="1">
+                  <a:txBody>
+                    <a:bodyPr/>
+                    <a:lstStyle/>
+                    <a:p>
+                      <a:endParaRPr lang="de-DE" dirty="0">
+                        <a:solidFill>
+                          <a:schemeClr val="tx1"/>
+                        </a:solidFill>
+                      </a:endParaRPr>
+                    </a:p>
+                  </a:txBody>
+                  <a:tcPr>
+                    <a:lnL w="12700" cap="flat" cmpd="sng" algn="ctr">
+                      <a:solidFill>
+                        <a:schemeClr val="tx1"/>
+                      </a:solidFill>
+                      <a:prstDash val="solid"/>
+                      <a:round/>
+                      <a:headEnd type="none" w="med" len="med"/>
+                      <a:tailEnd type="none" w="med" len="med"/>
+                    </a:lnL>
+                    <a:lnR w="12700" cap="flat" cmpd="sng" algn="ctr">
+                      <a:solidFill>
+                        <a:schemeClr val="tx1"/>
+                      </a:solidFill>
+                      <a:prstDash val="solid"/>
+                      <a:round/>
+                      <a:headEnd type="none" w="med" len="med"/>
+                      <a:tailEnd type="none" w="med" len="med"/>
+                    </a:lnR>
+                    <a:lnT w="12700" cap="flat" cmpd="sng" algn="ctr">
+                      <a:solidFill>
+                        <a:schemeClr val="tx1"/>
+                      </a:solidFill>
+                      <a:prstDash val="solid"/>
+                      <a:round/>
+                      <a:headEnd type="none" w="med" len="med"/>
+                      <a:tailEnd type="none" w="med" len="med"/>
+                    </a:lnT>
+                    <a:lnB w="12700" cap="flat" cmpd="sng" algn="ctr">
+                      <a:solidFill>
+                        <a:schemeClr val="tx1"/>
+                      </a:solidFill>
+                      <a:prstDash val="solid"/>
+                      <a:round/>
+                      <a:headEnd type="none" w="med" len="med"/>
+                      <a:tailEnd type="none" w="med" len="med"/>
+                    </a:lnB>
+                  </a:tcPr>
+                </a:tc>
+                <a:tc>
+                  <a:txBody>
+                    <a:bodyPr/>
+                    <a:lstStyle/>
+                    <a:p>
+                      <a:r>
+                        <a:rPr lang="de-DE" sz="1200" b="0" i="0" u="none" strike="noStrike" kern="1200" baseline="0" dirty="0" err="1">
+                          <a:solidFill>
+                            <a:schemeClr val="dk1"/>
+                          </a:solidFill>
+                          <a:latin typeface="+mn-lt"/>
+                          <a:ea typeface="+mn-ea"/>
+                          <a:cs typeface="+mn-cs"/>
+                        </a:rPr>
+                        <a:t>Length</a:t>
+                      </a:r>
+                      <a:r>
+                        <a:rPr lang="de-DE" sz="1200" b="0" i="0" u="none" strike="noStrike" kern="1200" baseline="0" dirty="0">
+                          <a:solidFill>
+                            <a:schemeClr val="dk1"/>
+                          </a:solidFill>
+                          <a:latin typeface="+mn-lt"/>
+                          <a:ea typeface="+mn-ea"/>
+                          <a:cs typeface="+mn-cs"/>
+                        </a:rPr>
+                        <a:t>—16-bit </a:t>
+                      </a:r>
+                      <a:r>
+                        <a:rPr lang="de-DE" sz="1200" b="0" i="0" u="none" strike="noStrike" kern="1200" baseline="0" dirty="0" err="1">
+                          <a:solidFill>
+                            <a:schemeClr val="dk1"/>
+                          </a:solidFill>
+                          <a:latin typeface="+mn-lt"/>
+                          <a:ea typeface="+mn-ea"/>
+                          <a:cs typeface="+mn-cs"/>
+                        </a:rPr>
+                        <a:t>unsigned</a:t>
+                      </a:r>
+                      <a:r>
+                        <a:rPr lang="de-DE" sz="1200" b="0" i="0" u="none" strike="noStrike" kern="1200" baseline="0" dirty="0">
+                          <a:solidFill>
+                            <a:schemeClr val="dk1"/>
+                          </a:solidFill>
+                          <a:latin typeface="+mn-lt"/>
+                          <a:ea typeface="+mn-ea"/>
+                          <a:cs typeface="+mn-cs"/>
+                        </a:rPr>
+                        <a:t> integer</a:t>
+                      </a:r>
+                      <a:endParaRPr lang="de-DE" sz="1200" dirty="0">
+                        <a:solidFill>
+                          <a:schemeClr val="tx1"/>
+                        </a:solidFill>
+                      </a:endParaRPr>
+                    </a:p>
+                  </a:txBody>
+                  <a:tcPr>
+                    <a:lnL w="12700" cap="flat" cmpd="sng" algn="ctr">
+                      <a:solidFill>
+                        <a:schemeClr val="tx1"/>
+                      </a:solidFill>
+                      <a:prstDash val="solid"/>
+                      <a:round/>
+                      <a:headEnd type="none" w="med" len="med"/>
+                      <a:tailEnd type="none" w="med" len="med"/>
+                    </a:lnL>
+                    <a:lnR w="12700" cap="flat" cmpd="sng" algn="ctr">
+                      <a:solidFill>
+                        <a:schemeClr val="tx1"/>
+                      </a:solidFill>
+                      <a:prstDash val="solid"/>
+                      <a:round/>
+                      <a:headEnd type="none" w="med" len="med"/>
+                      <a:tailEnd type="none" w="med" len="med"/>
+                    </a:lnR>
+                    <a:lnT w="12700" cap="flat" cmpd="sng" algn="ctr">
+                      <a:solidFill>
+                        <a:schemeClr val="tx1"/>
+                      </a:solidFill>
+                      <a:prstDash val="solid"/>
+                      <a:round/>
+                      <a:headEnd type="none" w="med" len="med"/>
+                      <a:tailEnd type="none" w="med" len="med"/>
+                    </a:lnT>
+                    <a:lnB w="12700" cap="flat" cmpd="sng" algn="ctr">
+                      <a:solidFill>
+                        <a:schemeClr val="tx1"/>
+                      </a:solidFill>
+                      <a:prstDash val="solid"/>
+                      <a:round/>
+                      <a:headEnd type="none" w="med" len="med"/>
+                      <a:tailEnd type="none" w="med" len="med"/>
+                    </a:lnB>
+                  </a:tcPr>
+                </a:tc>
+                <a:extLst>
+                  <a:ext uri="{0D108BD9-81ED-4DB2-BD59-A6C34878D82A}">
+                    <a16:rowId xmlns:a16="http://schemas.microsoft.com/office/drawing/2014/main" val="1801167197"/>
+                  </a:ext>
+                </a:extLst>
+              </a:tr>
+              <a:tr h="290676">
+                <a:tc vMerge="1">
+                  <a:txBody>
+                    <a:bodyPr/>
+                    <a:lstStyle/>
+                    <a:p>
+                      <a:endParaRPr lang="de-DE" dirty="0">
+                        <a:solidFill>
+                          <a:schemeClr val="tx1"/>
+                        </a:solidFill>
+                      </a:endParaRPr>
+                    </a:p>
+                  </a:txBody>
+                  <a:tcPr>
+                    <a:lnL w="12700" cap="flat" cmpd="sng" algn="ctr">
+                      <a:solidFill>
+                        <a:schemeClr val="tx1"/>
+                      </a:solidFill>
+                      <a:prstDash val="solid"/>
+                      <a:round/>
+                      <a:headEnd type="none" w="med" len="med"/>
+                      <a:tailEnd type="none" w="med" len="med"/>
+                    </a:lnL>
+                    <a:lnR w="12700" cap="flat" cmpd="sng" algn="ctr">
+                      <a:solidFill>
+                        <a:schemeClr val="tx1"/>
+                      </a:solidFill>
+                      <a:prstDash val="solid"/>
+                      <a:round/>
+                      <a:headEnd type="none" w="med" len="med"/>
+                      <a:tailEnd type="none" w="med" len="med"/>
+                    </a:lnR>
+                    <a:lnT w="12700" cap="flat" cmpd="sng" algn="ctr">
+                      <a:solidFill>
+                        <a:schemeClr val="tx1"/>
+                      </a:solidFill>
+                      <a:prstDash val="solid"/>
+                      <a:round/>
+                      <a:headEnd type="none" w="med" len="med"/>
+                      <a:tailEnd type="none" w="med" len="med"/>
+                    </a:lnT>
+                    <a:lnB w="12700" cap="flat" cmpd="sng" algn="ctr">
+                      <a:solidFill>
+                        <a:schemeClr val="tx1"/>
+                      </a:solidFill>
+                      <a:prstDash val="solid"/>
+                      <a:round/>
+                      <a:headEnd type="none" w="med" len="med"/>
+                      <a:tailEnd type="none" w="med" len="med"/>
+                    </a:lnB>
+                  </a:tcPr>
+                </a:tc>
+                <a:tc vMerge="1">
+                  <a:txBody>
+                    <a:bodyPr/>
+                    <a:lstStyle/>
+                    <a:p>
+                      <a:endParaRPr lang="de-DE" dirty="0">
+                        <a:solidFill>
+                          <a:schemeClr val="tx1"/>
+                        </a:solidFill>
+                      </a:endParaRPr>
+                    </a:p>
+                  </a:txBody>
+                  <a:tcPr>
+                    <a:lnL w="12700" cap="flat" cmpd="sng" algn="ctr">
+                      <a:solidFill>
+                        <a:schemeClr val="tx1"/>
+                      </a:solidFill>
+                      <a:prstDash val="solid"/>
+                      <a:round/>
+                      <a:headEnd type="none" w="med" len="med"/>
+                      <a:tailEnd type="none" w="med" len="med"/>
+                    </a:lnL>
+                    <a:lnR w="12700" cap="flat" cmpd="sng" algn="ctr">
+                      <a:solidFill>
+                        <a:schemeClr val="tx1"/>
+                      </a:solidFill>
+                      <a:prstDash val="solid"/>
+                      <a:round/>
+                      <a:headEnd type="none" w="med" len="med"/>
+                      <a:tailEnd type="none" w="med" len="med"/>
+                    </a:lnR>
+                    <a:lnT w="12700" cap="flat" cmpd="sng" algn="ctr">
+                      <a:solidFill>
+                        <a:schemeClr val="tx1"/>
+                      </a:solidFill>
+                      <a:prstDash val="solid"/>
+                      <a:round/>
+                      <a:headEnd type="none" w="med" len="med"/>
+                      <a:tailEnd type="none" w="med" len="med"/>
+                    </a:lnT>
+                    <a:lnB w="12700" cap="flat" cmpd="sng" algn="ctr">
+                      <a:solidFill>
+                        <a:schemeClr val="tx1"/>
+                      </a:solidFill>
+                      <a:prstDash val="solid"/>
+                      <a:round/>
+                      <a:headEnd type="none" w="med" len="med"/>
+                      <a:tailEnd type="none" w="med" len="med"/>
+                    </a:lnB>
+                  </a:tcPr>
+                </a:tc>
+                <a:tc>
+                  <a:txBody>
+                    <a:bodyPr/>
+                    <a:lstStyle/>
+                    <a:p>
+                      <a:r>
+                        <a:rPr lang="de-DE" sz="1200" b="0" i="0" u="none" strike="noStrike" kern="1200" baseline="0" dirty="0">
+                          <a:solidFill>
+                            <a:schemeClr val="dk1"/>
+                          </a:solidFill>
+                          <a:latin typeface="+mn-lt"/>
+                          <a:ea typeface="+mn-ea"/>
+                          <a:cs typeface="+mn-cs"/>
+                        </a:rPr>
+                        <a:t>PDU Status—8-bit </a:t>
+                      </a:r>
+                      <a:r>
+                        <a:rPr lang="de-DE" sz="1200" b="0" i="0" u="none" strike="noStrike" kern="1200" baseline="0" dirty="0" err="1">
+                          <a:solidFill>
+                            <a:schemeClr val="dk1"/>
+                          </a:solidFill>
+                          <a:latin typeface="+mn-lt"/>
+                          <a:ea typeface="+mn-ea"/>
+                          <a:cs typeface="+mn-cs"/>
+                        </a:rPr>
+                        <a:t>record</a:t>
+                      </a:r>
+                      <a:endParaRPr lang="de-DE" sz="1200" dirty="0">
+                        <a:solidFill>
+                          <a:schemeClr val="tx1"/>
+                        </a:solidFill>
+                      </a:endParaRPr>
+                    </a:p>
+                  </a:txBody>
+                  <a:tcPr>
+                    <a:lnL w="12700" cap="flat" cmpd="sng" algn="ctr">
+                      <a:solidFill>
+                        <a:schemeClr val="tx1"/>
+                      </a:solidFill>
+                      <a:prstDash val="solid"/>
+                      <a:round/>
+                      <a:headEnd type="none" w="med" len="med"/>
+                      <a:tailEnd type="none" w="med" len="med"/>
+                    </a:lnL>
+                    <a:lnR w="12700" cap="flat" cmpd="sng" algn="ctr">
+                      <a:solidFill>
+                        <a:schemeClr val="tx1"/>
+                      </a:solidFill>
+                      <a:prstDash val="solid"/>
+                      <a:round/>
+                      <a:headEnd type="none" w="med" len="med"/>
+                      <a:tailEnd type="none" w="med" len="med"/>
+                    </a:lnR>
+                    <a:lnT w="12700" cap="flat" cmpd="sng" algn="ctr">
+                      <a:solidFill>
+                        <a:schemeClr val="tx1"/>
+                      </a:solidFill>
+                      <a:prstDash val="solid"/>
+                      <a:round/>
+                      <a:headEnd type="none" w="med" len="med"/>
+                      <a:tailEnd type="none" w="med" len="med"/>
+                    </a:lnT>
+                    <a:lnB w="12700" cap="flat" cmpd="sng" algn="ctr">
+                      <a:solidFill>
+                        <a:schemeClr val="tx1"/>
+                      </a:solidFill>
+                      <a:prstDash val="solid"/>
+                      <a:round/>
+                      <a:headEnd type="none" w="med" len="med"/>
+                      <a:tailEnd type="none" w="med" len="med"/>
+                    </a:lnB>
+                  </a:tcPr>
+                </a:tc>
+                <a:extLst>
+                  <a:ext uri="{0D108BD9-81ED-4DB2-BD59-A6C34878D82A}">
+                    <a16:rowId xmlns:a16="http://schemas.microsoft.com/office/drawing/2014/main" val="296180635"/>
+                  </a:ext>
+                </a:extLst>
+              </a:tr>
+              <a:tr h="290676">
+                <a:tc vMerge="1">
+                  <a:txBody>
+                    <a:bodyPr/>
+                    <a:lstStyle/>
+                    <a:p>
+                      <a:endParaRPr lang="de-DE" dirty="0">
+                        <a:solidFill>
+                          <a:schemeClr val="tx1"/>
+                        </a:solidFill>
+                      </a:endParaRPr>
+                    </a:p>
+                  </a:txBody>
+                  <a:tcPr>
+                    <a:lnL w="12700" cap="flat" cmpd="sng" algn="ctr">
+                      <a:solidFill>
+                        <a:schemeClr val="tx1"/>
+                      </a:solidFill>
+                      <a:prstDash val="solid"/>
+                      <a:round/>
+                      <a:headEnd type="none" w="med" len="med"/>
+                      <a:tailEnd type="none" w="med" len="med"/>
+                    </a:lnL>
+                    <a:lnR w="12700" cap="flat" cmpd="sng" algn="ctr">
+                      <a:solidFill>
+                        <a:schemeClr val="tx1"/>
+                      </a:solidFill>
+                      <a:prstDash val="solid"/>
+                      <a:round/>
+                      <a:headEnd type="none" w="med" len="med"/>
+                      <a:tailEnd type="none" w="med" len="med"/>
+                    </a:lnR>
+                    <a:lnT w="12700" cap="flat" cmpd="sng" algn="ctr">
+                      <a:solidFill>
+                        <a:schemeClr val="tx1"/>
+                      </a:solidFill>
+                      <a:prstDash val="solid"/>
+                      <a:round/>
+                      <a:headEnd type="none" w="med" len="med"/>
+                      <a:tailEnd type="none" w="med" len="med"/>
+                    </a:lnT>
+                    <a:lnB w="12700" cap="flat" cmpd="sng" algn="ctr">
+                      <a:solidFill>
+                        <a:schemeClr val="tx1"/>
+                      </a:solidFill>
+                      <a:prstDash val="solid"/>
+                      <a:round/>
+                      <a:headEnd type="none" w="med" len="med"/>
+                      <a:tailEnd type="none" w="med" len="med"/>
+                    </a:lnB>
+                  </a:tcPr>
+                </a:tc>
+                <a:tc vMerge="1">
+                  <a:txBody>
+                    <a:bodyPr/>
+                    <a:lstStyle/>
+                    <a:p>
+                      <a:endParaRPr lang="de-DE" dirty="0">
+                        <a:solidFill>
+                          <a:schemeClr val="tx1"/>
+                        </a:solidFill>
+                      </a:endParaRPr>
+                    </a:p>
+                  </a:txBody>
+                  <a:tcPr>
+                    <a:lnL w="12700" cap="flat" cmpd="sng" algn="ctr">
+                      <a:solidFill>
+                        <a:schemeClr val="tx1"/>
+                      </a:solidFill>
+                      <a:prstDash val="solid"/>
+                      <a:round/>
+                      <a:headEnd type="none" w="med" len="med"/>
+                      <a:tailEnd type="none" w="med" len="med"/>
+                    </a:lnL>
+                    <a:lnR w="12700" cap="flat" cmpd="sng" algn="ctr">
+                      <a:solidFill>
+                        <a:schemeClr val="tx1"/>
+                      </a:solidFill>
+                      <a:prstDash val="solid"/>
+                      <a:round/>
+                      <a:headEnd type="none" w="med" len="med"/>
+                      <a:tailEnd type="none" w="med" len="med"/>
+                    </a:lnR>
+                    <a:lnT w="12700" cap="flat" cmpd="sng" algn="ctr">
+                      <a:solidFill>
+                        <a:schemeClr val="tx1"/>
+                      </a:solidFill>
+                      <a:prstDash val="solid"/>
+                      <a:round/>
+                      <a:headEnd type="none" w="med" len="med"/>
+                      <a:tailEnd type="none" w="med" len="med"/>
+                    </a:lnT>
+                    <a:lnB w="12700" cap="flat" cmpd="sng" algn="ctr">
+                      <a:solidFill>
+                        <a:schemeClr val="tx1"/>
+                      </a:solidFill>
+                      <a:prstDash val="solid"/>
+                      <a:round/>
+                      <a:headEnd type="none" w="med" len="med"/>
+                      <a:tailEnd type="none" w="med" len="med"/>
+                    </a:lnB>
+                  </a:tcPr>
+                </a:tc>
+                <a:tc>
+                  <a:txBody>
+                    <a:bodyPr/>
+                    <a:lstStyle/>
+                    <a:p>
+                      <a:r>
+                        <a:rPr lang="de-DE" sz="1200" b="0" i="0" u="none" strike="noStrike" kern="1200" baseline="0" dirty="0" err="1">
+                          <a:solidFill>
+                            <a:schemeClr val="dk1"/>
+                          </a:solidFill>
+                          <a:latin typeface="+mn-lt"/>
+                          <a:ea typeface="+mn-ea"/>
+                          <a:cs typeface="+mn-cs"/>
+                        </a:rPr>
+                        <a:t>Padding</a:t>
+                      </a:r>
+                      <a:r>
+                        <a:rPr lang="de-DE" sz="1200" b="0" i="0" u="none" strike="noStrike" kern="1200" baseline="0" dirty="0">
+                          <a:solidFill>
+                            <a:schemeClr val="dk1"/>
+                          </a:solidFill>
+                          <a:latin typeface="+mn-lt"/>
+                          <a:ea typeface="+mn-ea"/>
+                          <a:cs typeface="+mn-cs"/>
+                        </a:rPr>
+                        <a:t>—8 </a:t>
+                      </a:r>
+                      <a:r>
+                        <a:rPr lang="de-DE" sz="1200" b="0" i="0" u="none" strike="noStrike" kern="1200" baseline="0" dirty="0" err="1">
+                          <a:solidFill>
+                            <a:schemeClr val="dk1"/>
+                          </a:solidFill>
+                          <a:latin typeface="+mn-lt"/>
+                          <a:ea typeface="+mn-ea"/>
+                          <a:cs typeface="+mn-cs"/>
+                        </a:rPr>
+                        <a:t>bits</a:t>
+                      </a:r>
+                      <a:r>
+                        <a:rPr lang="de-DE" sz="1200" b="0" i="0" u="none" strike="noStrike" kern="1200" baseline="0" dirty="0">
+                          <a:solidFill>
+                            <a:schemeClr val="dk1"/>
+                          </a:solidFill>
+                          <a:latin typeface="+mn-lt"/>
+                          <a:ea typeface="+mn-ea"/>
+                          <a:cs typeface="+mn-cs"/>
+                        </a:rPr>
+                        <a:t> </a:t>
+                      </a:r>
+                      <a:r>
+                        <a:rPr lang="de-DE" sz="1200" b="0" i="0" u="none" strike="noStrike" kern="1200" baseline="0" dirty="0" err="1">
+                          <a:solidFill>
+                            <a:schemeClr val="dk1"/>
+                          </a:solidFill>
+                          <a:latin typeface="+mn-lt"/>
+                          <a:ea typeface="+mn-ea"/>
+                          <a:cs typeface="+mn-cs"/>
+                        </a:rPr>
+                        <a:t>unused</a:t>
+                      </a:r>
+                      <a:endParaRPr lang="de-DE" sz="1200" dirty="0">
+                        <a:solidFill>
+                          <a:schemeClr val="tx1"/>
+                        </a:solidFill>
+                      </a:endParaRPr>
+                    </a:p>
+                  </a:txBody>
+                  <a:tcPr>
+                    <a:lnL w="12700" cap="flat" cmpd="sng" algn="ctr">
+                      <a:solidFill>
+                        <a:schemeClr val="tx1"/>
+                      </a:solidFill>
+                      <a:prstDash val="solid"/>
+                      <a:round/>
+                      <a:headEnd type="none" w="med" len="med"/>
+                      <a:tailEnd type="none" w="med" len="med"/>
+                    </a:lnL>
+                    <a:lnR w="12700" cap="flat" cmpd="sng" algn="ctr">
+                      <a:solidFill>
+                        <a:schemeClr val="tx1"/>
+                      </a:solidFill>
+                      <a:prstDash val="solid"/>
+                      <a:round/>
+                      <a:headEnd type="none" w="med" len="med"/>
+                      <a:tailEnd type="none" w="med" len="med"/>
+                    </a:lnR>
+                    <a:lnT w="12700" cap="flat" cmpd="sng" algn="ctr">
+                      <a:solidFill>
+                        <a:schemeClr val="tx1"/>
+                      </a:solidFill>
+                      <a:prstDash val="solid"/>
+                      <a:round/>
+                      <a:headEnd type="none" w="med" len="med"/>
+                      <a:tailEnd type="none" w="med" len="med"/>
+                    </a:lnT>
+                    <a:lnB w="12700" cap="flat" cmpd="sng" algn="ctr">
+                      <a:solidFill>
+                        <a:schemeClr val="tx1"/>
+                      </a:solidFill>
+                      <a:prstDash val="solid"/>
+                      <a:round/>
+                      <a:headEnd type="none" w="med" len="med"/>
+                      <a:tailEnd type="none" w="med" len="med"/>
+                    </a:lnB>
+                  </a:tcPr>
+                </a:tc>
+                <a:extLst>
+                  <a:ext uri="{0D108BD9-81ED-4DB2-BD59-A6C34878D82A}">
+                    <a16:rowId xmlns:a16="http://schemas.microsoft.com/office/drawing/2014/main" val="1595129882"/>
+                  </a:ext>
+                </a:extLst>
+              </a:tr>
+              <a:tr h="297279">
+                <a:tc rowSpan="3">
+                  <a:txBody>
+                    <a:bodyPr/>
+                    <a:lstStyle/>
+                    <a:p>
+                      <a:pPr algn="ctr"/>
+                      <a:r>
+                        <a:rPr lang="de-DE" sz="1200" b="0" i="0" u="none" strike="noStrike" kern="1200" baseline="0" dirty="0">
+                          <a:solidFill>
+                            <a:schemeClr val="dk1"/>
+                          </a:solidFill>
+                          <a:latin typeface="+mn-lt"/>
+                          <a:ea typeface="+mn-ea"/>
+                          <a:cs typeface="+mn-cs"/>
+                        </a:rPr>
+                        <a:t>48</a:t>
+                      </a:r>
+                      <a:endParaRPr lang="de-DE" sz="1200" dirty="0">
+                        <a:solidFill>
+                          <a:schemeClr val="tx1"/>
+                        </a:solidFill>
+                      </a:endParaRPr>
+                    </a:p>
+                  </a:txBody>
+                  <a:tcPr>
+                    <a:lnL w="12700" cap="flat" cmpd="sng" algn="ctr">
+                      <a:solidFill>
+                        <a:schemeClr val="tx1"/>
+                      </a:solidFill>
+                      <a:prstDash val="solid"/>
+                      <a:round/>
+                      <a:headEnd type="none" w="med" len="med"/>
+                      <a:tailEnd type="none" w="med" len="med"/>
+                    </a:lnL>
+                    <a:lnR w="12700" cap="flat" cmpd="sng" algn="ctr">
+                      <a:solidFill>
+                        <a:schemeClr val="tx1"/>
+                      </a:solidFill>
+                      <a:prstDash val="solid"/>
+                      <a:round/>
+                      <a:headEnd type="none" w="med" len="med"/>
+                      <a:tailEnd type="none" w="med" len="med"/>
+                    </a:lnR>
+                    <a:lnT w="12700" cap="flat" cmpd="sng" algn="ctr">
+                      <a:solidFill>
+                        <a:schemeClr val="tx1"/>
+                      </a:solidFill>
+                      <a:prstDash val="solid"/>
+                      <a:round/>
+                      <a:headEnd type="none" w="med" len="med"/>
+                      <a:tailEnd type="none" w="med" len="med"/>
+                    </a:lnT>
+                    <a:lnB w="12700" cap="flat" cmpd="sng" algn="ctr">
+                      <a:solidFill>
+                        <a:schemeClr val="tx1"/>
+                      </a:solidFill>
+                      <a:prstDash val="solid"/>
+                      <a:round/>
+                      <a:headEnd type="none" w="med" len="med"/>
+                      <a:tailEnd type="none" w="med" len="med"/>
+                    </a:lnB>
+                  </a:tcPr>
+                </a:tc>
+                <a:tc rowSpan="3">
+                  <a:txBody>
+                    <a:bodyPr/>
+                    <a:lstStyle/>
+                    <a:p>
+                      <a:pPr algn="l"/>
+                      <a:r>
+                        <a:rPr lang="de-DE" sz="1200" b="0" i="0" u="none" strike="noStrike" kern="1200" baseline="0" dirty="0">
+                          <a:solidFill>
+                            <a:schemeClr val="dk1"/>
+                          </a:solidFill>
+                          <a:latin typeface="+mn-lt"/>
+                          <a:ea typeface="+mn-ea"/>
+                          <a:cs typeface="+mn-cs"/>
+                        </a:rPr>
+                        <a:t>Entity ID</a:t>
+                      </a:r>
+                      <a:endParaRPr lang="de-DE" sz="1200" dirty="0">
+                        <a:solidFill>
+                          <a:schemeClr val="tx1"/>
+                        </a:solidFill>
+                      </a:endParaRPr>
+                    </a:p>
+                  </a:txBody>
+                  <a:tcPr>
+                    <a:lnL w="12700" cap="flat" cmpd="sng" algn="ctr">
+                      <a:solidFill>
+                        <a:schemeClr val="tx1"/>
+                      </a:solidFill>
+                      <a:prstDash val="solid"/>
+                      <a:round/>
+                      <a:headEnd type="none" w="med" len="med"/>
+                      <a:tailEnd type="none" w="med" len="med"/>
+                    </a:lnL>
+                    <a:lnR w="12700" cap="flat" cmpd="sng" algn="ctr">
+                      <a:solidFill>
+                        <a:schemeClr val="tx1"/>
+                      </a:solidFill>
+                      <a:prstDash val="solid"/>
+                      <a:round/>
+                      <a:headEnd type="none" w="med" len="med"/>
+                      <a:tailEnd type="none" w="med" len="med"/>
+                    </a:lnR>
+                    <a:lnT w="12700" cap="flat" cmpd="sng" algn="ctr">
+                      <a:solidFill>
+                        <a:schemeClr val="tx1"/>
+                      </a:solidFill>
+                      <a:prstDash val="solid"/>
+                      <a:round/>
+                      <a:headEnd type="none" w="med" len="med"/>
+                      <a:tailEnd type="none" w="med" len="med"/>
+                    </a:lnT>
+                    <a:lnB w="12700" cap="flat" cmpd="sng" algn="ctr">
+                      <a:solidFill>
+                        <a:schemeClr val="tx1"/>
+                      </a:solidFill>
+                      <a:prstDash val="solid"/>
+                      <a:round/>
+                      <a:headEnd type="none" w="med" len="med"/>
+                      <a:tailEnd type="none" w="med" len="med"/>
+                    </a:lnB>
+                  </a:tcPr>
+                </a:tc>
+                <a:tc>
+                  <a:txBody>
+                    <a:bodyPr/>
+                    <a:lstStyle/>
+                    <a:p>
+                      <a:r>
+                        <a:rPr lang="de-DE" sz="1200" b="0" i="0" u="none" strike="noStrike" kern="1200" baseline="0" dirty="0">
+                          <a:solidFill>
+                            <a:schemeClr val="dk1"/>
+                          </a:solidFill>
+                          <a:latin typeface="+mn-lt"/>
+                          <a:ea typeface="+mn-ea"/>
+                          <a:cs typeface="+mn-cs"/>
+                        </a:rPr>
+                        <a:t>Site </a:t>
+                      </a:r>
+                      <a:r>
+                        <a:rPr lang="de-DE" sz="1200" b="0" i="0" u="none" strike="noStrike" kern="1200" baseline="0" dirty="0" err="1">
+                          <a:solidFill>
+                            <a:schemeClr val="dk1"/>
+                          </a:solidFill>
+                          <a:latin typeface="+mn-lt"/>
+                          <a:ea typeface="+mn-ea"/>
+                          <a:cs typeface="+mn-cs"/>
+                        </a:rPr>
+                        <a:t>Number</a:t>
+                      </a:r>
+                      <a:r>
+                        <a:rPr lang="de-DE" sz="1200" b="0" i="0" u="none" strike="noStrike" kern="1200" baseline="0" dirty="0">
+                          <a:solidFill>
+                            <a:schemeClr val="dk1"/>
+                          </a:solidFill>
+                          <a:latin typeface="+mn-lt"/>
+                          <a:ea typeface="+mn-ea"/>
+                          <a:cs typeface="+mn-cs"/>
+                        </a:rPr>
+                        <a:t>—16-bit </a:t>
+                      </a:r>
+                      <a:r>
+                        <a:rPr lang="de-DE" sz="1200" b="0" i="0" u="none" strike="noStrike" kern="1200" baseline="0" dirty="0" err="1">
+                          <a:solidFill>
+                            <a:schemeClr val="dk1"/>
+                          </a:solidFill>
+                          <a:latin typeface="+mn-lt"/>
+                          <a:ea typeface="+mn-ea"/>
+                          <a:cs typeface="+mn-cs"/>
+                        </a:rPr>
+                        <a:t>unsigned</a:t>
+                      </a:r>
+                      <a:r>
+                        <a:rPr lang="de-DE" sz="1200" b="0" i="0" u="none" strike="noStrike" kern="1200" baseline="0" dirty="0">
+                          <a:solidFill>
+                            <a:schemeClr val="dk1"/>
+                          </a:solidFill>
+                          <a:latin typeface="+mn-lt"/>
+                          <a:ea typeface="+mn-ea"/>
+                          <a:cs typeface="+mn-cs"/>
+                        </a:rPr>
+                        <a:t> integer</a:t>
+                      </a:r>
+                      <a:endParaRPr lang="de-DE" sz="1200" dirty="0">
+                        <a:solidFill>
+                          <a:schemeClr val="tx1"/>
+                        </a:solidFill>
+                      </a:endParaRPr>
+                    </a:p>
+                  </a:txBody>
+                  <a:tcPr>
+                    <a:lnL w="12700" cap="flat" cmpd="sng" algn="ctr">
+                      <a:solidFill>
+                        <a:schemeClr val="tx1"/>
+                      </a:solidFill>
+                      <a:prstDash val="solid"/>
+                      <a:round/>
+                      <a:headEnd type="none" w="med" len="med"/>
+                      <a:tailEnd type="none" w="med" len="med"/>
+                    </a:lnL>
+                    <a:lnR w="12700" cap="flat" cmpd="sng" algn="ctr">
+                      <a:solidFill>
+                        <a:schemeClr val="tx1"/>
+                      </a:solidFill>
+                      <a:prstDash val="solid"/>
+                      <a:round/>
+                      <a:headEnd type="none" w="med" len="med"/>
+                      <a:tailEnd type="none" w="med" len="med"/>
+                    </a:lnR>
+                    <a:lnT w="12700" cap="flat" cmpd="sng" algn="ctr">
+                      <a:solidFill>
+                        <a:schemeClr val="tx1"/>
+                      </a:solidFill>
+                      <a:prstDash val="solid"/>
+                      <a:round/>
+                      <a:headEnd type="none" w="med" len="med"/>
+                      <a:tailEnd type="none" w="med" len="med"/>
+                    </a:lnT>
+                    <a:lnB w="12700" cap="flat" cmpd="sng" algn="ctr">
+                      <a:solidFill>
+                        <a:schemeClr val="tx1"/>
+                      </a:solidFill>
+                      <a:prstDash val="solid"/>
+                      <a:round/>
+                      <a:headEnd type="none" w="med" len="med"/>
+                      <a:tailEnd type="none" w="med" len="med"/>
+                    </a:lnB>
+                  </a:tcPr>
+                </a:tc>
+                <a:extLst>
+                  <a:ext uri="{0D108BD9-81ED-4DB2-BD59-A6C34878D82A}">
+                    <a16:rowId xmlns:a16="http://schemas.microsoft.com/office/drawing/2014/main" val="427662704"/>
+                  </a:ext>
+                </a:extLst>
+              </a:tr>
+              <a:tr h="297279">
+                <a:tc vMerge="1">
+                  <a:txBody>
+                    <a:bodyPr/>
+                    <a:lstStyle/>
+                    <a:p>
+                      <a:pPr algn="ctr"/>
+                      <a:endParaRPr lang="de-DE" dirty="0">
+                        <a:solidFill>
+                          <a:schemeClr val="tx1"/>
+                        </a:solidFill>
+                      </a:endParaRPr>
+                    </a:p>
+                  </a:txBody>
+                  <a:tcPr>
+                    <a:lnL w="12700" cap="flat" cmpd="sng" algn="ctr">
+                      <a:solidFill>
+                        <a:schemeClr val="tx1"/>
+                      </a:solidFill>
+                      <a:prstDash val="solid"/>
+                      <a:round/>
+                      <a:headEnd type="none" w="med" len="med"/>
+                      <a:tailEnd type="none" w="med" len="med"/>
+                    </a:lnL>
+                    <a:lnR w="12700" cap="flat" cmpd="sng" algn="ctr">
+                      <a:solidFill>
+                        <a:schemeClr val="tx1"/>
+                      </a:solidFill>
+                      <a:prstDash val="solid"/>
+                      <a:round/>
+                      <a:headEnd type="none" w="med" len="med"/>
+                      <a:tailEnd type="none" w="med" len="med"/>
+                    </a:lnR>
+                    <a:lnT w="12700" cap="flat" cmpd="sng" algn="ctr">
+                      <a:solidFill>
+                        <a:schemeClr val="tx1"/>
+                      </a:solidFill>
+                      <a:prstDash val="solid"/>
+                      <a:round/>
+                      <a:headEnd type="none" w="med" len="med"/>
+                      <a:tailEnd type="none" w="med" len="med"/>
+                    </a:lnT>
+                    <a:lnB w="12700" cap="flat" cmpd="sng" algn="ctr">
+                      <a:solidFill>
+                        <a:schemeClr val="tx1"/>
+                      </a:solidFill>
+                      <a:prstDash val="solid"/>
+                      <a:round/>
+                      <a:headEnd type="none" w="med" len="med"/>
+                      <a:tailEnd type="none" w="med" len="med"/>
+                    </a:lnB>
+                  </a:tcPr>
+                </a:tc>
+                <a:tc vMerge="1">
+                  <a:txBody>
+                    <a:bodyPr/>
+                    <a:lstStyle/>
+                    <a:p>
+                      <a:pPr algn="l"/>
+                      <a:endParaRPr lang="de-DE" dirty="0">
+                        <a:solidFill>
+                          <a:schemeClr val="tx1"/>
+                        </a:solidFill>
+                      </a:endParaRPr>
+                    </a:p>
+                  </a:txBody>
+                  <a:tcPr>
+                    <a:lnL w="12700" cap="flat" cmpd="sng" algn="ctr">
+                      <a:solidFill>
+                        <a:schemeClr val="tx1"/>
+                      </a:solidFill>
+                      <a:prstDash val="solid"/>
+                      <a:round/>
+                      <a:headEnd type="none" w="med" len="med"/>
+                      <a:tailEnd type="none" w="med" len="med"/>
+                    </a:lnL>
+                    <a:lnR w="12700" cap="flat" cmpd="sng" algn="ctr">
+                      <a:solidFill>
+                        <a:schemeClr val="tx1"/>
+                      </a:solidFill>
+                      <a:prstDash val="solid"/>
+                      <a:round/>
+                      <a:headEnd type="none" w="med" len="med"/>
+                      <a:tailEnd type="none" w="med" len="med"/>
+                    </a:lnR>
+                    <a:lnT w="12700" cap="flat" cmpd="sng" algn="ctr">
+                      <a:solidFill>
+                        <a:schemeClr val="tx1"/>
+                      </a:solidFill>
+                      <a:prstDash val="solid"/>
+                      <a:round/>
+                      <a:headEnd type="none" w="med" len="med"/>
+                      <a:tailEnd type="none" w="med" len="med"/>
+                    </a:lnT>
+                    <a:lnB w="12700" cap="flat" cmpd="sng" algn="ctr">
+                      <a:solidFill>
+                        <a:schemeClr val="tx1"/>
+                      </a:solidFill>
+                      <a:prstDash val="solid"/>
+                      <a:round/>
+                      <a:headEnd type="none" w="med" len="med"/>
+                      <a:tailEnd type="none" w="med" len="med"/>
+                    </a:lnB>
+                  </a:tcPr>
+                </a:tc>
+                <a:tc>
+                  <a:txBody>
+                    <a:bodyPr/>
+                    <a:lstStyle/>
+                    <a:p>
+                      <a:r>
+                        <a:rPr lang="en-US" sz="1200" b="0" i="0" u="none" strike="noStrike" kern="1200" baseline="0" dirty="0">
+                          <a:solidFill>
+                            <a:schemeClr val="dk1"/>
+                          </a:solidFill>
+                          <a:latin typeface="+mn-lt"/>
+                          <a:ea typeface="+mn-ea"/>
+                          <a:cs typeface="+mn-cs"/>
+                        </a:rPr>
+                        <a:t>Application Number—16-bit unsigned integer</a:t>
+                      </a:r>
+                      <a:endParaRPr lang="de-DE" sz="1200" dirty="0">
+                        <a:solidFill>
+                          <a:schemeClr val="tx1"/>
+                        </a:solidFill>
+                      </a:endParaRPr>
+                    </a:p>
+                  </a:txBody>
+                  <a:tcPr>
+                    <a:lnL w="12700" cap="flat" cmpd="sng" algn="ctr">
+                      <a:solidFill>
+                        <a:schemeClr val="tx1"/>
+                      </a:solidFill>
+                      <a:prstDash val="solid"/>
+                      <a:round/>
+                      <a:headEnd type="none" w="med" len="med"/>
+                      <a:tailEnd type="none" w="med" len="med"/>
+                    </a:lnL>
+                    <a:lnR w="12700" cap="flat" cmpd="sng" algn="ctr">
+                      <a:solidFill>
+                        <a:schemeClr val="tx1"/>
+                      </a:solidFill>
+                      <a:prstDash val="solid"/>
+                      <a:round/>
+                      <a:headEnd type="none" w="med" len="med"/>
+                      <a:tailEnd type="none" w="med" len="med"/>
+                    </a:lnR>
+                    <a:lnT w="12700" cap="flat" cmpd="sng" algn="ctr">
+                      <a:solidFill>
+                        <a:schemeClr val="tx1"/>
+                      </a:solidFill>
+                      <a:prstDash val="solid"/>
+                      <a:round/>
+                      <a:headEnd type="none" w="med" len="med"/>
+                      <a:tailEnd type="none" w="med" len="med"/>
+                    </a:lnT>
+                    <a:lnB w="12700" cap="flat" cmpd="sng" algn="ctr">
+                      <a:solidFill>
+                        <a:schemeClr val="tx1"/>
+                      </a:solidFill>
+                      <a:prstDash val="solid"/>
+                      <a:round/>
+                      <a:headEnd type="none" w="med" len="med"/>
+                      <a:tailEnd type="none" w="med" len="med"/>
+                    </a:lnB>
+                  </a:tcPr>
+                </a:tc>
+                <a:extLst>
+                  <a:ext uri="{0D108BD9-81ED-4DB2-BD59-A6C34878D82A}">
+                    <a16:rowId xmlns:a16="http://schemas.microsoft.com/office/drawing/2014/main" val="714275117"/>
+                  </a:ext>
+                </a:extLst>
+              </a:tr>
+              <a:tr h="297279">
+                <a:tc vMerge="1">
+                  <a:txBody>
+                    <a:bodyPr/>
+                    <a:lstStyle/>
+                    <a:p>
+                      <a:pPr algn="ctr"/>
+                      <a:endParaRPr lang="de-DE" dirty="0">
+                        <a:solidFill>
+                          <a:schemeClr val="tx1"/>
+                        </a:solidFill>
+                      </a:endParaRPr>
+                    </a:p>
+                  </a:txBody>
+                  <a:tcPr>
+                    <a:lnL w="12700" cap="flat" cmpd="sng" algn="ctr">
+                      <a:solidFill>
+                        <a:schemeClr val="tx1"/>
+                      </a:solidFill>
+                      <a:prstDash val="solid"/>
+                      <a:round/>
+                      <a:headEnd type="none" w="med" len="med"/>
+                      <a:tailEnd type="none" w="med" len="med"/>
+                    </a:lnL>
+                    <a:lnR w="12700" cap="flat" cmpd="sng" algn="ctr">
+                      <a:solidFill>
+                        <a:schemeClr val="tx1"/>
+                      </a:solidFill>
+                      <a:prstDash val="solid"/>
+                      <a:round/>
+                      <a:headEnd type="none" w="med" len="med"/>
+                      <a:tailEnd type="none" w="med" len="med"/>
+                    </a:lnR>
+                    <a:lnT w="12700" cap="flat" cmpd="sng" algn="ctr">
+                      <a:solidFill>
+                        <a:schemeClr val="tx1"/>
+                      </a:solidFill>
+                      <a:prstDash val="solid"/>
+                      <a:round/>
+                      <a:headEnd type="none" w="med" len="med"/>
+                      <a:tailEnd type="none" w="med" len="med"/>
+                    </a:lnT>
+                    <a:lnB w="12700" cap="flat" cmpd="sng" algn="ctr">
+                      <a:solidFill>
+                        <a:schemeClr val="tx1"/>
+                      </a:solidFill>
+                      <a:prstDash val="solid"/>
+                      <a:round/>
+                      <a:headEnd type="none" w="med" len="med"/>
+                      <a:tailEnd type="none" w="med" len="med"/>
+                    </a:lnB>
+                  </a:tcPr>
+                </a:tc>
+                <a:tc vMerge="1">
+                  <a:txBody>
+                    <a:bodyPr/>
+                    <a:lstStyle/>
+                    <a:p>
+                      <a:pPr algn="l"/>
+                      <a:endParaRPr lang="de-DE" dirty="0">
+                        <a:solidFill>
+                          <a:schemeClr val="tx1"/>
+                        </a:solidFill>
+                      </a:endParaRPr>
+                    </a:p>
+                  </a:txBody>
+                  <a:tcPr>
+                    <a:lnL w="12700" cap="flat" cmpd="sng" algn="ctr">
+                      <a:solidFill>
+                        <a:schemeClr val="tx1"/>
+                      </a:solidFill>
+                      <a:prstDash val="solid"/>
+                      <a:round/>
+                      <a:headEnd type="none" w="med" len="med"/>
+                      <a:tailEnd type="none" w="med" len="med"/>
+                    </a:lnL>
+                    <a:lnR w="12700" cap="flat" cmpd="sng" algn="ctr">
+                      <a:solidFill>
+                        <a:schemeClr val="tx1"/>
+                      </a:solidFill>
+                      <a:prstDash val="solid"/>
+                      <a:round/>
+                      <a:headEnd type="none" w="med" len="med"/>
+                      <a:tailEnd type="none" w="med" len="med"/>
+                    </a:lnR>
+                    <a:lnT w="12700" cap="flat" cmpd="sng" algn="ctr">
+                      <a:solidFill>
+                        <a:schemeClr val="tx1"/>
+                      </a:solidFill>
+                      <a:prstDash val="solid"/>
+                      <a:round/>
+                      <a:headEnd type="none" w="med" len="med"/>
+                      <a:tailEnd type="none" w="med" len="med"/>
+                    </a:lnT>
+                    <a:lnB w="12700" cap="flat" cmpd="sng" algn="ctr">
+                      <a:solidFill>
+                        <a:schemeClr val="tx1"/>
+                      </a:solidFill>
+                      <a:prstDash val="solid"/>
+                      <a:round/>
+                      <a:headEnd type="none" w="med" len="med"/>
+                      <a:tailEnd type="none" w="med" len="med"/>
+                    </a:lnB>
+                  </a:tcPr>
+                </a:tc>
+                <a:tc>
+                  <a:txBody>
+                    <a:bodyPr/>
+                    <a:lstStyle/>
+                    <a:p>
+                      <a:r>
+                        <a:rPr lang="en-US" sz="1200" b="0" i="0" u="none" strike="noStrike" kern="1200" baseline="0" dirty="0">
+                          <a:solidFill>
+                            <a:schemeClr val="dk1"/>
+                          </a:solidFill>
+                          <a:latin typeface="+mn-lt"/>
+                          <a:ea typeface="+mn-ea"/>
+                          <a:cs typeface="+mn-cs"/>
+                        </a:rPr>
+                        <a:t>Entity Number—16-bit unsigned integer</a:t>
+                      </a:r>
+                      <a:endParaRPr lang="de-DE" sz="1200" dirty="0">
+                        <a:solidFill>
+                          <a:schemeClr val="tx1"/>
+                        </a:solidFill>
+                      </a:endParaRPr>
+                    </a:p>
+                  </a:txBody>
+                  <a:tcPr>
+                    <a:lnL w="12700" cap="flat" cmpd="sng" algn="ctr">
+                      <a:solidFill>
+                        <a:schemeClr val="tx1"/>
+                      </a:solidFill>
+                      <a:prstDash val="solid"/>
+                      <a:round/>
+                      <a:headEnd type="none" w="med" len="med"/>
+                      <a:tailEnd type="none" w="med" len="med"/>
+                    </a:lnL>
+                    <a:lnR w="12700" cap="flat" cmpd="sng" algn="ctr">
+                      <a:solidFill>
+                        <a:schemeClr val="tx1"/>
+                      </a:solidFill>
+                      <a:prstDash val="solid"/>
+                      <a:round/>
+                      <a:headEnd type="none" w="med" len="med"/>
+                      <a:tailEnd type="none" w="med" len="med"/>
+                    </a:lnR>
+                    <a:lnT w="12700" cap="flat" cmpd="sng" algn="ctr">
+                      <a:solidFill>
+                        <a:schemeClr val="tx1"/>
+                      </a:solidFill>
+                      <a:prstDash val="solid"/>
+                      <a:round/>
+                      <a:headEnd type="none" w="med" len="med"/>
+                      <a:tailEnd type="none" w="med" len="med"/>
+                    </a:lnT>
+                    <a:lnB w="12700" cap="flat" cmpd="sng" algn="ctr">
+                      <a:solidFill>
+                        <a:schemeClr val="tx1"/>
+                      </a:solidFill>
+                      <a:prstDash val="solid"/>
+                      <a:round/>
+                      <a:headEnd type="none" w="med" len="med"/>
+                      <a:tailEnd type="none" w="med" len="med"/>
+                    </a:lnB>
+                  </a:tcPr>
+                </a:tc>
+                <a:extLst>
+                  <a:ext uri="{0D108BD9-81ED-4DB2-BD59-A6C34878D82A}">
+                    <a16:rowId xmlns:a16="http://schemas.microsoft.com/office/drawing/2014/main" val="731885590"/>
+                  </a:ext>
+                </a:extLst>
+              </a:tr>
+            </a:tbl>
+          </a:graphicData>
+        </a:graphic>
+      </p:graphicFrame>
+      <p:sp>
+        <p:nvSpPr>
+          <p:cNvPr id="6" name="Textfeld 5">
+            <a:extLst>
+              <a:ext uri="{FF2B5EF4-FFF2-40B4-BE49-F238E27FC236}">
+                <a16:creationId xmlns:a16="http://schemas.microsoft.com/office/drawing/2014/main" id="{FEE6C804-007B-4835-B322-2D2FF13C9CCF}"/>
+              </a:ext>
+            </a:extLst>
+          </p:cNvPr>
+          <p:cNvSpPr txBox="1"/>
+          <p:nvPr/>
+        </p:nvSpPr>
+        <p:spPr>
+          <a:xfrm>
+            <a:off x="15570" y="5013177"/>
+            <a:ext cx="356188" cy="276999"/>
+          </a:xfrm>
+          <a:prstGeom prst="rect">
+            <a:avLst/>
+          </a:prstGeom>
+          <a:noFill/>
+        </p:spPr>
+        <p:txBody>
+          <a:bodyPr wrap="none" rtlCol="0">
+            <a:spAutoFit/>
+          </a:bodyPr>
+          <a:lstStyle/>
+          <a:p>
+            <a:r>
+              <a:rPr lang="de-DE" sz="1200" dirty="0"/>
+              <a:t>[3]</a:t>
+            </a:r>
+          </a:p>
+        </p:txBody>
+      </p:sp>
+    </p:spTree>
+    <p:extLst>
+      <p:ext uri="{BB962C8B-B14F-4D97-AF65-F5344CB8AC3E}">
+        <p14:creationId xmlns:p14="http://schemas.microsoft.com/office/powerpoint/2010/main" val="3944312276"/>
       </p:ext>
     </p:extLst>
   </p:cSld>
